--- a/wip/Lecture 7 - Introduction to the Internet.pptx
+++ b/wip/Lecture 7 - Introduction to the Internet.pptx
@@ -5,32 +5,35 @@
     <p:sldMasterId id="2147483648" r:id="rId1"/>
   </p:sldMasterIdLst>
   <p:sldIdLst>
-    <p:sldId id="256" r:id="rId3"/>
-    <p:sldId id="257" r:id="rId4"/>
-    <p:sldId id="258" r:id="rId5"/>
-    <p:sldId id="260" r:id="rId6"/>
-    <p:sldId id="261" r:id="rId7"/>
-    <p:sldId id="262" r:id="rId8"/>
-    <p:sldId id="263" r:id="rId9"/>
-    <p:sldId id="264" r:id="rId10"/>
-    <p:sldId id="265" r:id="rId11"/>
-    <p:sldId id="266" r:id="rId12"/>
-    <p:sldId id="267" r:id="rId13"/>
-    <p:sldId id="268" r:id="rId14"/>
-    <p:sldId id="269" r:id="rId15"/>
-    <p:sldId id="270" r:id="rId16"/>
-    <p:sldId id="271" r:id="rId17"/>
-    <p:sldId id="272" r:id="rId18"/>
-    <p:sldId id="273" r:id="rId19"/>
-    <p:sldId id="274" r:id="rId20"/>
-    <p:sldId id="275" r:id="rId21"/>
-    <p:sldId id="276" r:id="rId22"/>
-    <p:sldId id="277" r:id="rId23"/>
-    <p:sldId id="278" r:id="rId24"/>
-    <p:sldId id="279" r:id="rId25"/>
-    <p:sldId id="280" r:id="rId26"/>
-    <p:sldId id="281" r:id="rId27"/>
-    <p:sldId id="282" r:id="rId28"/>
+    <p:sldId id="256" r:id="rId2"/>
+    <p:sldId id="261" r:id="rId3"/>
+    <p:sldId id="262" r:id="rId4"/>
+    <p:sldId id="263" r:id="rId5"/>
+    <p:sldId id="264" r:id="rId6"/>
+    <p:sldId id="265" r:id="rId7"/>
+    <p:sldId id="266" r:id="rId8"/>
+    <p:sldId id="267" r:id="rId9"/>
+    <p:sldId id="268" r:id="rId10"/>
+    <p:sldId id="269" r:id="rId11"/>
+    <p:sldId id="270" r:id="rId12"/>
+    <p:sldId id="271" r:id="rId13"/>
+    <p:sldId id="272" r:id="rId14"/>
+    <p:sldId id="273" r:id="rId15"/>
+    <p:sldId id="274" r:id="rId16"/>
+    <p:sldId id="275" r:id="rId17"/>
+    <p:sldId id="276" r:id="rId18"/>
+    <p:sldId id="277" r:id="rId19"/>
+    <p:sldId id="278" r:id="rId20"/>
+    <p:sldId id="279" r:id="rId21"/>
+    <p:sldId id="280" r:id="rId22"/>
+    <p:sldId id="281" r:id="rId23"/>
+    <p:sldId id="288" r:id="rId24"/>
+    <p:sldId id="284" r:id="rId25"/>
+    <p:sldId id="287" r:id="rId26"/>
+    <p:sldId id="289" r:id="rId27"/>
+    <p:sldId id="286" r:id="rId28"/>
+    <p:sldId id="285" r:id="rId29"/>
+    <p:sldId id="282" r:id="rId30"/>
   </p:sldIdLst>
   <p:sldSz cx="12192000" cy="6858000"/>
   <p:notesSz cx="6858000" cy="9144000"/>
@@ -129,7 +132,403 @@
       </a:defRPr>
     </a:lvl9pPr>
   </p:defaultTextStyle>
+  <p:extLst>
+    <p:ext uri="{EFAFB233-063F-42B5-8137-9DF3F51BA10A}">
+      <p15:sldGuideLst xmlns:p15="http://schemas.microsoft.com/office/powerpoint/2012/main"/>
+    </p:ext>
+  </p:extLst>
 </p:presentation>
+</file>
+
+<file path=ppt/changesInfos/changesInfo1.xml><?xml version="1.0" encoding="utf-8"?>
+<pc:chgInfo xmlns:a="http://schemas.openxmlformats.org/drawingml/2006/main" xmlns:r="http://schemas.openxmlformats.org/officeDocument/2006/relationships" xmlns:ac="http://schemas.microsoft.com/office/drawing/2013/main/command" xmlns:pc="http://schemas.microsoft.com/office/powerpoint/2013/main/command">
+  <pc:docChgLst>
+    <pc:chgData name="Joshua Gross" userId="7bb6a70e-9d37-46e4-96de-748557707bd0" providerId="ADAL" clId="{CA92AA49-D462-4111-8054-6FBC6E9AA59B}"/>
+    <pc:docChg chg="undo custSel addSld delSld modSld sldOrd">
+      <pc:chgData name="Joshua Gross" userId="7bb6a70e-9d37-46e4-96de-748557707bd0" providerId="ADAL" clId="{CA92AA49-D462-4111-8054-6FBC6E9AA59B}" dt="2023-09-14T13:11:47.121" v="882" actId="2696"/>
+      <pc:docMkLst>
+        <pc:docMk/>
+      </pc:docMkLst>
+      <pc:sldChg chg="del">
+        <pc:chgData name="Joshua Gross" userId="7bb6a70e-9d37-46e4-96de-748557707bd0" providerId="ADAL" clId="{CA92AA49-D462-4111-8054-6FBC6E9AA59B}" dt="2023-09-14T13:11:46.232" v="881" actId="2696"/>
+        <pc:sldMkLst>
+          <pc:docMk/>
+          <pc:sldMk cId="0" sldId="257"/>
+        </pc:sldMkLst>
+      </pc:sldChg>
+      <pc:sldChg chg="del">
+        <pc:chgData name="Joshua Gross" userId="7bb6a70e-9d37-46e4-96de-748557707bd0" providerId="ADAL" clId="{CA92AA49-D462-4111-8054-6FBC6E9AA59B}" dt="2023-09-14T13:11:44.425" v="880" actId="2696"/>
+        <pc:sldMkLst>
+          <pc:docMk/>
+          <pc:sldMk cId="0" sldId="258"/>
+        </pc:sldMkLst>
+      </pc:sldChg>
+      <pc:sldChg chg="del">
+        <pc:chgData name="Joshua Gross" userId="7bb6a70e-9d37-46e4-96de-748557707bd0" providerId="ADAL" clId="{CA92AA49-D462-4111-8054-6FBC6E9AA59B}" dt="2023-09-14T13:11:47.121" v="882" actId="2696"/>
+        <pc:sldMkLst>
+          <pc:docMk/>
+          <pc:sldMk cId="0" sldId="260"/>
+        </pc:sldMkLst>
+      </pc:sldChg>
+      <pc:sldChg chg="modSp">
+        <pc:chgData name="Joshua Gross" userId="7bb6a70e-9d37-46e4-96de-748557707bd0" providerId="ADAL" clId="{CA92AA49-D462-4111-8054-6FBC6E9AA59B}" dt="2023-09-14T12:11:46.003" v="5" actId="20577"/>
+        <pc:sldMkLst>
+          <pc:docMk/>
+          <pc:sldMk cId="0" sldId="265"/>
+        </pc:sldMkLst>
+        <pc:spChg chg="mod">
+          <ac:chgData name="Joshua Gross" userId="7bb6a70e-9d37-46e4-96de-748557707bd0" providerId="ADAL" clId="{CA92AA49-D462-4111-8054-6FBC6E9AA59B}" dt="2023-09-14T12:11:46.003" v="5" actId="20577"/>
+          <ac:spMkLst>
+            <pc:docMk/>
+            <pc:sldMk cId="0" sldId="265"/>
+            <ac:spMk id="5" creationId="{00000000-0000-0000-0000-000000000000}"/>
+          </ac:spMkLst>
+        </pc:spChg>
+      </pc:sldChg>
+      <pc:sldChg chg="modSp">
+        <pc:chgData name="Joshua Gross" userId="7bb6a70e-9d37-46e4-96de-748557707bd0" providerId="ADAL" clId="{CA92AA49-D462-4111-8054-6FBC6E9AA59B}" dt="2023-09-14T12:14:50.252" v="7" actId="27636"/>
+        <pc:sldMkLst>
+          <pc:docMk/>
+          <pc:sldMk cId="0" sldId="267"/>
+        </pc:sldMkLst>
+        <pc:spChg chg="mod">
+          <ac:chgData name="Joshua Gross" userId="7bb6a70e-9d37-46e4-96de-748557707bd0" providerId="ADAL" clId="{CA92AA49-D462-4111-8054-6FBC6E9AA59B}" dt="2023-09-14T12:14:50.252" v="7" actId="27636"/>
+          <ac:spMkLst>
+            <pc:docMk/>
+            <pc:sldMk cId="0" sldId="267"/>
+            <ac:spMk id="5" creationId="{00000000-0000-0000-0000-000000000000}"/>
+          </ac:spMkLst>
+        </pc:spChg>
+      </pc:sldChg>
+      <pc:sldChg chg="modSp">
+        <pc:chgData name="Joshua Gross" userId="7bb6a70e-9d37-46e4-96de-748557707bd0" providerId="ADAL" clId="{CA92AA49-D462-4111-8054-6FBC6E9AA59B}" dt="2023-09-14T12:14:50.266" v="8" actId="27636"/>
+        <pc:sldMkLst>
+          <pc:docMk/>
+          <pc:sldMk cId="0" sldId="268"/>
+        </pc:sldMkLst>
+        <pc:spChg chg="mod">
+          <ac:chgData name="Joshua Gross" userId="7bb6a70e-9d37-46e4-96de-748557707bd0" providerId="ADAL" clId="{CA92AA49-D462-4111-8054-6FBC6E9AA59B}" dt="2023-09-14T12:14:50.266" v="8" actId="27636"/>
+          <ac:spMkLst>
+            <pc:docMk/>
+            <pc:sldMk cId="0" sldId="268"/>
+            <ac:spMk id="5" creationId="{00000000-0000-0000-0000-000000000000}"/>
+          </ac:spMkLst>
+        </pc:spChg>
+      </pc:sldChg>
+      <pc:sldChg chg="modSp">
+        <pc:chgData name="Joshua Gross" userId="7bb6a70e-9d37-46e4-96de-748557707bd0" providerId="ADAL" clId="{CA92AA49-D462-4111-8054-6FBC6E9AA59B}" dt="2023-09-14T12:14:50.276" v="9" actId="27636"/>
+        <pc:sldMkLst>
+          <pc:docMk/>
+          <pc:sldMk cId="0" sldId="269"/>
+        </pc:sldMkLst>
+        <pc:spChg chg="mod">
+          <ac:chgData name="Joshua Gross" userId="7bb6a70e-9d37-46e4-96de-748557707bd0" providerId="ADAL" clId="{CA92AA49-D462-4111-8054-6FBC6E9AA59B}" dt="2023-09-14T12:14:50.276" v="9" actId="27636"/>
+          <ac:spMkLst>
+            <pc:docMk/>
+            <pc:sldMk cId="0" sldId="269"/>
+            <ac:spMk id="5" creationId="{00000000-0000-0000-0000-000000000000}"/>
+          </ac:spMkLst>
+        </pc:spChg>
+      </pc:sldChg>
+      <pc:sldChg chg="modSp">
+        <pc:chgData name="Joshua Gross" userId="7bb6a70e-9d37-46e4-96de-748557707bd0" providerId="ADAL" clId="{CA92AA49-D462-4111-8054-6FBC6E9AA59B}" dt="2023-09-14T12:14:50.294" v="10" actId="27636"/>
+        <pc:sldMkLst>
+          <pc:docMk/>
+          <pc:sldMk cId="0" sldId="279"/>
+        </pc:sldMkLst>
+        <pc:spChg chg="mod">
+          <ac:chgData name="Joshua Gross" userId="7bb6a70e-9d37-46e4-96de-748557707bd0" providerId="ADAL" clId="{CA92AA49-D462-4111-8054-6FBC6E9AA59B}" dt="2023-09-14T12:14:50.294" v="10" actId="27636"/>
+          <ac:spMkLst>
+            <pc:docMk/>
+            <pc:sldMk cId="0" sldId="279"/>
+            <ac:spMk id="5" creationId="{00000000-0000-0000-0000-000000000000}"/>
+          </ac:spMkLst>
+        </pc:spChg>
+      </pc:sldChg>
+      <pc:sldChg chg="addSp modSp add del">
+        <pc:chgData name="Joshua Gross" userId="7bb6a70e-9d37-46e4-96de-748557707bd0" providerId="ADAL" clId="{CA92AA49-D462-4111-8054-6FBC6E9AA59B}" dt="2023-09-14T12:26:32.465" v="30" actId="2696"/>
+        <pc:sldMkLst>
+          <pc:docMk/>
+          <pc:sldMk cId="936323141" sldId="283"/>
+        </pc:sldMkLst>
+        <pc:spChg chg="add mod">
+          <ac:chgData name="Joshua Gross" userId="7bb6a70e-9d37-46e4-96de-748557707bd0" providerId="ADAL" clId="{CA92AA49-D462-4111-8054-6FBC6E9AA59B}" dt="2023-09-14T12:26:23.590" v="27" actId="13822"/>
+          <ac:spMkLst>
+            <pc:docMk/>
+            <pc:sldMk cId="936323141" sldId="283"/>
+            <ac:spMk id="2" creationId="{F81FAD58-B65B-4A5C-BECE-E3C9D678299D}"/>
+          </ac:spMkLst>
+        </pc:spChg>
+        <pc:spChg chg="mod">
+          <ac:chgData name="Joshua Gross" userId="7bb6a70e-9d37-46e4-96de-748557707bd0" providerId="ADAL" clId="{CA92AA49-D462-4111-8054-6FBC6E9AA59B}" dt="2023-09-14T12:25:53.641" v="25" actId="20577"/>
+          <ac:spMkLst>
+            <pc:docMk/>
+            <pc:sldMk cId="936323141" sldId="283"/>
+            <ac:spMk id="5" creationId="{00000000-0000-0000-0000-000000000000}"/>
+          </ac:spMkLst>
+        </pc:spChg>
+      </pc:sldChg>
+      <pc:sldChg chg="addSp delSp modSp add">
+        <pc:chgData name="Joshua Gross" userId="7bb6a70e-9d37-46e4-96de-748557707bd0" providerId="ADAL" clId="{CA92AA49-D462-4111-8054-6FBC6E9AA59B}" dt="2023-09-14T12:32:29.246" v="430" actId="478"/>
+        <pc:sldMkLst>
+          <pc:docMk/>
+          <pc:sldMk cId="3856547561" sldId="284"/>
+        </pc:sldMkLst>
+        <pc:spChg chg="del mod">
+          <ac:chgData name="Joshua Gross" userId="7bb6a70e-9d37-46e4-96de-748557707bd0" providerId="ADAL" clId="{CA92AA49-D462-4111-8054-6FBC6E9AA59B}" dt="2023-09-14T12:30:05.910" v="193" actId="478"/>
+          <ac:spMkLst>
+            <pc:docMk/>
+            <pc:sldMk cId="3856547561" sldId="284"/>
+            <ac:spMk id="2" creationId="{F81FAD58-B65B-4A5C-BECE-E3C9D678299D}"/>
+          </ac:spMkLst>
+        </pc:spChg>
+        <pc:spChg chg="add mod">
+          <ac:chgData name="Joshua Gross" userId="7bb6a70e-9d37-46e4-96de-748557707bd0" providerId="ADAL" clId="{CA92AA49-D462-4111-8054-6FBC6E9AA59B}" dt="2023-09-14T12:31:59.837" v="421" actId="1076"/>
+          <ac:spMkLst>
+            <pc:docMk/>
+            <pc:sldMk cId="3856547561" sldId="284"/>
+            <ac:spMk id="3" creationId="{FB116FCA-7628-4753-B194-42289C5C84E6}"/>
+          </ac:spMkLst>
+        </pc:spChg>
+        <pc:spChg chg="mod">
+          <ac:chgData name="Joshua Gross" userId="7bb6a70e-9d37-46e4-96de-748557707bd0" providerId="ADAL" clId="{CA92AA49-D462-4111-8054-6FBC6E9AA59B}" dt="2023-09-14T12:32:21.910" v="427" actId="1076"/>
+          <ac:spMkLst>
+            <pc:docMk/>
+            <pc:sldMk cId="3856547561" sldId="284"/>
+            <ac:spMk id="5" creationId="{00000000-0000-0000-0000-000000000000}"/>
+          </ac:spMkLst>
+        </pc:spChg>
+        <pc:spChg chg="add del mod">
+          <ac:chgData name="Joshua Gross" userId="7bb6a70e-9d37-46e4-96de-748557707bd0" providerId="ADAL" clId="{CA92AA49-D462-4111-8054-6FBC6E9AA59B}" dt="2023-09-14T12:26:38.465" v="34" actId="478"/>
+          <ac:spMkLst>
+            <pc:docMk/>
+            <pc:sldMk cId="3856547561" sldId="284"/>
+            <ac:spMk id="6" creationId="{12F62D9E-04E0-40AB-80ED-934A2376C41B}"/>
+          </ac:spMkLst>
+        </pc:spChg>
+        <pc:spChg chg="add del mod">
+          <ac:chgData name="Joshua Gross" userId="7bb6a70e-9d37-46e4-96de-748557707bd0" providerId="ADAL" clId="{CA92AA49-D462-4111-8054-6FBC6E9AA59B}" dt="2023-09-14T12:32:29.246" v="430" actId="478"/>
+          <ac:spMkLst>
+            <pc:docMk/>
+            <pc:sldMk cId="3856547561" sldId="284"/>
+            <ac:spMk id="7" creationId="{FA60EE19-CD92-4FFF-A229-C1793BDF1A78}"/>
+          </ac:spMkLst>
+        </pc:spChg>
+        <pc:spChg chg="add del mod">
+          <ac:chgData name="Joshua Gross" userId="7bb6a70e-9d37-46e4-96de-748557707bd0" providerId="ADAL" clId="{CA92AA49-D462-4111-8054-6FBC6E9AA59B}" dt="2023-09-14T12:32:24.110" v="428" actId="478"/>
+          <ac:spMkLst>
+            <pc:docMk/>
+            <pc:sldMk cId="3856547561" sldId="284"/>
+            <ac:spMk id="8" creationId="{3528DBB0-3F1B-4198-BF65-71D584356C1F}"/>
+          </ac:spMkLst>
+        </pc:spChg>
+        <pc:spChg chg="add del mod">
+          <ac:chgData name="Joshua Gross" userId="7bb6a70e-9d37-46e4-96de-748557707bd0" providerId="ADAL" clId="{CA92AA49-D462-4111-8054-6FBC6E9AA59B}" dt="2023-09-14T12:28:28.718" v="93" actId="478"/>
+          <ac:spMkLst>
+            <pc:docMk/>
+            <pc:sldMk cId="3856547561" sldId="284"/>
+            <ac:spMk id="9" creationId="{EEAAEF86-52B3-404B-902E-C7262DFCE041}"/>
+          </ac:spMkLst>
+        </pc:spChg>
+        <pc:spChg chg="add del mod">
+          <ac:chgData name="Joshua Gross" userId="7bb6a70e-9d37-46e4-96de-748557707bd0" providerId="ADAL" clId="{CA92AA49-D462-4111-8054-6FBC6E9AA59B}" dt="2023-09-14T12:32:17.029" v="424" actId="478"/>
+          <ac:spMkLst>
+            <pc:docMk/>
+            <pc:sldMk cId="3856547561" sldId="284"/>
+            <ac:spMk id="10" creationId="{49354979-405E-464D-B10D-EC9F717FEF12}"/>
+          </ac:spMkLst>
+        </pc:spChg>
+        <pc:spChg chg="add del mod">
+          <ac:chgData name="Joshua Gross" userId="7bb6a70e-9d37-46e4-96de-748557707bd0" providerId="ADAL" clId="{CA92AA49-D462-4111-8054-6FBC6E9AA59B}" dt="2023-09-14T12:32:24.110" v="428" actId="478"/>
+          <ac:spMkLst>
+            <pc:docMk/>
+            <pc:sldMk cId="3856547561" sldId="284"/>
+            <ac:spMk id="11" creationId="{9CCEF493-16EF-41CD-9DF1-D71D9FA1B174}"/>
+          </ac:spMkLst>
+        </pc:spChg>
+        <pc:spChg chg="add mod">
+          <ac:chgData name="Joshua Gross" userId="7bb6a70e-9d37-46e4-96de-748557707bd0" providerId="ADAL" clId="{CA92AA49-D462-4111-8054-6FBC6E9AA59B}" dt="2023-09-14T12:32:03.030" v="422" actId="1076"/>
+          <ac:spMkLst>
+            <pc:docMk/>
+            <pc:sldMk cId="3856547561" sldId="284"/>
+            <ac:spMk id="12" creationId="{7792508A-4E1B-43F9-A54E-AB9EDDBAB437}"/>
+          </ac:spMkLst>
+        </pc:spChg>
+        <pc:spChg chg="add del mod">
+          <ac:chgData name="Joshua Gross" userId="7bb6a70e-9d37-46e4-96de-748557707bd0" providerId="ADAL" clId="{CA92AA49-D462-4111-8054-6FBC6E9AA59B}" dt="2023-09-14T12:32:17.029" v="424" actId="478"/>
+          <ac:spMkLst>
+            <pc:docMk/>
+            <pc:sldMk cId="3856547561" sldId="284"/>
+            <ac:spMk id="13" creationId="{400C3327-798B-4A9D-BB54-C9BEB2DBF68D}"/>
+          </ac:spMkLst>
+        </pc:spChg>
+      </pc:sldChg>
+      <pc:sldChg chg="add">
+        <pc:chgData name="Joshua Gross" userId="7bb6a70e-9d37-46e4-96de-748557707bd0" providerId="ADAL" clId="{CA92AA49-D462-4111-8054-6FBC6E9AA59B}" dt="2023-09-14T12:32:07.825" v="423"/>
+        <pc:sldMkLst>
+          <pc:docMk/>
+          <pc:sldMk cId="1685363875" sldId="285"/>
+        </pc:sldMkLst>
+      </pc:sldChg>
+      <pc:sldChg chg="add">
+        <pc:chgData name="Joshua Gross" userId="7bb6a70e-9d37-46e4-96de-748557707bd0" providerId="ADAL" clId="{CA92AA49-D462-4111-8054-6FBC6E9AA59B}" dt="2023-09-14T12:32:19.505" v="425"/>
+        <pc:sldMkLst>
+          <pc:docMk/>
+          <pc:sldMk cId="1399149358" sldId="286"/>
+        </pc:sldMkLst>
+      </pc:sldChg>
+      <pc:sldChg chg="add">
+        <pc:chgData name="Joshua Gross" userId="7bb6a70e-9d37-46e4-96de-748557707bd0" providerId="ADAL" clId="{CA92AA49-D462-4111-8054-6FBC6E9AA59B}" dt="2023-09-14T12:32:25.737" v="429"/>
+        <pc:sldMkLst>
+          <pc:docMk/>
+          <pc:sldMk cId="868546742" sldId="287"/>
+        </pc:sldMkLst>
+      </pc:sldChg>
+      <pc:sldChg chg="delSp modSp add ord">
+        <pc:chgData name="Joshua Gross" userId="7bb6a70e-9d37-46e4-96de-748557707bd0" providerId="ADAL" clId="{CA92AA49-D462-4111-8054-6FBC6E9AA59B}" dt="2023-09-14T12:32:46.022" v="435"/>
+        <pc:sldMkLst>
+          <pc:docMk/>
+          <pc:sldMk cId="1429726443" sldId="288"/>
+        </pc:sldMkLst>
+        <pc:spChg chg="del">
+          <ac:chgData name="Joshua Gross" userId="7bb6a70e-9d37-46e4-96de-748557707bd0" providerId="ADAL" clId="{CA92AA49-D462-4111-8054-6FBC6E9AA59B}" dt="2023-09-14T12:32:42.638" v="434" actId="478"/>
+          <ac:spMkLst>
+            <pc:docMk/>
+            <pc:sldMk cId="1429726443" sldId="288"/>
+            <ac:spMk id="3" creationId="{FB116FCA-7628-4753-B194-42289C5C84E6}"/>
+          </ac:spMkLst>
+        </pc:spChg>
+        <pc:spChg chg="mod">
+          <ac:chgData name="Joshua Gross" userId="7bb6a70e-9d37-46e4-96de-748557707bd0" providerId="ADAL" clId="{CA92AA49-D462-4111-8054-6FBC6E9AA59B}" dt="2023-09-14T12:32:40.270" v="433" actId="1076"/>
+          <ac:spMkLst>
+            <pc:docMk/>
+            <pc:sldMk cId="1429726443" sldId="288"/>
+            <ac:spMk id="5" creationId="{00000000-0000-0000-0000-000000000000}"/>
+          </ac:spMkLst>
+        </pc:spChg>
+      </pc:sldChg>
+      <pc:sldChg chg="addSp delSp modSp add">
+        <pc:chgData name="Joshua Gross" userId="7bb6a70e-9d37-46e4-96de-748557707bd0" providerId="ADAL" clId="{CA92AA49-D462-4111-8054-6FBC6E9AA59B}" dt="2023-09-14T12:42:09.264" v="879" actId="404"/>
+        <pc:sldMkLst>
+          <pc:docMk/>
+          <pc:sldMk cId="4039373973" sldId="289"/>
+        </pc:sldMkLst>
+        <pc:spChg chg="add mod">
+          <ac:chgData name="Joshua Gross" userId="7bb6a70e-9d37-46e4-96de-748557707bd0" providerId="ADAL" clId="{CA92AA49-D462-4111-8054-6FBC6E9AA59B}" dt="2023-09-14T12:41:32.205" v="789" actId="1076"/>
+          <ac:spMkLst>
+            <pc:docMk/>
+            <pc:sldMk cId="4039373973" sldId="289"/>
+            <ac:spMk id="2" creationId="{F88AC398-B09D-4BD1-81A9-384F2D35A379}"/>
+          </ac:spMkLst>
+        </pc:spChg>
+        <pc:spChg chg="del">
+          <ac:chgData name="Joshua Gross" userId="7bb6a70e-9d37-46e4-96de-748557707bd0" providerId="ADAL" clId="{CA92AA49-D462-4111-8054-6FBC6E9AA59B}" dt="2023-09-14T12:33:15.334" v="439" actId="478"/>
+          <ac:spMkLst>
+            <pc:docMk/>
+            <pc:sldMk cId="4039373973" sldId="289"/>
+            <ac:spMk id="3" creationId="{FB116FCA-7628-4753-B194-42289C5C84E6}"/>
+          </ac:spMkLst>
+        </pc:spChg>
+        <pc:spChg chg="mod">
+          <ac:chgData name="Joshua Gross" userId="7bb6a70e-9d37-46e4-96de-748557707bd0" providerId="ADAL" clId="{CA92AA49-D462-4111-8054-6FBC6E9AA59B}" dt="2023-09-14T12:33:12.758" v="438" actId="1076"/>
+          <ac:spMkLst>
+            <pc:docMk/>
+            <pc:sldMk cId="4039373973" sldId="289"/>
+            <ac:spMk id="5" creationId="{00000000-0000-0000-0000-000000000000}"/>
+          </ac:spMkLst>
+        </pc:spChg>
+        <pc:spChg chg="add mod">
+          <ac:chgData name="Joshua Gross" userId="7bb6a70e-9d37-46e4-96de-748557707bd0" providerId="ADAL" clId="{CA92AA49-D462-4111-8054-6FBC6E9AA59B}" dt="2023-09-14T12:41:06.135" v="785" actId="404"/>
+          <ac:spMkLst>
+            <pc:docMk/>
+            <pc:sldMk cId="4039373973" sldId="289"/>
+            <ac:spMk id="6" creationId="{89A2C6D4-5A88-4CB5-AE4A-5B36EF71A249}"/>
+          </ac:spMkLst>
+        </pc:spChg>
+        <pc:spChg chg="mod">
+          <ac:chgData name="Joshua Gross" userId="7bb6a70e-9d37-46e4-96de-748557707bd0" providerId="ADAL" clId="{CA92AA49-D462-4111-8054-6FBC6E9AA59B}" dt="2023-09-14T12:40:36.325" v="766" actId="1076"/>
+          <ac:spMkLst>
+            <pc:docMk/>
+            <pc:sldMk cId="4039373973" sldId="289"/>
+            <ac:spMk id="7" creationId="{FA60EE19-CD92-4FFF-A229-C1793BDF1A78}"/>
+          </ac:spMkLst>
+        </pc:spChg>
+        <pc:spChg chg="add mod">
+          <ac:chgData name="Joshua Gross" userId="7bb6a70e-9d37-46e4-96de-748557707bd0" providerId="ADAL" clId="{CA92AA49-D462-4111-8054-6FBC6E9AA59B}" dt="2023-09-14T12:42:09.264" v="879" actId="404"/>
+          <ac:spMkLst>
+            <pc:docMk/>
+            <pc:sldMk cId="4039373973" sldId="289"/>
+            <ac:spMk id="8" creationId="{7504BC0D-183E-4351-9D68-DE908A77B989}"/>
+          </ac:spMkLst>
+        </pc:spChg>
+        <pc:spChg chg="add mod">
+          <ac:chgData name="Joshua Gross" userId="7bb6a70e-9d37-46e4-96de-748557707bd0" providerId="ADAL" clId="{CA92AA49-D462-4111-8054-6FBC6E9AA59B}" dt="2023-09-14T12:35:50.077" v="529" actId="14100"/>
+          <ac:spMkLst>
+            <pc:docMk/>
+            <pc:sldMk cId="4039373973" sldId="289"/>
+            <ac:spMk id="9" creationId="{9E3B49AA-027E-49E4-8267-D648F613AC0A}"/>
+          </ac:spMkLst>
+        </pc:spChg>
+        <pc:spChg chg="add mod">
+          <ac:chgData name="Joshua Gross" userId="7bb6a70e-9d37-46e4-96de-748557707bd0" providerId="ADAL" clId="{CA92AA49-D462-4111-8054-6FBC6E9AA59B}" dt="2023-09-14T12:37:38.094" v="635" actId="1076"/>
+          <ac:spMkLst>
+            <pc:docMk/>
+            <pc:sldMk cId="4039373973" sldId="289"/>
+            <ac:spMk id="10" creationId="{1F97E354-8B6C-45B0-8D69-CABAE33520CF}"/>
+          </ac:spMkLst>
+        </pc:spChg>
+        <pc:spChg chg="add mod">
+          <ac:chgData name="Joshua Gross" userId="7bb6a70e-9d37-46e4-96de-748557707bd0" providerId="ADAL" clId="{CA92AA49-D462-4111-8054-6FBC6E9AA59B}" dt="2023-09-14T12:40:38.669" v="767" actId="1076"/>
+          <ac:spMkLst>
+            <pc:docMk/>
+            <pc:sldMk cId="4039373973" sldId="289"/>
+            <ac:spMk id="11" creationId="{DB497D69-CB84-4DAC-B7C0-62C9FD712DAC}"/>
+          </ac:spMkLst>
+        </pc:spChg>
+        <pc:spChg chg="del">
+          <ac:chgData name="Joshua Gross" userId="7bb6a70e-9d37-46e4-96de-748557707bd0" providerId="ADAL" clId="{CA92AA49-D462-4111-8054-6FBC6E9AA59B}" dt="2023-09-14T12:33:15.334" v="439" actId="478"/>
+          <ac:spMkLst>
+            <pc:docMk/>
+            <pc:sldMk cId="4039373973" sldId="289"/>
+            <ac:spMk id="12" creationId="{7792508A-4E1B-43F9-A54E-AB9EDDBAB437}"/>
+          </ac:spMkLst>
+        </pc:spChg>
+        <pc:spChg chg="add mod">
+          <ac:chgData name="Joshua Gross" userId="7bb6a70e-9d37-46e4-96de-748557707bd0" providerId="ADAL" clId="{CA92AA49-D462-4111-8054-6FBC6E9AA59B}" dt="2023-09-14T12:40:07.862" v="759" actId="1076"/>
+          <ac:spMkLst>
+            <pc:docMk/>
+            <pc:sldMk cId="4039373973" sldId="289"/>
+            <ac:spMk id="13" creationId="{252C150B-B928-4517-B339-B7C4E413B8B0}"/>
+          </ac:spMkLst>
+        </pc:spChg>
+        <pc:spChg chg="add mod">
+          <ac:chgData name="Joshua Gross" userId="7bb6a70e-9d37-46e4-96de-748557707bd0" providerId="ADAL" clId="{CA92AA49-D462-4111-8054-6FBC6E9AA59B}" dt="2023-09-14T12:40:46.725" v="769" actId="14100"/>
+          <ac:spMkLst>
+            <pc:docMk/>
+            <pc:sldMk cId="4039373973" sldId="289"/>
+            <ac:spMk id="14" creationId="{F773E3AE-8112-4849-BCA4-5C715C834357}"/>
+          </ac:spMkLst>
+        </pc:spChg>
+        <pc:spChg chg="add mod">
+          <ac:chgData name="Joshua Gross" userId="7bb6a70e-9d37-46e4-96de-748557707bd0" providerId="ADAL" clId="{CA92AA49-D462-4111-8054-6FBC6E9AA59B}" dt="2023-09-14T12:40:44.829" v="768" actId="14100"/>
+          <ac:spMkLst>
+            <pc:docMk/>
+            <pc:sldMk cId="4039373973" sldId="289"/>
+            <ac:spMk id="15" creationId="{BDF6F986-3D67-42C1-B5E6-FC707EBDC4BE}"/>
+          </ac:spMkLst>
+        </pc:spChg>
+        <pc:spChg chg="add mod">
+          <ac:chgData name="Joshua Gross" userId="7bb6a70e-9d37-46e4-96de-748557707bd0" providerId="ADAL" clId="{CA92AA49-D462-4111-8054-6FBC6E9AA59B}" dt="2023-09-14T12:40:25.484" v="761" actId="1076"/>
+          <ac:spMkLst>
+            <pc:docMk/>
+            <pc:sldMk cId="4039373973" sldId="289"/>
+            <ac:spMk id="16" creationId="{077AB3A7-772C-4C76-9FA8-9610D8F69465}"/>
+          </ac:spMkLst>
+        </pc:spChg>
+      </pc:sldChg>
+    </pc:docChg>
+  </pc:docChgLst>
+</pc:chgInfo>
 </file>
 
 <file path=ppt/slideLayouts/slideLayout1.xml><?xml version="1.0" encoding="utf-8"?>
@@ -174,10 +573,9 @@
           </a:lstStyle>
           <a:p>
             <a:r>
-              <a:rPr lang="en-US" smtClean="0"/>
+              <a:rPr lang="en-US"/>
               <a:t>Click to edit Master title style</a:t>
             </a:r>
-            <a:endParaRPr lang="en-US"/>
           </a:p>
         </p:txBody>
       </p:sp>
@@ -239,10 +637,9 @@
           </a:lstStyle>
           <a:p>
             <a:r>
-              <a:rPr lang="en-US" smtClean="0"/>
+              <a:rPr lang="en-US"/>
               <a:t>Click to edit Master subtitle style</a:t>
             </a:r>
-            <a:endParaRPr lang="en-US"/>
           </a:p>
         </p:txBody>
       </p:sp>
@@ -263,6 +660,7 @@
           <a:p>
             <a:fld id="{63A1C593-65D0-4073-BCC9-577B9352EA97}" type="datetimeFigureOut">
               <a:rPr lang="en-US" smtClean="0"/>
+              <a:t>9/14/2023</a:t>
             </a:fld>
             <a:endParaRPr lang="en-US"/>
           </a:p>
@@ -304,6 +702,7 @@
           <a:p>
             <a:fld id="{9B618960-8005-486C-9A75-10CB2AAC16F9}" type="slidenum">
               <a:rPr lang="en-US" smtClean="0"/>
+              <a:t>‹#›</a:t>
             </a:fld>
             <a:endParaRPr lang="en-US"/>
           </a:p>
@@ -350,10 +749,9 @@
           <a:lstStyle/>
           <a:p>
             <a:r>
-              <a:rPr lang="en-US" smtClean="0"/>
+              <a:rPr lang="en-US"/>
               <a:t>Click to edit Master title style</a:t>
             </a:r>
-            <a:endParaRPr lang="en-US"/>
           </a:p>
         </p:txBody>
       </p:sp>
@@ -374,42 +772,37 @@
           <a:p>
             <a:pPr lvl="0"/>
             <a:r>
-              <a:rPr lang="en-US" smtClean="0"/>
+              <a:rPr lang="en-US"/>
               <a:t>Click to edit Master text styles</a:t>
             </a:r>
-            <a:endParaRPr lang="en-US" smtClean="0"/>
           </a:p>
           <a:p>
             <a:pPr lvl="1"/>
             <a:r>
-              <a:rPr lang="en-US" smtClean="0"/>
+              <a:rPr lang="en-US"/>
               <a:t>Second level</a:t>
             </a:r>
-            <a:endParaRPr lang="en-US" smtClean="0"/>
           </a:p>
           <a:p>
             <a:pPr lvl="2"/>
             <a:r>
-              <a:rPr lang="en-US" smtClean="0"/>
+              <a:rPr lang="en-US"/>
               <a:t>Third level</a:t>
             </a:r>
-            <a:endParaRPr lang="en-US" smtClean="0"/>
           </a:p>
           <a:p>
             <a:pPr lvl="3"/>
             <a:r>
-              <a:rPr lang="en-US" smtClean="0"/>
+              <a:rPr lang="en-US"/>
               <a:t>Fourth level</a:t>
             </a:r>
-            <a:endParaRPr lang="en-US" smtClean="0"/>
           </a:p>
           <a:p>
             <a:pPr lvl="4"/>
             <a:r>
-              <a:rPr lang="en-US" smtClean="0"/>
+              <a:rPr lang="en-US"/>
               <a:t>Fifth level</a:t>
             </a:r>
-            <a:endParaRPr lang="en-US"/>
           </a:p>
         </p:txBody>
       </p:sp>
@@ -430,6 +823,7 @@
           <a:p>
             <a:fld id="{63A1C593-65D0-4073-BCC9-577B9352EA97}" type="datetimeFigureOut">
               <a:rPr lang="en-US" smtClean="0"/>
+              <a:t>9/14/2023</a:t>
             </a:fld>
             <a:endParaRPr lang="en-US"/>
           </a:p>
@@ -471,6 +865,7 @@
           <a:p>
             <a:fld id="{9B618960-8005-486C-9A75-10CB2AAC16F9}" type="slidenum">
               <a:rPr lang="en-US" smtClean="0"/>
+              <a:t>‹#›</a:t>
             </a:fld>
             <a:endParaRPr lang="en-US"/>
           </a:p>
@@ -522,10 +917,9 @@
           <a:lstStyle/>
           <a:p>
             <a:r>
-              <a:rPr lang="en-US" smtClean="0"/>
+              <a:rPr lang="en-US"/>
               <a:t>Click to edit Master title style</a:t>
             </a:r>
-            <a:endParaRPr lang="en-US"/>
           </a:p>
         </p:txBody>
       </p:sp>
@@ -551,42 +945,37 @@
           <a:p>
             <a:pPr lvl="0"/>
             <a:r>
-              <a:rPr lang="en-US" smtClean="0"/>
+              <a:rPr lang="en-US"/>
               <a:t>Click to edit Master text styles</a:t>
             </a:r>
-            <a:endParaRPr lang="en-US" smtClean="0"/>
           </a:p>
           <a:p>
             <a:pPr lvl="1"/>
             <a:r>
-              <a:rPr lang="en-US" smtClean="0"/>
+              <a:rPr lang="en-US"/>
               <a:t>Second level</a:t>
             </a:r>
-            <a:endParaRPr lang="en-US" smtClean="0"/>
           </a:p>
           <a:p>
             <a:pPr lvl="2"/>
             <a:r>
-              <a:rPr lang="en-US" smtClean="0"/>
+              <a:rPr lang="en-US"/>
               <a:t>Third level</a:t>
             </a:r>
-            <a:endParaRPr lang="en-US" smtClean="0"/>
           </a:p>
           <a:p>
             <a:pPr lvl="3"/>
             <a:r>
-              <a:rPr lang="en-US" smtClean="0"/>
+              <a:rPr lang="en-US"/>
               <a:t>Fourth level</a:t>
             </a:r>
-            <a:endParaRPr lang="en-US" smtClean="0"/>
           </a:p>
           <a:p>
             <a:pPr lvl="4"/>
             <a:r>
-              <a:rPr lang="en-US" smtClean="0"/>
+              <a:rPr lang="en-US"/>
               <a:t>Fifth level</a:t>
             </a:r>
-            <a:endParaRPr lang="en-US"/>
           </a:p>
         </p:txBody>
       </p:sp>
@@ -607,6 +996,7 @@
           <a:p>
             <a:fld id="{63A1C593-65D0-4073-BCC9-577B9352EA97}" type="datetimeFigureOut">
               <a:rPr lang="en-US" smtClean="0"/>
+              <a:t>9/14/2023</a:t>
             </a:fld>
             <a:endParaRPr lang="en-US"/>
           </a:p>
@@ -648,6 +1038,7 @@
           <a:p>
             <a:fld id="{9B618960-8005-486C-9A75-10CB2AAC16F9}" type="slidenum">
               <a:rPr lang="en-US" smtClean="0"/>
+              <a:t>‹#›</a:t>
             </a:fld>
             <a:endParaRPr lang="en-US"/>
           </a:p>
@@ -694,10 +1085,9 @@
           <a:lstStyle/>
           <a:p>
             <a:r>
-              <a:rPr lang="en-US" smtClean="0"/>
+              <a:rPr lang="en-US"/>
               <a:t>Click to edit Master title style</a:t>
             </a:r>
-            <a:endParaRPr lang="en-US"/>
           </a:p>
         </p:txBody>
       </p:sp>
@@ -718,42 +1108,37 @@
           <a:p>
             <a:pPr lvl="0"/>
             <a:r>
-              <a:rPr lang="en-US" smtClean="0"/>
+              <a:rPr lang="en-US"/>
               <a:t>Click to edit Master text styles</a:t>
             </a:r>
-            <a:endParaRPr lang="en-US" smtClean="0"/>
           </a:p>
           <a:p>
             <a:pPr lvl="1"/>
             <a:r>
-              <a:rPr lang="en-US" smtClean="0"/>
+              <a:rPr lang="en-US"/>
               <a:t>Second level</a:t>
             </a:r>
-            <a:endParaRPr lang="en-US" smtClean="0"/>
           </a:p>
           <a:p>
             <a:pPr lvl="2"/>
             <a:r>
-              <a:rPr lang="en-US" smtClean="0"/>
+              <a:rPr lang="en-US"/>
               <a:t>Third level</a:t>
             </a:r>
-            <a:endParaRPr lang="en-US" smtClean="0"/>
           </a:p>
           <a:p>
             <a:pPr lvl="3"/>
             <a:r>
-              <a:rPr lang="en-US" smtClean="0"/>
+              <a:rPr lang="en-US"/>
               <a:t>Fourth level</a:t>
             </a:r>
-            <a:endParaRPr lang="en-US" smtClean="0"/>
           </a:p>
           <a:p>
             <a:pPr lvl="4"/>
             <a:r>
-              <a:rPr lang="en-US" smtClean="0"/>
+              <a:rPr lang="en-US"/>
               <a:t>Fifth level</a:t>
             </a:r>
-            <a:endParaRPr lang="en-US"/>
           </a:p>
         </p:txBody>
       </p:sp>
@@ -774,6 +1159,7 @@
           <a:p>
             <a:fld id="{63A1C593-65D0-4073-BCC9-577B9352EA97}" type="datetimeFigureOut">
               <a:rPr lang="en-US" smtClean="0"/>
+              <a:t>9/14/2023</a:t>
             </a:fld>
             <a:endParaRPr lang="en-US"/>
           </a:p>
@@ -815,6 +1201,7 @@
           <a:p>
             <a:fld id="{9B618960-8005-486C-9A75-10CB2AAC16F9}" type="slidenum">
               <a:rPr lang="en-US" smtClean="0"/>
+              <a:t>‹#›</a:t>
             </a:fld>
             <a:endParaRPr lang="en-US"/>
           </a:p>
@@ -861,10 +1248,9 @@
           <a:lstStyle/>
           <a:p>
             <a:r>
-              <a:rPr lang="en-US" smtClean="0"/>
+              <a:rPr lang="en-US"/>
               <a:t>Click to edit Master title style</a:t>
             </a:r>
-            <a:endParaRPr lang="en-US"/>
           </a:p>
         </p:txBody>
       </p:sp>
@@ -885,42 +1271,37 @@
           <a:p>
             <a:pPr lvl="0"/>
             <a:r>
-              <a:rPr lang="en-US" smtClean="0"/>
+              <a:rPr lang="en-US"/>
               <a:t>Click to edit Master text styles</a:t>
             </a:r>
-            <a:endParaRPr lang="en-US" smtClean="0"/>
           </a:p>
           <a:p>
             <a:pPr lvl="1"/>
             <a:r>
-              <a:rPr lang="en-US" smtClean="0"/>
+              <a:rPr lang="en-US"/>
               <a:t>Second level</a:t>
             </a:r>
-            <a:endParaRPr lang="en-US" smtClean="0"/>
           </a:p>
           <a:p>
             <a:pPr lvl="2"/>
             <a:r>
-              <a:rPr lang="en-US" smtClean="0"/>
+              <a:rPr lang="en-US"/>
               <a:t>Third level</a:t>
             </a:r>
-            <a:endParaRPr lang="en-US" smtClean="0"/>
           </a:p>
           <a:p>
             <a:pPr lvl="3"/>
             <a:r>
-              <a:rPr lang="en-US" smtClean="0"/>
+              <a:rPr lang="en-US"/>
               <a:t>Fourth level</a:t>
             </a:r>
-            <a:endParaRPr lang="en-US" smtClean="0"/>
           </a:p>
           <a:p>
             <a:pPr lvl="4"/>
             <a:r>
-              <a:rPr lang="en-US" smtClean="0"/>
+              <a:rPr lang="en-US"/>
               <a:t>Fifth level</a:t>
             </a:r>
-            <a:endParaRPr lang="en-US"/>
           </a:p>
         </p:txBody>
       </p:sp>
@@ -941,6 +1322,7 @@
           <a:p>
             <a:fld id="{63A1C593-65D0-4073-BCC9-577B9352EA97}" type="datetimeFigureOut">
               <a:rPr lang="en-US" smtClean="0"/>
+              <a:t>9/14/2023</a:t>
             </a:fld>
             <a:endParaRPr lang="en-US"/>
           </a:p>
@@ -982,6 +1364,7 @@
           <a:p>
             <a:fld id="{9B618960-8005-486C-9A75-10CB2AAC16F9}" type="slidenum">
               <a:rPr lang="en-US" smtClean="0"/>
+              <a:t>‹#›</a:t>
             </a:fld>
             <a:endParaRPr lang="en-US"/>
           </a:p>
@@ -1037,10 +1420,9 @@
           </a:lstStyle>
           <a:p>
             <a:r>
-              <a:rPr lang="en-US" smtClean="0"/>
+              <a:rPr lang="en-US"/>
               <a:t>Click to edit Master title style</a:t>
             </a:r>
-            <a:endParaRPr lang="en-US"/>
           </a:p>
         </p:txBody>
       </p:sp>
@@ -1157,10 +1539,9 @@
           <a:p>
             <a:pPr lvl="0"/>
             <a:r>
-              <a:rPr lang="en-US" smtClean="0"/>
+              <a:rPr lang="en-US"/>
               <a:t>Click to edit Master text styles</a:t>
             </a:r>
-            <a:endParaRPr lang="en-US" smtClean="0"/>
           </a:p>
         </p:txBody>
       </p:sp>
@@ -1181,6 +1562,7 @@
           <a:p>
             <a:fld id="{63A1C593-65D0-4073-BCC9-577B9352EA97}" type="datetimeFigureOut">
               <a:rPr lang="en-US" smtClean="0"/>
+              <a:t>9/14/2023</a:t>
             </a:fld>
             <a:endParaRPr lang="en-US"/>
           </a:p>
@@ -1222,6 +1604,7 @@
           <a:p>
             <a:fld id="{9B618960-8005-486C-9A75-10CB2AAC16F9}" type="slidenum">
               <a:rPr lang="en-US" smtClean="0"/>
+              <a:t>‹#›</a:t>
             </a:fld>
             <a:endParaRPr lang="en-US"/>
           </a:p>
@@ -1268,10 +1651,9 @@
           <a:lstStyle/>
           <a:p>
             <a:r>
-              <a:rPr lang="en-US" smtClean="0"/>
+              <a:rPr lang="en-US"/>
               <a:t>Click to edit Master title style</a:t>
             </a:r>
-            <a:endParaRPr lang="en-US"/>
           </a:p>
         </p:txBody>
       </p:sp>
@@ -1297,42 +1679,37 @@
           <a:p>
             <a:pPr lvl="0"/>
             <a:r>
-              <a:rPr lang="en-US" smtClean="0"/>
+              <a:rPr lang="en-US"/>
               <a:t>Click to edit Master text styles</a:t>
             </a:r>
-            <a:endParaRPr lang="en-US" smtClean="0"/>
           </a:p>
           <a:p>
             <a:pPr lvl="1"/>
             <a:r>
-              <a:rPr lang="en-US" smtClean="0"/>
+              <a:rPr lang="en-US"/>
               <a:t>Second level</a:t>
             </a:r>
-            <a:endParaRPr lang="en-US" smtClean="0"/>
           </a:p>
           <a:p>
             <a:pPr lvl="2"/>
             <a:r>
-              <a:rPr lang="en-US" smtClean="0"/>
+              <a:rPr lang="en-US"/>
               <a:t>Third level</a:t>
             </a:r>
-            <a:endParaRPr lang="en-US" smtClean="0"/>
           </a:p>
           <a:p>
             <a:pPr lvl="3"/>
             <a:r>
-              <a:rPr lang="en-US" smtClean="0"/>
+              <a:rPr lang="en-US"/>
               <a:t>Fourth level</a:t>
             </a:r>
-            <a:endParaRPr lang="en-US" smtClean="0"/>
           </a:p>
           <a:p>
             <a:pPr lvl="4"/>
             <a:r>
-              <a:rPr lang="en-US" smtClean="0"/>
+              <a:rPr lang="en-US"/>
               <a:t>Fifth level</a:t>
             </a:r>
-            <a:endParaRPr lang="en-US"/>
           </a:p>
         </p:txBody>
       </p:sp>
@@ -1358,42 +1735,37 @@
           <a:p>
             <a:pPr lvl="0"/>
             <a:r>
-              <a:rPr lang="en-US" smtClean="0"/>
+              <a:rPr lang="en-US"/>
               <a:t>Click to edit Master text styles</a:t>
             </a:r>
-            <a:endParaRPr lang="en-US" smtClean="0"/>
           </a:p>
           <a:p>
             <a:pPr lvl="1"/>
             <a:r>
-              <a:rPr lang="en-US" smtClean="0"/>
+              <a:rPr lang="en-US"/>
               <a:t>Second level</a:t>
             </a:r>
-            <a:endParaRPr lang="en-US" smtClean="0"/>
           </a:p>
           <a:p>
             <a:pPr lvl="2"/>
             <a:r>
-              <a:rPr lang="en-US" smtClean="0"/>
+              <a:rPr lang="en-US"/>
               <a:t>Third level</a:t>
             </a:r>
-            <a:endParaRPr lang="en-US" smtClean="0"/>
           </a:p>
           <a:p>
             <a:pPr lvl="3"/>
             <a:r>
-              <a:rPr lang="en-US" smtClean="0"/>
+              <a:rPr lang="en-US"/>
               <a:t>Fourth level</a:t>
             </a:r>
-            <a:endParaRPr lang="en-US" smtClean="0"/>
           </a:p>
           <a:p>
             <a:pPr lvl="4"/>
             <a:r>
-              <a:rPr lang="en-US" smtClean="0"/>
+              <a:rPr lang="en-US"/>
               <a:t>Fifth level</a:t>
             </a:r>
-            <a:endParaRPr lang="en-US"/>
           </a:p>
         </p:txBody>
       </p:sp>
@@ -1414,6 +1786,7 @@
           <a:p>
             <a:fld id="{63A1C593-65D0-4073-BCC9-577B9352EA97}" type="datetimeFigureOut">
               <a:rPr lang="en-US" smtClean="0"/>
+              <a:t>9/14/2023</a:t>
             </a:fld>
             <a:endParaRPr lang="en-US"/>
           </a:p>
@@ -1455,6 +1828,7 @@
           <a:p>
             <a:fld id="{9B618960-8005-486C-9A75-10CB2AAC16F9}" type="slidenum">
               <a:rPr lang="en-US" smtClean="0"/>
+              <a:t>‹#›</a:t>
             </a:fld>
             <a:endParaRPr lang="en-US"/>
           </a:p>
@@ -1506,10 +1880,9 @@
           <a:lstStyle/>
           <a:p>
             <a:r>
-              <a:rPr lang="en-US" smtClean="0"/>
+              <a:rPr lang="en-US"/>
               <a:t>Click to edit Master title style</a:t>
             </a:r>
-            <a:endParaRPr lang="en-US"/>
           </a:p>
         </p:txBody>
       </p:sp>
@@ -1572,10 +1945,9 @@
           <a:p>
             <a:pPr lvl="0"/>
             <a:r>
-              <a:rPr lang="en-US" smtClean="0"/>
+              <a:rPr lang="en-US"/>
               <a:t>Click to edit Master text styles</a:t>
             </a:r>
-            <a:endParaRPr lang="en-US" smtClean="0"/>
           </a:p>
         </p:txBody>
       </p:sp>
@@ -1601,42 +1973,37 @@
           <a:p>
             <a:pPr lvl="0"/>
             <a:r>
-              <a:rPr lang="en-US" smtClean="0"/>
+              <a:rPr lang="en-US"/>
               <a:t>Click to edit Master text styles</a:t>
             </a:r>
-            <a:endParaRPr lang="en-US" smtClean="0"/>
           </a:p>
           <a:p>
             <a:pPr lvl="1"/>
             <a:r>
-              <a:rPr lang="en-US" smtClean="0"/>
+              <a:rPr lang="en-US"/>
               <a:t>Second level</a:t>
             </a:r>
-            <a:endParaRPr lang="en-US" smtClean="0"/>
           </a:p>
           <a:p>
             <a:pPr lvl="2"/>
             <a:r>
-              <a:rPr lang="en-US" smtClean="0"/>
+              <a:rPr lang="en-US"/>
               <a:t>Third level</a:t>
             </a:r>
-            <a:endParaRPr lang="en-US" smtClean="0"/>
           </a:p>
           <a:p>
             <a:pPr lvl="3"/>
             <a:r>
-              <a:rPr lang="en-US" smtClean="0"/>
+              <a:rPr lang="en-US"/>
               <a:t>Fourth level</a:t>
             </a:r>
-            <a:endParaRPr lang="en-US" smtClean="0"/>
           </a:p>
           <a:p>
             <a:pPr lvl="4"/>
             <a:r>
-              <a:rPr lang="en-US" smtClean="0"/>
+              <a:rPr lang="en-US"/>
               <a:t>Fifth level</a:t>
             </a:r>
-            <a:endParaRPr lang="en-US"/>
           </a:p>
         </p:txBody>
       </p:sp>
@@ -1699,10 +2066,9 @@
           <a:p>
             <a:pPr lvl="0"/>
             <a:r>
-              <a:rPr lang="en-US" smtClean="0"/>
+              <a:rPr lang="en-US"/>
               <a:t>Click to edit Master text styles</a:t>
             </a:r>
-            <a:endParaRPr lang="en-US" smtClean="0"/>
           </a:p>
         </p:txBody>
       </p:sp>
@@ -1728,42 +2094,37 @@
           <a:p>
             <a:pPr lvl="0"/>
             <a:r>
-              <a:rPr lang="en-US" smtClean="0"/>
+              <a:rPr lang="en-US"/>
               <a:t>Click to edit Master text styles</a:t>
             </a:r>
-            <a:endParaRPr lang="en-US" smtClean="0"/>
           </a:p>
           <a:p>
             <a:pPr lvl="1"/>
             <a:r>
-              <a:rPr lang="en-US" smtClean="0"/>
+              <a:rPr lang="en-US"/>
               <a:t>Second level</a:t>
             </a:r>
-            <a:endParaRPr lang="en-US" smtClean="0"/>
           </a:p>
           <a:p>
             <a:pPr lvl="2"/>
             <a:r>
-              <a:rPr lang="en-US" smtClean="0"/>
+              <a:rPr lang="en-US"/>
               <a:t>Third level</a:t>
             </a:r>
-            <a:endParaRPr lang="en-US" smtClean="0"/>
           </a:p>
           <a:p>
             <a:pPr lvl="3"/>
             <a:r>
-              <a:rPr lang="en-US" smtClean="0"/>
+              <a:rPr lang="en-US"/>
               <a:t>Fourth level</a:t>
             </a:r>
-            <a:endParaRPr lang="en-US" smtClean="0"/>
           </a:p>
           <a:p>
             <a:pPr lvl="4"/>
             <a:r>
-              <a:rPr lang="en-US" smtClean="0"/>
+              <a:rPr lang="en-US"/>
               <a:t>Fifth level</a:t>
             </a:r>
-            <a:endParaRPr lang="en-US"/>
           </a:p>
         </p:txBody>
       </p:sp>
@@ -1784,6 +2145,7 @@
           <a:p>
             <a:fld id="{63A1C593-65D0-4073-BCC9-577B9352EA97}" type="datetimeFigureOut">
               <a:rPr lang="en-US" smtClean="0"/>
+              <a:t>9/14/2023</a:t>
             </a:fld>
             <a:endParaRPr lang="en-US"/>
           </a:p>
@@ -1825,6 +2187,7 @@
           <a:p>
             <a:fld id="{9B618960-8005-486C-9A75-10CB2AAC16F9}" type="slidenum">
               <a:rPr lang="en-US" smtClean="0"/>
+              <a:t>‹#›</a:t>
             </a:fld>
             <a:endParaRPr lang="en-US"/>
           </a:p>
@@ -1871,10 +2234,9 @@
           <a:lstStyle/>
           <a:p>
             <a:r>
-              <a:rPr lang="en-US" smtClean="0"/>
+              <a:rPr lang="en-US"/>
               <a:t>Click to edit Master title style</a:t>
             </a:r>
-            <a:endParaRPr lang="en-US"/>
           </a:p>
         </p:txBody>
       </p:sp>
@@ -1895,6 +2257,7 @@
           <a:p>
             <a:fld id="{63A1C593-65D0-4073-BCC9-577B9352EA97}" type="datetimeFigureOut">
               <a:rPr lang="en-US" smtClean="0"/>
+              <a:t>9/14/2023</a:t>
             </a:fld>
             <a:endParaRPr lang="en-US"/>
           </a:p>
@@ -1936,6 +2299,7 @@
           <a:p>
             <a:fld id="{9B618960-8005-486C-9A75-10CB2AAC16F9}" type="slidenum">
               <a:rPr lang="en-US" smtClean="0"/>
+              <a:t>‹#›</a:t>
             </a:fld>
             <a:endParaRPr lang="en-US"/>
           </a:p>
@@ -1983,6 +2347,7 @@
           <a:p>
             <a:fld id="{63A1C593-65D0-4073-BCC9-577B9352EA97}" type="datetimeFigureOut">
               <a:rPr lang="en-US" smtClean="0"/>
+              <a:t>9/14/2023</a:t>
             </a:fld>
             <a:endParaRPr lang="en-US"/>
           </a:p>
@@ -2024,6 +2389,7 @@
           <a:p>
             <a:fld id="{9B618960-8005-486C-9A75-10CB2AAC16F9}" type="slidenum">
               <a:rPr lang="en-US" smtClean="0"/>
+              <a:t>‹#›</a:t>
             </a:fld>
             <a:endParaRPr lang="en-US"/>
           </a:p>
@@ -2079,10 +2445,9 @@
           </a:lstStyle>
           <a:p>
             <a:r>
-              <a:rPr lang="en-US" smtClean="0"/>
+              <a:rPr lang="en-US"/>
               <a:t>Click to edit Master title style</a:t>
             </a:r>
-            <a:endParaRPr lang="en-US"/>
           </a:p>
         </p:txBody>
       </p:sp>
@@ -2136,42 +2501,37 @@
           <a:p>
             <a:pPr lvl="0"/>
             <a:r>
-              <a:rPr lang="en-US" smtClean="0"/>
+              <a:rPr lang="en-US"/>
               <a:t>Click to edit Master text styles</a:t>
             </a:r>
-            <a:endParaRPr lang="en-US" smtClean="0"/>
           </a:p>
           <a:p>
             <a:pPr lvl="1"/>
             <a:r>
-              <a:rPr lang="en-US" smtClean="0"/>
+              <a:rPr lang="en-US"/>
               <a:t>Second level</a:t>
             </a:r>
-            <a:endParaRPr lang="en-US" smtClean="0"/>
           </a:p>
           <a:p>
             <a:pPr lvl="2"/>
             <a:r>
-              <a:rPr lang="en-US" smtClean="0"/>
+              <a:rPr lang="en-US"/>
               <a:t>Third level</a:t>
             </a:r>
-            <a:endParaRPr lang="en-US" smtClean="0"/>
           </a:p>
           <a:p>
             <a:pPr lvl="3"/>
             <a:r>
-              <a:rPr lang="en-US" smtClean="0"/>
+              <a:rPr lang="en-US"/>
               <a:t>Fourth level</a:t>
             </a:r>
-            <a:endParaRPr lang="en-US" smtClean="0"/>
           </a:p>
           <a:p>
             <a:pPr lvl="4"/>
             <a:r>
-              <a:rPr lang="en-US" smtClean="0"/>
+              <a:rPr lang="en-US"/>
               <a:t>Fifth level</a:t>
             </a:r>
-            <a:endParaRPr lang="en-US"/>
           </a:p>
         </p:txBody>
       </p:sp>
@@ -2234,10 +2594,9 @@
           <a:p>
             <a:pPr lvl="0"/>
             <a:r>
-              <a:rPr lang="en-US" smtClean="0"/>
+              <a:rPr lang="en-US"/>
               <a:t>Click to edit Master text styles</a:t>
             </a:r>
-            <a:endParaRPr lang="en-US" smtClean="0"/>
           </a:p>
         </p:txBody>
       </p:sp>
@@ -2258,6 +2617,7 @@
           <a:p>
             <a:fld id="{63A1C593-65D0-4073-BCC9-577B9352EA97}" type="datetimeFigureOut">
               <a:rPr lang="en-US" smtClean="0"/>
+              <a:t>9/14/2023</a:t>
             </a:fld>
             <a:endParaRPr lang="en-US"/>
           </a:p>
@@ -2299,6 +2659,7 @@
           <a:p>
             <a:fld id="{9B618960-8005-486C-9A75-10CB2AAC16F9}" type="slidenum">
               <a:rPr lang="en-US" smtClean="0"/>
+              <a:t>‹#›</a:t>
             </a:fld>
             <a:endParaRPr lang="en-US"/>
           </a:p>
@@ -2354,10 +2715,9 @@
           </a:lstStyle>
           <a:p>
             <a:r>
-              <a:rPr lang="en-US" smtClean="0"/>
+              <a:rPr lang="en-US"/>
               <a:t>Click to edit Master title style</a:t>
             </a:r>
-            <a:endParaRPr lang="en-US"/>
           </a:p>
         </p:txBody>
       </p:sp>
@@ -2481,10 +2841,9 @@
           <a:p>
             <a:pPr lvl="0"/>
             <a:r>
-              <a:rPr lang="en-US" smtClean="0"/>
+              <a:rPr lang="en-US"/>
               <a:t>Click to edit Master text styles</a:t>
             </a:r>
-            <a:endParaRPr lang="en-US" smtClean="0"/>
           </a:p>
         </p:txBody>
       </p:sp>
@@ -2505,6 +2864,7 @@
           <a:p>
             <a:fld id="{63A1C593-65D0-4073-BCC9-577B9352EA97}" type="datetimeFigureOut">
               <a:rPr lang="en-US" smtClean="0"/>
+              <a:t>9/14/2023</a:t>
             </a:fld>
             <a:endParaRPr lang="en-US"/>
           </a:p>
@@ -2546,6 +2906,7 @@
           <a:p>
             <a:fld id="{9B618960-8005-486C-9A75-10CB2AAC16F9}" type="slidenum">
               <a:rPr lang="en-US" smtClean="0"/>
+              <a:t>‹#›</a:t>
             </a:fld>
             <a:endParaRPr lang="en-US"/>
           </a:p>
@@ -2607,10 +2968,9 @@
           <a:lstStyle/>
           <a:p>
             <a:r>
-              <a:rPr lang="en-US" smtClean="0"/>
+              <a:rPr lang="en-US"/>
               <a:t>Click to edit Master title style</a:t>
             </a:r>
-            <a:endParaRPr lang="en-US"/>
           </a:p>
         </p:txBody>
       </p:sp>
@@ -2641,42 +3001,37 @@
           <a:p>
             <a:pPr lvl="0"/>
             <a:r>
-              <a:rPr lang="en-US" smtClean="0"/>
+              <a:rPr lang="en-US"/>
               <a:t>Click to edit Master text styles</a:t>
             </a:r>
-            <a:endParaRPr lang="en-US" smtClean="0"/>
           </a:p>
           <a:p>
             <a:pPr lvl="1"/>
             <a:r>
-              <a:rPr lang="en-US" smtClean="0"/>
+              <a:rPr lang="en-US"/>
               <a:t>Second level</a:t>
             </a:r>
-            <a:endParaRPr lang="en-US" smtClean="0"/>
           </a:p>
           <a:p>
             <a:pPr lvl="2"/>
             <a:r>
-              <a:rPr lang="en-US" smtClean="0"/>
+              <a:rPr lang="en-US"/>
               <a:t>Third level</a:t>
             </a:r>
-            <a:endParaRPr lang="en-US" smtClean="0"/>
           </a:p>
           <a:p>
             <a:pPr lvl="3"/>
             <a:r>
-              <a:rPr lang="en-US" smtClean="0"/>
+              <a:rPr lang="en-US"/>
               <a:t>Fourth level</a:t>
             </a:r>
-            <a:endParaRPr lang="en-US" smtClean="0"/>
           </a:p>
           <a:p>
             <a:pPr lvl="4"/>
             <a:r>
-              <a:rPr lang="en-US" smtClean="0"/>
+              <a:rPr lang="en-US"/>
               <a:t>Fifth level</a:t>
             </a:r>
-            <a:endParaRPr lang="en-US"/>
           </a:p>
         </p:txBody>
       </p:sp>
@@ -2715,6 +3070,7 @@
           <a:p>
             <a:fld id="{63A1C593-65D0-4073-BCC9-577B9352EA97}" type="datetimeFigureOut">
               <a:rPr lang="en-US" smtClean="0"/>
+              <a:t>9/14/2023</a:t>
             </a:fld>
             <a:endParaRPr lang="en-US"/>
           </a:p>
@@ -2792,6 +3148,7 @@
           <a:p>
             <a:fld id="{9B618960-8005-486C-9A75-10CB2AAC16F9}" type="slidenum">
               <a:rPr lang="en-US" smtClean="0"/>
+              <a:t>‹#›</a:t>
             </a:fld>
             <a:endParaRPr lang="en-US"/>
           </a:p>
@@ -3106,7 +3463,14 @@
         <p:cNvGrpSpPr/>
         <p:nvPr/>
       </p:nvGrpSpPr>
-      <p:grpSpPr/>
+      <p:grpSpPr>
+        <a:xfrm>
+          <a:off x="0" y="0"/>
+          <a:ext cx="0" cy="0"/>
+          <a:chOff x="0" y="0"/>
+          <a:chExt cx="0" cy="0"/>
+        </a:xfrm>
+      </p:grpSpPr>
       <p:sp>
         <p:nvSpPr>
           <p:cNvPr id="2" name="Title 1"/>
@@ -3120,12 +3484,12 @@
         <p:spPr/>
         <p:txBody>
           <a:bodyPr/>
+          <a:lstStyle/>
           <a:p>
             <a:r>
               <a:rPr lang="en-US"/>
               <a:t>Lecture 7</a:t>
             </a:r>
-            <a:endParaRPr lang="en-US"/>
           </a:p>
         </p:txBody>
       </p:sp>
@@ -3142,12 +3506,12 @@
         <p:spPr/>
         <p:txBody>
           <a:bodyPr/>
+          <a:lstStyle/>
           <a:p>
             <a:r>
               <a:rPr lang="en-US"/>
               <a:t>Introduction to the Internet</a:t>
             </a:r>
-            <a:endParaRPr lang="en-US"/>
           </a:p>
         </p:txBody>
       </p:sp>
@@ -3168,7 +3532,14 @@
         <p:cNvGrpSpPr/>
         <p:nvPr/>
       </p:nvGrpSpPr>
-      <p:grpSpPr/>
+      <p:grpSpPr>
+        <a:xfrm>
+          <a:off x="0" y="0"/>
+          <a:ext cx="0" cy="0"/>
+          <a:chOff x="0" y="0"/>
+          <a:chExt cx="0" cy="0"/>
+        </a:xfrm>
+      </p:grpSpPr>
       <p:sp>
         <p:nvSpPr>
           <p:cNvPr id="4" name="Title 3"/>
@@ -3182,12 +3553,12 @@
         <p:spPr/>
         <p:txBody>
           <a:bodyPr/>
+          <a:lstStyle/>
           <a:p>
             <a:r>
               <a:rPr lang="en-US"/>
               <a:t>Navigating to a Website</a:t>
             </a:r>
-            <a:endParaRPr lang="en-US"/>
           </a:p>
         </p:txBody>
       </p:sp>
@@ -3204,28 +3575,26 @@
         <p:spPr/>
         <p:txBody>
           <a:bodyPr>
-            <a:normAutofit lnSpcReduction="10000"/>
+            <a:normAutofit fontScale="77500" lnSpcReduction="10000"/>
           </a:bodyPr>
+          <a:lstStyle/>
           <a:p>
             <a:r>
               <a:rPr lang="en-US"/>
               <a:t>When you click a link, type in a URL, search on Google, etc., you are attempting to navigate to a website</a:t>
             </a:r>
-            <a:endParaRPr lang="en-US"/>
           </a:p>
           <a:p>
             <a:r>
               <a:rPr lang="en-US"/>
               <a:t>Question: What happens when you attempt to navigate to a website?</a:t>
             </a:r>
-            <a:endParaRPr lang="en-US"/>
           </a:p>
           <a:p>
             <a:r>
               <a:rPr lang="en-US"/>
               <a:t>Answer: The following process happens:</a:t>
             </a:r>
-            <a:endParaRPr lang="en-US"/>
           </a:p>
           <a:p>
             <a:pPr marL="971550" lvl="1" indent="-514350">
@@ -3235,7 +3604,6 @@
               <a:rPr lang="en-US"/>
               <a:t>Your device sends a message to your network host (WIFI, Ethernet), requesting information about a certain website. </a:t>
             </a:r>
-            <a:endParaRPr lang="en-US"/>
           </a:p>
           <a:p>
             <a:pPr marL="971550" lvl="1" indent="-514350">
@@ -3245,7 +3613,6 @@
               <a:rPr lang="en-US"/>
               <a:t>Your network host sends this message to your Internet Service Provider (ISP).</a:t>
             </a:r>
-            <a:endParaRPr lang="en-US"/>
           </a:p>
           <a:p>
             <a:pPr marL="971550" lvl="1" indent="-514350">
@@ -3255,13 +3622,33 @@
               <a:rPr lang="en-US"/>
               <a:t>Your Internet Service Provider talks to other ISPs throughout the county, state, country, and world, to determine where the information about the website exists.</a:t>
             </a:r>
-            <a:endParaRPr lang="en-US"/>
           </a:p>
           <a:p>
             <a:pPr marL="971550" lvl="1" indent="-514350">
               <a:buAutoNum type="arabicPeriod"/>
             </a:pPr>
-            <a:endParaRPr lang="en-US"/>
+            <a:r>
+              <a:rPr lang="en-US"/>
+              <a:t>Once the location of the information has been found, the request message is sent to the computer that stores that information.</a:t>
+            </a:r>
+          </a:p>
+          <a:p>
+            <a:pPr marL="971550" lvl="1" indent="-514350">
+              <a:buAutoNum type="arabicPeriod"/>
+            </a:pPr>
+            <a:r>
+              <a:rPr lang="en-US"/>
+              <a:t>The computer that stores the information then sends the information back in a response message to your computer.</a:t>
+            </a:r>
+          </a:p>
+          <a:p>
+            <a:pPr marL="971550" lvl="1" indent="-514350">
+              <a:buAutoNum type="arabicPeriod"/>
+            </a:pPr>
+            <a:r>
+              <a:rPr lang="en-US"/>
+              <a:t>Your computer interprets the response message according to the information that was sent back. </a:t>
+            </a:r>
           </a:p>
         </p:txBody>
       </p:sp>
@@ -3282,7 +3669,14 @@
         <p:cNvGrpSpPr/>
         <p:nvPr/>
       </p:nvGrpSpPr>
-      <p:grpSpPr/>
+      <p:grpSpPr>
+        <a:xfrm>
+          <a:off x="0" y="0"/>
+          <a:ext cx="0" cy="0"/>
+          <a:chOff x="0" y="0"/>
+          <a:chExt cx="0" cy="0"/>
+        </a:xfrm>
+      </p:grpSpPr>
       <p:sp>
         <p:nvSpPr>
           <p:cNvPr id="4" name="Title 3"/>
@@ -3296,12 +3690,12 @@
         <p:spPr/>
         <p:txBody>
           <a:bodyPr/>
+          <a:lstStyle/>
           <a:p>
             <a:r>
               <a:rPr lang="en-US"/>
               <a:t>Navigating to a Website</a:t>
             </a:r>
-            <a:endParaRPr lang="en-US"/>
           </a:p>
         </p:txBody>
       </p:sp>
@@ -3318,74 +3712,14 @@
         <p:spPr/>
         <p:txBody>
           <a:bodyPr>
-            <a:normAutofit lnSpcReduction="20000"/>
+            <a:normAutofit/>
           </a:bodyPr>
-          <a:p>
-            <a:r>
-              <a:rPr lang="en-US"/>
-              <a:t>When you click a link, type in a URL, search on Google, etc., you are attempting to navigate to a website</a:t>
-            </a:r>
-            <a:endParaRPr lang="en-US"/>
-          </a:p>
-          <a:p>
-            <a:r>
-              <a:rPr lang="en-US"/>
-              <a:t>Question: What happens when you attempt to navigate to a website?</a:t>
-            </a:r>
-            <a:endParaRPr lang="en-US"/>
-          </a:p>
-          <a:p>
-            <a:r>
-              <a:rPr lang="en-US"/>
-              <a:t>Answer: The following process happens:</a:t>
-            </a:r>
-            <a:endParaRPr lang="en-US"/>
-          </a:p>
-          <a:p>
-            <a:pPr marL="971550" lvl="1" indent="-514350">
-              <a:buAutoNum type="arabicPeriod"/>
-            </a:pPr>
-            <a:r>
-              <a:rPr lang="en-US"/>
-              <a:t>Your device sends a message to your network host (WIFI, Ethernet), requesting information about a certain website. </a:t>
-            </a:r>
-            <a:endParaRPr lang="en-US"/>
-          </a:p>
-          <a:p>
-            <a:pPr marL="971550" lvl="1" indent="-514350">
-              <a:buAutoNum type="arabicPeriod"/>
-            </a:pPr>
-            <a:r>
-              <a:rPr lang="en-US"/>
-              <a:t>Your network host sends this message to your Internet Service Provider (ISP).</a:t>
-            </a:r>
-            <a:endParaRPr lang="en-US"/>
-          </a:p>
-          <a:p>
-            <a:pPr marL="971550" lvl="1" indent="-514350">
-              <a:buAutoNum type="arabicPeriod"/>
-            </a:pPr>
-            <a:r>
-              <a:rPr lang="en-US"/>
-              <a:t>Your Internet Service Provider talks to other ISPs throughout the county, state, country, and world, to determine where the information about the website exists.</a:t>
-            </a:r>
-            <a:endParaRPr lang="en-US"/>
-          </a:p>
-          <a:p>
-            <a:pPr marL="971550" lvl="1" indent="-514350">
-              <a:buAutoNum type="arabicPeriod"/>
-            </a:pPr>
-            <a:r>
-              <a:rPr lang="en-US"/>
-              <a:t>Once the location of the information has been found, the request message is sent to the computer that stores that information.</a:t>
-            </a:r>
-            <a:endParaRPr lang="en-US"/>
-          </a:p>
-          <a:p>
-            <a:pPr marL="971550" lvl="1" indent="-514350">
-              <a:buAutoNum type="arabicPeriod"/>
-            </a:pPr>
-            <a:endParaRPr lang="en-US"/>
+          <a:lstStyle/>
+          <a:p>
+            <a:r>
+              <a:rPr lang="en-US"/>
+              <a:t>Example: Going to Google.com </a:t>
+            </a:r>
           </a:p>
         </p:txBody>
       </p:sp>
@@ -3406,7 +3740,14 @@
         <p:cNvGrpSpPr/>
         <p:nvPr/>
       </p:nvGrpSpPr>
-      <p:grpSpPr/>
+      <p:grpSpPr>
+        <a:xfrm>
+          <a:off x="0" y="0"/>
+          <a:ext cx="0" cy="0"/>
+          <a:chOff x="0" y="0"/>
+          <a:chExt cx="0" cy="0"/>
+        </a:xfrm>
+      </p:grpSpPr>
       <p:sp>
         <p:nvSpPr>
           <p:cNvPr id="4" name="Title 3"/>
@@ -3420,12 +3761,12 @@
         <p:spPr/>
         <p:txBody>
           <a:bodyPr/>
+          <a:lstStyle/>
           <a:p>
             <a:r>
               <a:rPr lang="en-US"/>
               <a:t>Navigating to a Website</a:t>
             </a:r>
-            <a:endParaRPr lang="en-US"/>
           </a:p>
         </p:txBody>
       </p:sp>
@@ -3442,84 +3783,23 @@
         <p:spPr/>
         <p:txBody>
           <a:bodyPr>
-            <a:normAutofit fontScale="90000" lnSpcReduction="20000"/>
+            <a:normAutofit/>
           </a:bodyPr>
-          <a:p>
-            <a:r>
-              <a:rPr lang="en-US"/>
-              <a:t>When you click a link, type in a URL, search on Google, etc., you are attempting to navigate to a website</a:t>
-            </a:r>
-            <a:endParaRPr lang="en-US"/>
-          </a:p>
-          <a:p>
-            <a:r>
-              <a:rPr lang="en-US"/>
-              <a:t>Question: What happens when you attempt to navigate to a website?</a:t>
-            </a:r>
-            <a:endParaRPr lang="en-US"/>
-          </a:p>
-          <a:p>
-            <a:r>
-              <a:rPr lang="en-US"/>
-              <a:t>Answer: The following process happens:</a:t>
-            </a:r>
-            <a:endParaRPr lang="en-US"/>
-          </a:p>
-          <a:p>
-            <a:pPr marL="971550" lvl="1" indent="-514350">
+          <a:lstStyle/>
+          <a:p>
+            <a:r>
+              <a:rPr lang="en-US"/>
+              <a:t>Example: Going to Google.com </a:t>
+            </a:r>
+          </a:p>
+          <a:p>
+            <a:pPr marL="514350" indent="-514350">
               <a:buAutoNum type="arabicPeriod"/>
             </a:pPr>
             <a:r>
               <a:rPr lang="en-US"/>
-              <a:t>Your device sends a message to your network host (WIFI, Ethernet), requesting information about a certain website. </a:t>
-            </a:r>
-            <a:endParaRPr lang="en-US"/>
-          </a:p>
-          <a:p>
-            <a:pPr marL="971550" lvl="1" indent="-514350">
-              <a:buAutoNum type="arabicPeriod"/>
-            </a:pPr>
-            <a:r>
-              <a:rPr lang="en-US"/>
-              <a:t>Your network host sends this message to your Internet Service Provider (ISP).</a:t>
-            </a:r>
-            <a:endParaRPr lang="en-US"/>
-          </a:p>
-          <a:p>
-            <a:pPr marL="971550" lvl="1" indent="-514350">
-              <a:buAutoNum type="arabicPeriod"/>
-            </a:pPr>
-            <a:r>
-              <a:rPr lang="en-US"/>
-              <a:t>Your Internet Service Provider talks to other ISPs throughout the county, state, country, and world, to determine where the information about the website exists.</a:t>
-            </a:r>
-            <a:endParaRPr lang="en-US"/>
-          </a:p>
-          <a:p>
-            <a:pPr marL="971550" lvl="1" indent="-514350">
-              <a:buAutoNum type="arabicPeriod"/>
-            </a:pPr>
-            <a:r>
-              <a:rPr lang="en-US"/>
-              <a:t>Once the location of the information has been found, the request message is sent to the computer that stores that information.</a:t>
-            </a:r>
-            <a:endParaRPr lang="en-US"/>
-          </a:p>
-          <a:p>
-            <a:pPr marL="971550" lvl="1" indent="-514350">
-              <a:buAutoNum type="arabicPeriod"/>
-            </a:pPr>
-            <a:r>
-              <a:rPr lang="en-US"/>
-              <a:t>The computer that stores the information then sends the information back in a response message to your computer.</a:t>
-            </a:r>
-            <a:endParaRPr lang="en-US"/>
-          </a:p>
-          <a:p>
-            <a:pPr marL="971550" lvl="1" indent="-514350">
-              <a:buAutoNum type="arabicPeriod"/>
-            </a:pPr>
-            <a:endParaRPr lang="en-US"/>
+              <a:t>You open a web browser and type in “https://google.com” or “www.google.com”</a:t>
+            </a:r>
           </a:p>
         </p:txBody>
       </p:sp>
@@ -3540,7 +3820,14 @@
         <p:cNvGrpSpPr/>
         <p:nvPr/>
       </p:nvGrpSpPr>
-      <p:grpSpPr/>
+      <p:grpSpPr>
+        <a:xfrm>
+          <a:off x="0" y="0"/>
+          <a:ext cx="0" cy="0"/>
+          <a:chOff x="0" y="0"/>
+          <a:chExt cx="0" cy="0"/>
+        </a:xfrm>
+      </p:grpSpPr>
       <p:sp>
         <p:nvSpPr>
           <p:cNvPr id="4" name="Title 3"/>
@@ -3554,12 +3841,12 @@
         <p:spPr/>
         <p:txBody>
           <a:bodyPr/>
+          <a:lstStyle/>
           <a:p>
             <a:r>
               <a:rPr lang="en-US"/>
               <a:t>Navigating to a Website</a:t>
             </a:r>
-            <a:endParaRPr lang="en-US"/>
           </a:p>
         </p:txBody>
       </p:sp>
@@ -3576,87 +3863,37 @@
         <p:spPr/>
         <p:txBody>
           <a:bodyPr>
-            <a:normAutofit fontScale="70000"/>
+            <a:normAutofit/>
           </a:bodyPr>
-          <a:p>
-            <a:r>
-              <a:rPr lang="en-US"/>
-              <a:t>When you click a link, type in a URL, search on Google, etc., you are attempting to navigate to a website</a:t>
-            </a:r>
-            <a:endParaRPr lang="en-US"/>
-          </a:p>
-          <a:p>
-            <a:r>
-              <a:rPr lang="en-US"/>
-              <a:t>Question: What happens when you attempt to navigate to a website?</a:t>
-            </a:r>
-            <a:endParaRPr lang="en-US"/>
-          </a:p>
-          <a:p>
-            <a:r>
-              <a:rPr lang="en-US"/>
-              <a:t>Answer: The following process happens:</a:t>
-            </a:r>
-            <a:endParaRPr lang="en-US"/>
-          </a:p>
-          <a:p>
-            <a:pPr marL="971550" lvl="1" indent="-514350">
+          <a:lstStyle/>
+          <a:p>
+            <a:r>
+              <a:rPr lang="en-US"/>
+              <a:t>Example: Going to Google.com </a:t>
+            </a:r>
+          </a:p>
+          <a:p>
+            <a:pPr marL="514350" indent="-514350">
               <a:buAutoNum type="arabicPeriod"/>
             </a:pPr>
             <a:r>
               <a:rPr lang="en-US"/>
-              <a:t>Your device sends a message to your network host (WIFI, Ethernet), requesting information about a certain website. </a:t>
-            </a:r>
-            <a:endParaRPr lang="en-US"/>
-          </a:p>
-          <a:p>
-            <a:pPr marL="971550" lvl="1" indent="-514350">
+              <a:t>You open a web browser and type in “https://google.com” or “www.google.com”</a:t>
+            </a:r>
+          </a:p>
+          <a:p>
+            <a:pPr marL="514350" indent="-514350">
               <a:buAutoNum type="arabicPeriod"/>
             </a:pPr>
             <a:r>
               <a:rPr lang="en-US"/>
-              <a:t>Your network host sends this message to your Internet Service Provider (ISP).</a:t>
-            </a:r>
-            <a:endParaRPr lang="en-US"/>
-          </a:p>
-          <a:p>
-            <a:pPr marL="971550" lvl="1" indent="-514350">
+              <a:t>Your web browser builds a message requesting the contents of the webpage found at that web address and forwards it up the previously discussed chain to your ISP. </a:t>
+            </a:r>
+          </a:p>
+          <a:p>
+            <a:pPr marL="514350" indent="-514350">
               <a:buAutoNum type="arabicPeriod"/>
             </a:pPr>
-            <a:r>
-              <a:rPr lang="en-US"/>
-              <a:t>Your Internet Service Provider talks to other ISPs throughout the county, state, country, and world, to determine where the information about the website exists.</a:t>
-            </a:r>
-            <a:endParaRPr lang="en-US"/>
-          </a:p>
-          <a:p>
-            <a:pPr marL="971550" lvl="1" indent="-514350">
-              <a:buAutoNum type="arabicPeriod"/>
-            </a:pPr>
-            <a:r>
-              <a:rPr lang="en-US"/>
-              <a:t>Once the location of the information has been found, the request message is sent to the computer that stores that information.</a:t>
-            </a:r>
-            <a:endParaRPr lang="en-US"/>
-          </a:p>
-          <a:p>
-            <a:pPr marL="971550" lvl="1" indent="-514350">
-              <a:buAutoNum type="arabicPeriod"/>
-            </a:pPr>
-            <a:r>
-              <a:rPr lang="en-US"/>
-              <a:t>The computer that stores the information then sends the information back in a response message to your computer.</a:t>
-            </a:r>
-            <a:endParaRPr lang="en-US"/>
-          </a:p>
-          <a:p>
-            <a:pPr marL="971550" lvl="1" indent="-514350">
-              <a:buAutoNum type="arabicPeriod"/>
-            </a:pPr>
-            <a:r>
-              <a:rPr lang="en-US"/>
-              <a:t>Your computer interprets the response message according to the information that was sent back. </a:t>
-            </a:r>
             <a:endParaRPr lang="en-US"/>
           </a:p>
         </p:txBody>
@@ -3678,7 +3915,14 @@
         <p:cNvGrpSpPr/>
         <p:nvPr/>
       </p:nvGrpSpPr>
-      <p:grpSpPr/>
+      <p:grpSpPr>
+        <a:xfrm>
+          <a:off x="0" y="0"/>
+          <a:ext cx="0" cy="0"/>
+          <a:chOff x="0" y="0"/>
+          <a:chExt cx="0" cy="0"/>
+        </a:xfrm>
+      </p:grpSpPr>
       <p:sp>
         <p:nvSpPr>
           <p:cNvPr id="4" name="Title 3"/>
@@ -3692,12 +3936,12 @@
         <p:spPr/>
         <p:txBody>
           <a:bodyPr/>
+          <a:lstStyle/>
           <a:p>
             <a:r>
               <a:rPr lang="en-US"/>
               <a:t>Navigating to a Website</a:t>
             </a:r>
-            <a:endParaRPr lang="en-US"/>
           </a:p>
         </p:txBody>
       </p:sp>
@@ -3716,12 +3960,39 @@
           <a:bodyPr>
             <a:normAutofit/>
           </a:bodyPr>
+          <a:lstStyle/>
           <a:p>
             <a:r>
               <a:rPr lang="en-US"/>
               <a:t>Example: Going to Google.com </a:t>
             </a:r>
-            <a:endParaRPr lang="en-US"/>
+          </a:p>
+          <a:p>
+            <a:pPr marL="514350" indent="-514350">
+              <a:buAutoNum type="arabicPeriod"/>
+            </a:pPr>
+            <a:r>
+              <a:rPr lang="en-US"/>
+              <a:t>You open a web browser and type in “https://google.com” or “www.google.com”</a:t>
+            </a:r>
+          </a:p>
+          <a:p>
+            <a:pPr marL="514350" indent="-514350">
+              <a:buAutoNum type="arabicPeriod"/>
+            </a:pPr>
+            <a:r>
+              <a:rPr lang="en-US"/>
+              <a:t>Your web browser builds a message requesting the contents of the webpage found at that web address and forwards it up the previously discussed chain to your ISP. </a:t>
+            </a:r>
+          </a:p>
+          <a:p>
+            <a:pPr marL="514350" indent="-514350">
+              <a:buAutoNum type="arabicPeriod"/>
+            </a:pPr>
+            <a:r>
+              <a:rPr lang="en-US"/>
+              <a:t>A server that stores the Google Home Page web file is contacted by your ISP and sends the web file back to your computer.</a:t>
+            </a:r>
           </a:p>
         </p:txBody>
       </p:sp>
@@ -3742,7 +4013,14 @@
         <p:cNvGrpSpPr/>
         <p:nvPr/>
       </p:nvGrpSpPr>
-      <p:grpSpPr/>
+      <p:grpSpPr>
+        <a:xfrm>
+          <a:off x="0" y="0"/>
+          <a:ext cx="0" cy="0"/>
+          <a:chOff x="0" y="0"/>
+          <a:chExt cx="0" cy="0"/>
+        </a:xfrm>
+      </p:grpSpPr>
       <p:sp>
         <p:nvSpPr>
           <p:cNvPr id="4" name="Title 3"/>
@@ -3756,12 +4034,12 @@
         <p:spPr/>
         <p:txBody>
           <a:bodyPr/>
+          <a:lstStyle/>
           <a:p>
             <a:r>
               <a:rPr lang="en-US"/>
               <a:t>Navigating to a Website</a:t>
             </a:r>
-            <a:endParaRPr lang="en-US"/>
           </a:p>
         </p:txBody>
       </p:sp>
@@ -3780,12 +4058,12 @@
           <a:bodyPr>
             <a:normAutofit/>
           </a:bodyPr>
+          <a:lstStyle/>
           <a:p>
             <a:r>
               <a:rPr lang="en-US"/>
               <a:t>Example: Going to Google.com </a:t>
             </a:r>
-            <a:endParaRPr lang="en-US"/>
           </a:p>
           <a:p>
             <a:pPr marL="514350" indent="-514350">
@@ -3795,7 +4073,33 @@
               <a:rPr lang="en-US"/>
               <a:t>You open a web browser and type in “https://google.com” or “www.google.com”</a:t>
             </a:r>
-            <a:endParaRPr lang="en-US"/>
+          </a:p>
+          <a:p>
+            <a:pPr marL="514350" indent="-514350">
+              <a:buAutoNum type="arabicPeriod"/>
+            </a:pPr>
+            <a:r>
+              <a:rPr lang="en-US"/>
+              <a:t>Your web browser builds a message requesting the contents of the webpage found at that web address and forwards it up the previously discussed chain to your ISP. </a:t>
+            </a:r>
+          </a:p>
+          <a:p>
+            <a:pPr marL="514350" indent="-514350">
+              <a:buAutoNum type="arabicPeriod"/>
+            </a:pPr>
+            <a:r>
+              <a:rPr lang="en-US"/>
+              <a:t>A server that stores the Google Home Page web file is contacted by your ISP and sends the web file back to your computer.</a:t>
+            </a:r>
+          </a:p>
+          <a:p>
+            <a:pPr marL="514350" indent="-514350">
+              <a:buAutoNum type="arabicPeriod"/>
+            </a:pPr>
+            <a:r>
+              <a:rPr lang="en-US"/>
+              <a:t>Your computer displays the web file it receives. </a:t>
+            </a:r>
           </a:p>
         </p:txBody>
       </p:sp>
@@ -3816,7 +4120,14 @@
         <p:cNvGrpSpPr/>
         <p:nvPr/>
       </p:nvGrpSpPr>
-      <p:grpSpPr/>
+      <p:grpSpPr>
+        <a:xfrm>
+          <a:off x="0" y="0"/>
+          <a:ext cx="0" cy="0"/>
+          <a:chOff x="0" y="0"/>
+          <a:chExt cx="0" cy="0"/>
+        </a:xfrm>
+      </p:grpSpPr>
       <p:sp>
         <p:nvSpPr>
           <p:cNvPr id="4" name="Title 3"/>
@@ -3830,12 +4141,12 @@
         <p:spPr/>
         <p:txBody>
           <a:bodyPr/>
+          <a:lstStyle/>
           <a:p>
             <a:r>
               <a:rPr lang="en-US"/>
               <a:t>Navigating to a Website</a:t>
             </a:r>
-            <a:endParaRPr lang="en-US"/>
           </a:p>
         </p:txBody>
       </p:sp>
@@ -3854,12 +4165,12 @@
           <a:bodyPr>
             <a:normAutofit/>
           </a:bodyPr>
-          <a:p>
-            <a:r>
-              <a:rPr lang="en-US"/>
-              <a:t>Example: Going to Google.com </a:t>
-            </a:r>
-            <a:endParaRPr lang="en-US"/>
+          <a:lstStyle/>
+          <a:p>
+            <a:r>
+              <a:rPr lang="en-US"/>
+              <a:t>Example: Logging into Sapphire </a:t>
+            </a:r>
           </a:p>
           <a:p>
             <a:pPr marL="514350" indent="-514350">
@@ -3867,25 +4178,8 @@
             </a:pPr>
             <a:r>
               <a:rPr lang="en-US"/>
-              <a:t>You open a web browser and type in “https://google.com” or “www.google.com”</a:t>
-            </a:r>
-            <a:endParaRPr lang="en-US"/>
-          </a:p>
-          <a:p>
-            <a:pPr marL="514350" indent="-514350">
-              <a:buAutoNum type="arabicPeriod"/>
-            </a:pPr>
-            <a:r>
-              <a:rPr lang="en-US"/>
-              <a:t>Your web browser builds a message requesting the contents of the webpage found at that web address and forwards it up the previously discussed chain to your ISP. </a:t>
-            </a:r>
-            <a:endParaRPr lang="en-US"/>
-          </a:p>
-          <a:p>
-            <a:pPr marL="514350" indent="-514350">
-              <a:buAutoNum type="arabicPeriod"/>
-            </a:pPr>
-            <a:endParaRPr lang="en-US"/>
+              <a:t>You navigate to Sapphire’s website in the manner described in the previous example.</a:t>
+            </a:r>
           </a:p>
         </p:txBody>
       </p:sp>
@@ -3906,7 +4200,14 @@
         <p:cNvGrpSpPr/>
         <p:nvPr/>
       </p:nvGrpSpPr>
-      <p:grpSpPr/>
+      <p:grpSpPr>
+        <a:xfrm>
+          <a:off x="0" y="0"/>
+          <a:ext cx="0" cy="0"/>
+          <a:chOff x="0" y="0"/>
+          <a:chExt cx="0" cy="0"/>
+        </a:xfrm>
+      </p:grpSpPr>
       <p:sp>
         <p:nvSpPr>
           <p:cNvPr id="4" name="Title 3"/>
@@ -3920,12 +4221,12 @@
         <p:spPr/>
         <p:txBody>
           <a:bodyPr/>
+          <a:lstStyle/>
           <a:p>
             <a:r>
               <a:rPr lang="en-US"/>
               <a:t>Navigating to a Website</a:t>
             </a:r>
-            <a:endParaRPr lang="en-US"/>
           </a:p>
         </p:txBody>
       </p:sp>
@@ -3944,12 +4245,12 @@
           <a:bodyPr>
             <a:normAutofit/>
           </a:bodyPr>
-          <a:p>
-            <a:r>
-              <a:rPr lang="en-US"/>
-              <a:t>Example: Going to Google.com </a:t>
-            </a:r>
-            <a:endParaRPr lang="en-US"/>
+          <a:lstStyle/>
+          <a:p>
+            <a:r>
+              <a:rPr lang="en-US"/>
+              <a:t>Example: Logging into Sapphire </a:t>
+            </a:r>
           </a:p>
           <a:p>
             <a:pPr marL="514350" indent="-514350">
@@ -3957,9 +4258,8 @@
             </a:pPr>
             <a:r>
               <a:rPr lang="en-US"/>
-              <a:t>You open a web browser and type in “https://google.com” or “www.google.com”</a:t>
-            </a:r>
-            <a:endParaRPr lang="en-US"/>
+              <a:t>You navigate to Sapphire’s website in the manner described in the previous example.</a:t>
+            </a:r>
           </a:p>
           <a:p>
             <a:pPr marL="514350" indent="-514350">
@@ -3967,19 +4267,8 @@
             </a:pPr>
             <a:r>
               <a:rPr lang="en-US"/>
-              <a:t>Your web browser builds a message requesting the contents of the webpage found at that web address and forwards it up the previously discussed chain to your ISP. </a:t>
-            </a:r>
-            <a:endParaRPr lang="en-US"/>
-          </a:p>
-          <a:p>
-            <a:pPr marL="514350" indent="-514350">
-              <a:buAutoNum type="arabicPeriod"/>
-            </a:pPr>
-            <a:r>
-              <a:rPr lang="en-US"/>
-              <a:t>A server that stores the Google Home Page web file is contacted by your ISP and sends the web file back to your computer.</a:t>
-            </a:r>
-            <a:endParaRPr lang="en-US"/>
+              <a:t>You input your Sapphire username and password in appropriate fields on the website and click “Log In”</a:t>
+            </a:r>
           </a:p>
         </p:txBody>
       </p:sp>
@@ -4000,7 +4289,14 @@
         <p:cNvGrpSpPr/>
         <p:nvPr/>
       </p:nvGrpSpPr>
-      <p:grpSpPr/>
+      <p:grpSpPr>
+        <a:xfrm>
+          <a:off x="0" y="0"/>
+          <a:ext cx="0" cy="0"/>
+          <a:chOff x="0" y="0"/>
+          <a:chExt cx="0" cy="0"/>
+        </a:xfrm>
+      </p:grpSpPr>
       <p:sp>
         <p:nvSpPr>
           <p:cNvPr id="4" name="Title 3"/>
@@ -4014,12 +4310,12 @@
         <p:spPr/>
         <p:txBody>
           <a:bodyPr/>
+          <a:lstStyle/>
           <a:p>
             <a:r>
               <a:rPr lang="en-US"/>
               <a:t>Navigating to a Website</a:t>
             </a:r>
-            <a:endParaRPr lang="en-US"/>
           </a:p>
         </p:txBody>
       </p:sp>
@@ -4038,12 +4334,12 @@
           <a:bodyPr>
             <a:normAutofit/>
           </a:bodyPr>
-          <a:p>
-            <a:r>
-              <a:rPr lang="en-US"/>
-              <a:t>Example: Going to Google.com </a:t>
-            </a:r>
-            <a:endParaRPr lang="en-US"/>
+          <a:lstStyle/>
+          <a:p>
+            <a:r>
+              <a:rPr lang="en-US"/>
+              <a:t>Example: Logging into Sapphire </a:t>
+            </a:r>
           </a:p>
           <a:p>
             <a:pPr marL="514350" indent="-514350">
@@ -4051,9 +4347,8 @@
             </a:pPr>
             <a:r>
               <a:rPr lang="en-US"/>
-              <a:t>You open a web browser and type in “https://google.com” or “www.google.com”</a:t>
-            </a:r>
-            <a:endParaRPr lang="en-US"/>
+              <a:t>You navigate to Sapphire’s website in the manner described in the previous example.</a:t>
+            </a:r>
           </a:p>
           <a:p>
             <a:pPr marL="514350" indent="-514350">
@@ -4061,9 +4356,14 @@
             </a:pPr>
             <a:r>
               <a:rPr lang="en-US"/>
-              <a:t>Your web browser builds a message requesting the contents of the webpage found at that web address and forwards it up the previously discussed chain to your ISP. </a:t>
-            </a:r>
-            <a:endParaRPr lang="en-US"/>
+              <a:t>You input your Sapphire username and password in appropriate fields on the website </a:t>
+            </a:r>
+            <a:r>
+              <a:rPr lang="en-US">
+                <a:sym typeface="+mn-ea"/>
+              </a:rPr>
+              <a:t>and click “Log In”</a:t>
+            </a:r>
           </a:p>
           <a:p>
             <a:pPr marL="514350" indent="-514350">
@@ -4071,19 +4371,8 @@
             </a:pPr>
             <a:r>
               <a:rPr lang="en-US"/>
-              <a:t>A server that stores the Google Home Page web file is contacted by your ISP and sends the web file back to your computer.</a:t>
-            </a:r>
-            <a:endParaRPr lang="en-US"/>
-          </a:p>
-          <a:p>
-            <a:pPr marL="514350" indent="-514350">
-              <a:buAutoNum type="arabicPeriod"/>
-            </a:pPr>
-            <a:r>
-              <a:rPr lang="en-US"/>
-              <a:t>Your computer displays the web file it receives. </a:t>
-            </a:r>
-            <a:endParaRPr lang="en-US"/>
+              <a:t>Your username and password are sent to the computer that hosts the Sapphire website.</a:t>
+            </a:r>
           </a:p>
         </p:txBody>
       </p:sp>
@@ -4104,7 +4393,14 @@
         <p:cNvGrpSpPr/>
         <p:nvPr/>
       </p:nvGrpSpPr>
-      <p:grpSpPr/>
+      <p:grpSpPr>
+        <a:xfrm>
+          <a:off x="0" y="0"/>
+          <a:ext cx="0" cy="0"/>
+          <a:chOff x="0" y="0"/>
+          <a:chExt cx="0" cy="0"/>
+        </a:xfrm>
+      </p:grpSpPr>
       <p:sp>
         <p:nvSpPr>
           <p:cNvPr id="4" name="Title 3"/>
@@ -4118,12 +4414,12 @@
         <p:spPr/>
         <p:txBody>
           <a:bodyPr/>
+          <a:lstStyle/>
           <a:p>
             <a:r>
               <a:rPr lang="en-US"/>
               <a:t>Navigating to a Website</a:t>
             </a:r>
-            <a:endParaRPr lang="en-US"/>
           </a:p>
         </p:txBody>
       </p:sp>
@@ -4142,12 +4438,12 @@
           <a:bodyPr>
             <a:normAutofit/>
           </a:bodyPr>
+          <a:lstStyle/>
           <a:p>
             <a:r>
               <a:rPr lang="en-US"/>
               <a:t>Example: Logging into Sapphire </a:t>
             </a:r>
-            <a:endParaRPr lang="en-US"/>
           </a:p>
           <a:p>
             <a:pPr marL="514350" indent="-514350">
@@ -4157,7 +4453,39 @@
               <a:rPr lang="en-US"/>
               <a:t>You navigate to Sapphire’s website in the manner described in the previous example.</a:t>
             </a:r>
-            <a:endParaRPr lang="en-US"/>
+          </a:p>
+          <a:p>
+            <a:pPr marL="514350" indent="-514350">
+              <a:buAutoNum type="arabicPeriod"/>
+            </a:pPr>
+            <a:r>
+              <a:rPr lang="en-US"/>
+              <a:t>You input your Sapphire username and password in appropriate fields on the website </a:t>
+            </a:r>
+            <a:r>
+              <a:rPr lang="en-US">
+                <a:sym typeface="+mn-ea"/>
+              </a:rPr>
+              <a:t>and click “Log In”</a:t>
+            </a:r>
+          </a:p>
+          <a:p>
+            <a:pPr marL="514350" indent="-514350">
+              <a:buAutoNum type="arabicPeriod"/>
+            </a:pPr>
+            <a:r>
+              <a:rPr lang="en-US"/>
+              <a:t>Your username and password are sent to the computer that hosts the Sapphire website.</a:t>
+            </a:r>
+          </a:p>
+          <a:p>
+            <a:pPr marL="514350" indent="-514350">
+              <a:buAutoNum type="arabicPeriod"/>
+            </a:pPr>
+            <a:r>
+              <a:rPr lang="en-US"/>
+              <a:t>The computer checks your username and password to see if an account exists with that information.</a:t>
+            </a:r>
           </a:p>
         </p:txBody>
       </p:sp>
@@ -4178,7 +4506,14 @@
         <p:cNvGrpSpPr/>
         <p:nvPr/>
       </p:nvGrpSpPr>
-      <p:grpSpPr/>
+      <p:grpSpPr>
+        <a:xfrm>
+          <a:off x="0" y="0"/>
+          <a:ext cx="0" cy="0"/>
+          <a:chOff x="0" y="0"/>
+          <a:chExt cx="0" cy="0"/>
+        </a:xfrm>
+      </p:grpSpPr>
       <p:sp>
         <p:nvSpPr>
           <p:cNvPr id="4" name="Title 3"/>
@@ -4192,12 +4527,12 @@
         <p:spPr/>
         <p:txBody>
           <a:bodyPr/>
-          <a:p>
-            <a:r>
-              <a:rPr lang="en-US"/>
-              <a:t>The Internet</a:t>
-            </a:r>
-            <a:endParaRPr lang="en-US"/>
+          <a:lstStyle/>
+          <a:p>
+            <a:r>
+              <a:rPr lang="en-US"/>
+              <a:t>Navigating to a Website</a:t>
+            </a:r>
           </a:p>
         </p:txBody>
       </p:sp>
@@ -4214,12 +4549,12 @@
         <p:spPr/>
         <p:txBody>
           <a:bodyPr/>
-          <a:p>
-            <a:r>
-              <a:rPr lang="en-US"/>
-              <a:t>Question: What is the internet?</a:t>
-            </a:r>
-            <a:endParaRPr lang="en-US"/>
+          <a:lstStyle/>
+          <a:p>
+            <a:r>
+              <a:rPr lang="en-US"/>
+              <a:t>When you click a link, type in a URL, search on Google, etc., you are attempting to navigate to a website</a:t>
+            </a:r>
           </a:p>
         </p:txBody>
       </p:sp>
@@ -4240,7 +4575,14 @@
         <p:cNvGrpSpPr/>
         <p:nvPr/>
       </p:nvGrpSpPr>
-      <p:grpSpPr/>
+      <p:grpSpPr>
+        <a:xfrm>
+          <a:off x="0" y="0"/>
+          <a:ext cx="0" cy="0"/>
+          <a:chOff x="0" y="0"/>
+          <a:chExt cx="0" cy="0"/>
+        </a:xfrm>
+      </p:grpSpPr>
       <p:sp>
         <p:nvSpPr>
           <p:cNvPr id="4" name="Title 3"/>
@@ -4254,12 +4596,12 @@
         <p:spPr/>
         <p:txBody>
           <a:bodyPr/>
+          <a:lstStyle/>
           <a:p>
             <a:r>
               <a:rPr lang="en-US"/>
               <a:t>Navigating to a Website</a:t>
             </a:r>
-            <a:endParaRPr lang="en-US"/>
           </a:p>
         </p:txBody>
       </p:sp>
@@ -4276,14 +4618,14 @@
         <p:spPr/>
         <p:txBody>
           <a:bodyPr>
-            <a:normAutofit/>
+            <a:normAutofit fontScale="87500" lnSpcReduction="20000"/>
           </a:bodyPr>
+          <a:lstStyle/>
           <a:p>
             <a:r>
               <a:rPr lang="en-US"/>
               <a:t>Example: Logging into Sapphire </a:t>
             </a:r>
-            <a:endParaRPr lang="en-US"/>
           </a:p>
           <a:p>
             <a:pPr marL="514350" indent="-514350">
@@ -4293,7 +4635,6 @@
               <a:rPr lang="en-US"/>
               <a:t>You navigate to Sapphire’s website in the manner described in the previous example.</a:t>
             </a:r>
-            <a:endParaRPr lang="en-US"/>
           </a:p>
           <a:p>
             <a:pPr marL="514350" indent="-514350">
@@ -4301,9 +4642,52 @@
             </a:pPr>
             <a:r>
               <a:rPr lang="en-US"/>
-              <a:t>You input your Sapphire username and password in appropriate fields on the website and click “Log In”</a:t>
-            </a:r>
-            <a:endParaRPr lang="en-US"/>
+              <a:t>You input your Sapphire username and password in appropriate fields on the website </a:t>
+            </a:r>
+            <a:r>
+              <a:rPr lang="en-US">
+                <a:sym typeface="+mn-ea"/>
+              </a:rPr>
+              <a:t>and click “Log In”</a:t>
+            </a:r>
+          </a:p>
+          <a:p>
+            <a:pPr marL="514350" indent="-514350">
+              <a:buAutoNum type="arabicPeriod"/>
+            </a:pPr>
+            <a:r>
+              <a:rPr lang="en-US"/>
+              <a:t>Your username and password are sent to the computer that hosts the Sapphire website.</a:t>
+            </a:r>
+          </a:p>
+          <a:p>
+            <a:pPr marL="514350" indent="-514350">
+              <a:buAutoNum type="arabicPeriod"/>
+            </a:pPr>
+            <a:r>
+              <a:rPr lang="en-US"/>
+              <a:t>The computer checks your username and password to see if an account exists with that information.</a:t>
+            </a:r>
+          </a:p>
+          <a:p>
+            <a:pPr marL="971550" lvl="1" indent="-514350">
+              <a:buFont typeface="+mj-lt"/>
+              <a:buAutoNum type="alphaLcParenR"/>
+            </a:pPr>
+            <a:r>
+              <a:rPr lang="en-US"/>
+              <a:t>If an account exists, the computer responds with a webpage with information specific to your account.</a:t>
+            </a:r>
+          </a:p>
+          <a:p>
+            <a:pPr marL="971550" lvl="1" indent="-514350">
+              <a:buFont typeface="+mj-lt"/>
+              <a:buAutoNum type="alphaLcParenR"/>
+            </a:pPr>
+            <a:r>
+              <a:rPr lang="en-US"/>
+              <a:t>If an account doesn’t exist, the computer responds with a webpage saying that no account was found and that you should try logging in again, or reset your password.</a:t>
+            </a:r>
           </a:p>
         </p:txBody>
       </p:sp>
@@ -4324,7 +4708,14 @@
         <p:cNvGrpSpPr/>
         <p:nvPr/>
       </p:nvGrpSpPr>
-      <p:grpSpPr/>
+      <p:grpSpPr>
+        <a:xfrm>
+          <a:off x="0" y="0"/>
+          <a:ext cx="0" cy="0"/>
+          <a:chOff x="0" y="0"/>
+          <a:chExt cx="0" cy="0"/>
+        </a:xfrm>
+      </p:grpSpPr>
       <p:sp>
         <p:nvSpPr>
           <p:cNvPr id="4" name="Title 3"/>
@@ -4338,12 +4729,12 @@
         <p:spPr/>
         <p:txBody>
           <a:bodyPr/>
+          <a:lstStyle/>
           <a:p>
             <a:r>
               <a:rPr lang="en-US"/>
               <a:t>Navigating to a Website</a:t>
             </a:r>
-            <a:endParaRPr lang="en-US"/>
           </a:p>
         </p:txBody>
       </p:sp>
@@ -4362,49 +4753,48 @@
           <a:bodyPr>
             <a:normAutofit/>
           </a:bodyPr>
-          <a:p>
-            <a:r>
-              <a:rPr lang="en-US"/>
-              <a:t>Example: Logging into Sapphire </a:t>
-            </a:r>
-            <a:endParaRPr lang="en-US"/>
-          </a:p>
-          <a:p>
-            <a:pPr marL="514350" indent="-514350">
-              <a:buAutoNum type="arabicPeriod"/>
-            </a:pPr>
-            <a:r>
-              <a:rPr lang="en-US"/>
-              <a:t>You navigate to Sapphire’s website in the manner described in the previous example.</a:t>
-            </a:r>
-            <a:endParaRPr lang="en-US"/>
-          </a:p>
-          <a:p>
-            <a:pPr marL="514350" indent="-514350">
-              <a:buAutoNum type="arabicPeriod"/>
-            </a:pPr>
-            <a:r>
-              <a:rPr lang="en-US"/>
-              <a:t>You input your Sapphire username and password in appropriate fields on the website </a:t>
-            </a:r>
+          <a:lstStyle/>
+          <a:p>
+            <a:r>
+              <a:rPr lang="en-US"/>
+              <a:t>When we talk about navigating the internet, there are some key components we need to know:</a:t>
+            </a:r>
+          </a:p>
+          <a:p>
+            <a:pPr lvl="1"/>
+            <a:r>
+              <a:rPr lang="en-US"/>
+              <a:t>Client: the person using a computer who wants information. </a:t>
+            </a:r>
+          </a:p>
+          <a:p>
+            <a:pPr lvl="1"/>
+            <a:r>
+              <a:rPr lang="en-US"/>
+              <a:t>Server: the computer that stores information about a website that a client wants and the way to process client request messages. </a:t>
+            </a:r>
+          </a:p>
+          <a:p>
+            <a:pPr lvl="1"/>
+            <a:r>
+              <a:rPr lang="en-US"/>
+              <a:t>Database: a collection of information used by servers to personalize websites, including information such as usernames, passwords, and profile pictures, as an example. </a:t>
+            </a:r>
+          </a:p>
+          <a:p>
+            <a:pPr lvl="0"/>
             <a:r>
               <a:rPr lang="en-US">
                 <a:sym typeface="+mn-ea"/>
               </a:rPr>
-              <a:t>and click “Log In”</a:t>
-            </a:r>
-            <a:endParaRPr lang="en-US">
-              <a:sym typeface="+mn-ea"/>
-            </a:endParaRPr>
-          </a:p>
-          <a:p>
-            <a:pPr marL="514350" indent="-514350">
-              <a:buAutoNum type="arabicPeriod"/>
+              <a:t>With these terms, we can create the typical flow for certain web-related actions.</a:t>
+            </a:r>
+            <a:endParaRPr lang="en-US"/>
+          </a:p>
+          <a:p>
+            <a:pPr marL="0" lvl="0" indent="0">
+              <a:buNone/>
             </a:pPr>
-            <a:r>
-              <a:rPr lang="en-US"/>
-              <a:t>Your username and password are sent to the computer that hosts the Sapphire website.</a:t>
-            </a:r>
             <a:endParaRPr lang="en-US"/>
           </a:p>
         </p:txBody>
@@ -4426,7 +4816,14 @@
         <p:cNvGrpSpPr/>
         <p:nvPr/>
       </p:nvGrpSpPr>
-      <p:grpSpPr/>
+      <p:grpSpPr>
+        <a:xfrm>
+          <a:off x="0" y="0"/>
+          <a:ext cx="0" cy="0"/>
+          <a:chOff x="0" y="0"/>
+          <a:chExt cx="0" cy="0"/>
+        </a:xfrm>
+      </p:grpSpPr>
       <p:sp>
         <p:nvSpPr>
           <p:cNvPr id="4" name="Title 3"/>
@@ -4440,12 +4837,12 @@
         <p:spPr/>
         <p:txBody>
           <a:bodyPr/>
+          <a:lstStyle/>
           <a:p>
             <a:r>
               <a:rPr lang="en-US"/>
               <a:t>Navigating to a Website</a:t>
             </a:r>
-            <a:endParaRPr lang="en-US"/>
           </a:p>
         </p:txBody>
       </p:sp>
@@ -4464,60 +4861,32 @@
           <a:bodyPr>
             <a:normAutofit/>
           </a:bodyPr>
-          <a:p>
-            <a:r>
-              <a:rPr lang="en-US"/>
-              <a:t>Example: Logging into Sapphire </a:t>
-            </a:r>
-            <a:endParaRPr lang="en-US"/>
-          </a:p>
-          <a:p>
-            <a:pPr marL="514350" indent="-514350">
-              <a:buAutoNum type="arabicPeriod"/>
-            </a:pPr>
-            <a:r>
-              <a:rPr lang="en-US"/>
-              <a:t>You navigate to Sapphire’s website in the manner described in the previous example.</a:t>
-            </a:r>
-            <a:endParaRPr lang="en-US"/>
-          </a:p>
-          <a:p>
-            <a:pPr marL="514350" indent="-514350">
-              <a:buAutoNum type="arabicPeriod"/>
-            </a:pPr>
-            <a:r>
-              <a:rPr lang="en-US"/>
-              <a:t>You input your Sapphire username and password in appropriate fields on the website </a:t>
-            </a:r>
-            <a:r>
-              <a:rPr lang="en-US">
-                <a:sym typeface="+mn-ea"/>
-              </a:rPr>
-              <a:t>and click “Log In”</a:t>
-            </a:r>
-            <a:endParaRPr lang="en-US">
-              <a:sym typeface="+mn-ea"/>
-            </a:endParaRPr>
-          </a:p>
-          <a:p>
-            <a:pPr marL="514350" indent="-514350">
-              <a:buAutoNum type="arabicPeriod"/>
-            </a:pPr>
-            <a:r>
-              <a:rPr lang="en-US"/>
-              <a:t>Your username and password are sent to the computer that hosts the Sapphire website.</a:t>
-            </a:r>
-            <a:endParaRPr lang="en-US"/>
-          </a:p>
-          <a:p>
-            <a:pPr marL="514350" indent="-514350">
-              <a:buAutoNum type="arabicPeriod"/>
-            </a:pPr>
-            <a:r>
-              <a:rPr lang="en-US"/>
-              <a:t>The computer checks your username and password to see if an account exists with that information.</a:t>
-            </a:r>
-            <a:endParaRPr lang="en-US"/>
+          <a:lstStyle/>
+          <a:p>
+            <a:r>
+              <a:rPr lang="en-US"/>
+              <a:t>Example: Navigating to a website: </a:t>
+            </a:r>
+          </a:p>
+          <a:p>
+            <a:pPr lvl="1"/>
+            <a:r>
+              <a:rPr lang="en-US"/>
+              <a:t>Client --&gt; Server --&gt; Client</a:t>
+            </a:r>
+          </a:p>
+          <a:p>
+            <a:r>
+              <a:rPr lang="en-US"/>
+              <a:t>Example: Logging in to a website: </a:t>
+            </a:r>
+          </a:p>
+          <a:p>
+            <a:pPr lvl="1"/>
+            <a:r>
+              <a:rPr lang="en-US"/>
+              <a:t>Client --&gt; Server --&gt; Database --&gt; Server --&gt; Client</a:t>
+            </a:r>
           </a:p>
         </p:txBody>
       </p:sp>
@@ -4538,7 +4907,14 @@
         <p:cNvGrpSpPr/>
         <p:nvPr/>
       </p:nvGrpSpPr>
-      <p:grpSpPr/>
+      <p:grpSpPr>
+        <a:xfrm>
+          <a:off x="0" y="0"/>
+          <a:ext cx="0" cy="0"/>
+          <a:chOff x="0" y="0"/>
+          <a:chExt cx="0" cy="0"/>
+        </a:xfrm>
+      </p:grpSpPr>
       <p:sp>
         <p:nvSpPr>
           <p:cNvPr id="4" name="Title 3"/>
@@ -4552,12 +4928,12 @@
         <p:spPr/>
         <p:txBody>
           <a:bodyPr/>
-          <a:p>
-            <a:r>
-              <a:rPr lang="en-US"/>
+          <a:lstStyle/>
+          <a:p>
+            <a:r>
+              <a:rPr lang="en-US" dirty="0"/>
               <a:t>Navigating to a Website</a:t>
             </a:r>
-            <a:endParaRPr lang="en-US"/>
           </a:p>
         </p:txBody>
       </p:sp>
@@ -4571,91 +4947,97 @@
             <p:ph idx="1"/>
           </p:nvPr>
         </p:nvSpPr>
-        <p:spPr/>
+        <p:spPr>
+          <a:xfrm>
+            <a:off x="838200" y="1825625"/>
+            <a:ext cx="10515600" cy="4351338"/>
+          </a:xfrm>
+        </p:spPr>
         <p:txBody>
           <a:bodyPr>
-            <a:normAutofit fontScale="80000"/>
+            <a:normAutofit/>
           </a:bodyPr>
-          <a:p>
-            <a:r>
-              <a:rPr lang="en-US"/>
-              <a:t>Example: Logging into Sapphire </a:t>
-            </a:r>
-            <a:endParaRPr lang="en-US"/>
-          </a:p>
-          <a:p>
-            <a:pPr marL="514350" indent="-514350">
-              <a:buAutoNum type="arabicPeriod"/>
-            </a:pPr>
-            <a:r>
-              <a:rPr lang="en-US"/>
-              <a:t>You navigate to Sapphire’s website in the manner described in the previous example.</a:t>
-            </a:r>
-            <a:endParaRPr lang="en-US"/>
-          </a:p>
-          <a:p>
-            <a:pPr marL="514350" indent="-514350">
-              <a:buAutoNum type="arabicPeriod"/>
-            </a:pPr>
-            <a:r>
-              <a:rPr lang="en-US"/>
-              <a:t>You input your Sapphire username and password in appropriate fields on the website </a:t>
-            </a:r>
-            <a:r>
-              <a:rPr lang="en-US">
-                <a:sym typeface="+mn-ea"/>
-              </a:rPr>
-              <a:t>and click “Log In”</a:t>
-            </a:r>
-            <a:endParaRPr lang="en-US">
-              <a:sym typeface="+mn-ea"/>
-            </a:endParaRPr>
-          </a:p>
-          <a:p>
-            <a:pPr marL="514350" indent="-514350">
-              <a:buAutoNum type="arabicPeriod"/>
-            </a:pPr>
-            <a:r>
-              <a:rPr lang="en-US"/>
-              <a:t>Your username and password are sent to the computer that hosts the Sapphire website.</a:t>
-            </a:r>
-            <a:endParaRPr lang="en-US"/>
-          </a:p>
-          <a:p>
-            <a:pPr marL="514350" indent="-514350">
-              <a:buAutoNum type="arabicPeriod"/>
-            </a:pPr>
-            <a:r>
-              <a:rPr lang="en-US"/>
-              <a:t>The computer checks your username and password to see if an account exists with that information.</a:t>
-            </a:r>
-            <a:endParaRPr lang="en-US"/>
-          </a:p>
-          <a:p>
-            <a:pPr marL="971550" lvl="1" indent="-514350">
-              <a:buFont typeface="+mj-lt"/>
-              <a:buAutoNum type="alphaLcParenR"/>
-            </a:pPr>
-            <a:r>
-              <a:rPr lang="en-US"/>
-              <a:t>If an account exists, the computer responds with a webpage with information specific to your account.</a:t>
-            </a:r>
-            <a:endParaRPr lang="en-US"/>
-          </a:p>
-          <a:p>
-            <a:pPr marL="971550" lvl="1" indent="-514350">
-              <a:buFont typeface="+mj-lt"/>
-              <a:buAutoNum type="alphaLcParenR"/>
-            </a:pPr>
-            <a:r>
-              <a:rPr lang="en-US"/>
-              <a:t>If an account doesn’t exist, the computer responds with a webpage saying that no account was found and that you should try logging in again, or reset your password.</a:t>
-            </a:r>
-            <a:endParaRPr lang="en-US"/>
+          <a:lstStyle/>
+          <a:p>
+            <a:r>
+              <a:rPr lang="en-US" dirty="0"/>
+              <a:t>Example: Logging in to Sapphire (Pictorial): </a:t>
+            </a:r>
+          </a:p>
+          <a:p>
+            <a:pPr lvl="1"/>
+            <a:r>
+              <a:rPr lang="en-US" dirty="0"/>
+              <a:t>Client --&gt; Server --&gt; Database --&gt; Server --&gt; Client</a:t>
+            </a:r>
+          </a:p>
+        </p:txBody>
+      </p:sp>
+      <p:sp>
+        <p:nvSpPr>
+          <p:cNvPr id="12" name="Rectangle: Rounded Corners 11">
+            <a:extLst>
+              <a:ext uri="{FF2B5EF4-FFF2-40B4-BE49-F238E27FC236}">
+                <a16:creationId xmlns:a16="http://schemas.microsoft.com/office/drawing/2014/main" id="{7792508A-4E1B-43F9-A54E-AB9EDDBAB437}"/>
+              </a:ext>
+            </a:extLst>
+          </p:cNvPr>
+          <p:cNvSpPr/>
+          <p:nvPr/>
+        </p:nvSpPr>
+        <p:spPr>
+          <a:xfrm>
+            <a:off x="28067" y="3589815"/>
+            <a:ext cx="2294389" cy="822957"/>
+          </a:xfrm>
+          <a:prstGeom prst="roundRect">
+            <a:avLst/>
+          </a:prstGeom>
+        </p:spPr>
+        <p:style>
+          <a:lnRef idx="2">
+            <a:schemeClr val="dk1"/>
+          </a:lnRef>
+          <a:fillRef idx="1">
+            <a:schemeClr val="lt1"/>
+          </a:fillRef>
+          <a:effectRef idx="0">
+            <a:schemeClr val="dk1"/>
+          </a:effectRef>
+          <a:fontRef idx="minor">
+            <a:schemeClr val="dk1"/>
+          </a:fontRef>
+        </p:style>
+        <p:txBody>
+          <a:bodyPr rtlCol="0" anchor="ctr"/>
+          <a:lstStyle/>
+          <a:p>
+            <a:pPr algn="ctr"/>
+            <a:r>
+              <a:rPr lang="en-US" dirty="0"/>
+              <a:t>username=</a:t>
+            </a:r>
+            <a:r>
+              <a:rPr lang="en-US" dirty="0" err="1"/>
+              <a:t>grossjos</a:t>
+            </a:r>
+            <a:endParaRPr lang="en-US" dirty="0"/>
+          </a:p>
+          <a:p>
+            <a:pPr algn="ctr"/>
+            <a:r>
+              <a:rPr lang="en-US" dirty="0"/>
+              <a:t>password=password</a:t>
+            </a:r>
           </a:p>
         </p:txBody>
       </p:sp>
     </p:spTree>
+    <p:extLst>
+      <p:ext uri="{BB962C8B-B14F-4D97-AF65-F5344CB8AC3E}">
+        <p14:creationId xmlns:p14="http://schemas.microsoft.com/office/powerpoint/2010/main" val="1429726443"/>
+      </p:ext>
+    </p:extLst>
   </p:cSld>
   <p:clrMapOvr>
     <a:masterClrMapping/>
@@ -4672,7 +5054,14 @@
         <p:cNvGrpSpPr/>
         <p:nvPr/>
       </p:nvGrpSpPr>
-      <p:grpSpPr/>
+      <p:grpSpPr>
+        <a:xfrm>
+          <a:off x="0" y="0"/>
+          <a:ext cx="0" cy="0"/>
+          <a:chOff x="0" y="0"/>
+          <a:chExt cx="0" cy="0"/>
+        </a:xfrm>
+      </p:grpSpPr>
       <p:sp>
         <p:nvSpPr>
           <p:cNvPr id="4" name="Title 3"/>
@@ -4686,12 +5075,12 @@
         <p:spPr/>
         <p:txBody>
           <a:bodyPr/>
-          <a:p>
-            <a:r>
-              <a:rPr lang="en-US"/>
+          <a:lstStyle/>
+          <a:p>
+            <a:r>
+              <a:rPr lang="en-US" dirty="0"/>
               <a:t>Navigating to a Website</a:t>
             </a:r>
-            <a:endParaRPr lang="en-US"/>
           </a:p>
         </p:txBody>
       </p:sp>
@@ -4705,61 +5094,144 @@
             <p:ph idx="1"/>
           </p:nvPr>
         </p:nvSpPr>
-        <p:spPr/>
+        <p:spPr>
+          <a:xfrm>
+            <a:off x="838200" y="1825625"/>
+            <a:ext cx="10515600" cy="4351338"/>
+          </a:xfrm>
+        </p:spPr>
         <p:txBody>
           <a:bodyPr>
             <a:normAutofit/>
           </a:bodyPr>
-          <a:p>
-            <a:r>
-              <a:rPr lang="en-US"/>
-              <a:t>When we talk about navigating the internet, there are some key components we need to know:</a:t>
-            </a:r>
-            <a:endParaRPr lang="en-US"/>
+          <a:lstStyle/>
+          <a:p>
+            <a:r>
+              <a:rPr lang="en-US" dirty="0"/>
+              <a:t>Example: Logging in to Sapphire (Pictorial): </a:t>
+            </a:r>
           </a:p>
           <a:p>
             <a:pPr lvl="1"/>
             <a:r>
-              <a:rPr lang="en-US"/>
-              <a:t>Client: the person using a computer who wants information. </a:t>
-            </a:r>
-            <a:endParaRPr lang="en-US"/>
-          </a:p>
-          <a:p>
-            <a:pPr lvl="1"/>
-            <a:r>
-              <a:rPr lang="en-US"/>
-              <a:t>Server: the computer that stores information about a website that a client wants and the way to process client request messages. </a:t>
-            </a:r>
-            <a:endParaRPr lang="en-US"/>
-          </a:p>
-          <a:p>
-            <a:pPr lvl="1"/>
-            <a:r>
-              <a:rPr lang="en-US"/>
-              <a:t>Database: a collection of information used by servers to personalize websites, including information such as usernames, passwords, and profile pictures, as an example. </a:t>
-            </a:r>
-            <a:endParaRPr lang="en-US"/>
-          </a:p>
-          <a:p>
-            <a:pPr lvl="0"/>
-            <a:r>
-              <a:rPr lang="en-US">
-                <a:sym typeface="+mn-ea"/>
-              </a:rPr>
-              <a:t>With these terms, we can create the typical flow for certain web-related actions.</a:t>
-            </a:r>
-            <a:endParaRPr lang="en-US"/>
-          </a:p>
-          <a:p>
-            <a:pPr marL="0" lvl="0" indent="0">
-              <a:buNone/>
-            </a:pPr>
-            <a:endParaRPr lang="en-US"/>
+              <a:rPr lang="en-US" dirty="0"/>
+              <a:t>Client --&gt; Server --&gt; Database --&gt; Server --&gt; Client</a:t>
+            </a:r>
+          </a:p>
+        </p:txBody>
+      </p:sp>
+      <p:sp>
+        <p:nvSpPr>
+          <p:cNvPr id="3" name="Arrow: Right 2">
+            <a:extLst>
+              <a:ext uri="{FF2B5EF4-FFF2-40B4-BE49-F238E27FC236}">
+                <a16:creationId xmlns:a16="http://schemas.microsoft.com/office/drawing/2014/main" id="{FB116FCA-7628-4753-B194-42289C5C84E6}"/>
+              </a:ext>
+            </a:extLst>
+          </p:cNvPr>
+          <p:cNvSpPr/>
+          <p:nvPr/>
+        </p:nvSpPr>
+        <p:spPr>
+          <a:xfrm>
+            <a:off x="2443621" y="3417693"/>
+            <a:ext cx="1761688" cy="1167202"/>
+          </a:xfrm>
+          <a:prstGeom prst="rightArrow">
+            <a:avLst/>
+          </a:prstGeom>
+        </p:spPr>
+        <p:style>
+          <a:lnRef idx="2">
+            <a:schemeClr val="dk1"/>
+          </a:lnRef>
+          <a:fillRef idx="1">
+            <a:schemeClr val="lt1"/>
+          </a:fillRef>
+          <a:effectRef idx="0">
+            <a:schemeClr val="dk1"/>
+          </a:effectRef>
+          <a:fontRef idx="minor">
+            <a:schemeClr val="dk1"/>
+          </a:fontRef>
+        </p:style>
+        <p:txBody>
+          <a:bodyPr rtlCol="0" anchor="ctr"/>
+          <a:lstStyle/>
+          <a:p>
+            <a:pPr algn="ctr"/>
+            <a:r>
+              <a:rPr lang="en-US" dirty="0"/>
+              <a:t>Client Request</a:t>
+            </a:r>
+          </a:p>
+        </p:txBody>
+      </p:sp>
+      <p:sp>
+        <p:nvSpPr>
+          <p:cNvPr id="12" name="Rectangle: Rounded Corners 11">
+            <a:extLst>
+              <a:ext uri="{FF2B5EF4-FFF2-40B4-BE49-F238E27FC236}">
+                <a16:creationId xmlns:a16="http://schemas.microsoft.com/office/drawing/2014/main" id="{7792508A-4E1B-43F9-A54E-AB9EDDBAB437}"/>
+              </a:ext>
+            </a:extLst>
+          </p:cNvPr>
+          <p:cNvSpPr/>
+          <p:nvPr/>
+        </p:nvSpPr>
+        <p:spPr>
+          <a:xfrm>
+            <a:off x="28067" y="3589815"/>
+            <a:ext cx="2294389" cy="822957"/>
+          </a:xfrm>
+          <a:prstGeom prst="roundRect">
+            <a:avLst/>
+          </a:prstGeom>
+        </p:spPr>
+        <p:style>
+          <a:lnRef idx="2">
+            <a:schemeClr val="dk1"/>
+          </a:lnRef>
+          <a:fillRef idx="1">
+            <a:schemeClr val="lt1"/>
+          </a:fillRef>
+          <a:effectRef idx="0">
+            <a:schemeClr val="dk1"/>
+          </a:effectRef>
+          <a:fontRef idx="minor">
+            <a:schemeClr val="dk1"/>
+          </a:fontRef>
+        </p:style>
+        <p:txBody>
+          <a:bodyPr rtlCol="0" anchor="ctr"/>
+          <a:lstStyle/>
+          <a:p>
+            <a:pPr algn="ctr"/>
+            <a:r>
+              <a:rPr lang="en-US" dirty="0"/>
+              <a:t>username=</a:t>
+            </a:r>
+            <a:r>
+              <a:rPr lang="en-US" dirty="0" err="1"/>
+              <a:t>grossjos</a:t>
+            </a:r>
+            <a:endParaRPr lang="en-US" dirty="0"/>
+          </a:p>
+          <a:p>
+            <a:pPr algn="ctr"/>
+            <a:r>
+              <a:rPr lang="en-US" dirty="0"/>
+              <a:t>password=password</a:t>
+            </a:r>
           </a:p>
         </p:txBody>
       </p:sp>
     </p:spTree>
+    <p:extLst>
+      <p:ext uri="{BB962C8B-B14F-4D97-AF65-F5344CB8AC3E}">
+        <p14:creationId xmlns:p14="http://schemas.microsoft.com/office/powerpoint/2010/main" val="3856547561"/>
+      </p:ext>
+    </p:extLst>
   </p:cSld>
   <p:clrMapOvr>
     <a:masterClrMapping/>
@@ -4776,7 +5248,14 @@
         <p:cNvGrpSpPr/>
         <p:nvPr/>
       </p:nvGrpSpPr>
-      <p:grpSpPr/>
+      <p:grpSpPr>
+        <a:xfrm>
+          <a:off x="0" y="0"/>
+          <a:ext cx="0" cy="0"/>
+          <a:chOff x="0" y="0"/>
+          <a:chExt cx="0" cy="0"/>
+        </a:xfrm>
+      </p:grpSpPr>
       <p:sp>
         <p:nvSpPr>
           <p:cNvPr id="4" name="Title 3"/>
@@ -4790,12 +5269,12 @@
         <p:spPr/>
         <p:txBody>
           <a:bodyPr/>
-          <a:p>
-            <a:r>
-              <a:rPr lang="en-US"/>
+          <a:lstStyle/>
+          <a:p>
+            <a:r>
+              <a:rPr lang="en-US" dirty="0"/>
               <a:t>Navigating to a Website</a:t>
             </a:r>
-            <a:endParaRPr lang="en-US"/>
           </a:p>
         </p:txBody>
       </p:sp>
@@ -4809,44 +5288,191 @@
             <p:ph idx="1"/>
           </p:nvPr>
         </p:nvSpPr>
-        <p:spPr/>
+        <p:spPr>
+          <a:xfrm>
+            <a:off x="838200" y="1825625"/>
+            <a:ext cx="10515600" cy="4351338"/>
+          </a:xfrm>
+        </p:spPr>
         <p:txBody>
           <a:bodyPr>
             <a:normAutofit/>
           </a:bodyPr>
-          <a:p>
-            <a:r>
-              <a:rPr lang="en-US"/>
-              <a:t>Example: Navigating to a website: </a:t>
-            </a:r>
-            <a:endParaRPr lang="en-US"/>
+          <a:lstStyle/>
+          <a:p>
+            <a:r>
+              <a:rPr lang="en-US" dirty="0"/>
+              <a:t>Example: Logging in to Sapphire (Pictorial): </a:t>
+            </a:r>
           </a:p>
           <a:p>
             <a:pPr lvl="1"/>
             <a:r>
-              <a:rPr lang="en-US"/>
-              <a:t>Client --&gt; Server --&gt; Client</a:t>
-            </a:r>
-            <a:endParaRPr lang="en-US"/>
-          </a:p>
-          <a:p>
-            <a:r>
-              <a:rPr lang="en-US"/>
-              <a:t>Example: Logging in to a website: </a:t>
-            </a:r>
-            <a:endParaRPr lang="en-US"/>
-          </a:p>
-          <a:p>
-            <a:pPr lvl="1"/>
-            <a:r>
-              <a:rPr lang="en-US"/>
+              <a:rPr lang="en-US" dirty="0"/>
               <a:t>Client --&gt; Server --&gt; Database --&gt; Server --&gt; Client</a:t>
             </a:r>
-            <a:endParaRPr lang="en-US"/>
+          </a:p>
+        </p:txBody>
+      </p:sp>
+      <p:sp>
+        <p:nvSpPr>
+          <p:cNvPr id="3" name="Arrow: Right 2">
+            <a:extLst>
+              <a:ext uri="{FF2B5EF4-FFF2-40B4-BE49-F238E27FC236}">
+                <a16:creationId xmlns:a16="http://schemas.microsoft.com/office/drawing/2014/main" id="{FB116FCA-7628-4753-B194-42289C5C84E6}"/>
+              </a:ext>
+            </a:extLst>
+          </p:cNvPr>
+          <p:cNvSpPr/>
+          <p:nvPr/>
+        </p:nvSpPr>
+        <p:spPr>
+          <a:xfrm>
+            <a:off x="2443621" y="3417693"/>
+            <a:ext cx="1761688" cy="1167202"/>
+          </a:xfrm>
+          <a:prstGeom prst="rightArrow">
+            <a:avLst/>
+          </a:prstGeom>
+        </p:spPr>
+        <p:style>
+          <a:lnRef idx="2">
+            <a:schemeClr val="dk1"/>
+          </a:lnRef>
+          <a:fillRef idx="1">
+            <a:schemeClr val="lt1"/>
+          </a:fillRef>
+          <a:effectRef idx="0">
+            <a:schemeClr val="dk1"/>
+          </a:effectRef>
+          <a:fontRef idx="minor">
+            <a:schemeClr val="dk1"/>
+          </a:fontRef>
+        </p:style>
+        <p:txBody>
+          <a:bodyPr rtlCol="0" anchor="ctr"/>
+          <a:lstStyle/>
+          <a:p>
+            <a:pPr algn="ctr"/>
+            <a:r>
+              <a:rPr lang="en-US" dirty="0"/>
+              <a:t>Client Request</a:t>
+            </a:r>
+          </a:p>
+        </p:txBody>
+      </p:sp>
+      <p:sp>
+        <p:nvSpPr>
+          <p:cNvPr id="7" name="Rectangle: Rounded Corners 6">
+            <a:extLst>
+              <a:ext uri="{FF2B5EF4-FFF2-40B4-BE49-F238E27FC236}">
+                <a16:creationId xmlns:a16="http://schemas.microsoft.com/office/drawing/2014/main" id="{FA60EE19-CD92-4FFF-A229-C1793BDF1A78}"/>
+              </a:ext>
+            </a:extLst>
+          </p:cNvPr>
+          <p:cNvSpPr/>
+          <p:nvPr/>
+        </p:nvSpPr>
+        <p:spPr>
+          <a:xfrm>
+            <a:off x="4257148" y="2924675"/>
+            <a:ext cx="2175852" cy="2175852"/>
+          </a:xfrm>
+          <a:prstGeom prst="roundRect">
+            <a:avLst/>
+          </a:prstGeom>
+        </p:spPr>
+        <p:style>
+          <a:lnRef idx="2">
+            <a:schemeClr val="accent2"/>
+          </a:lnRef>
+          <a:fillRef idx="1">
+            <a:schemeClr val="lt1"/>
+          </a:fillRef>
+          <a:effectRef idx="0">
+            <a:schemeClr val="accent2"/>
+          </a:effectRef>
+          <a:fontRef idx="minor">
+            <a:schemeClr val="dk1"/>
+          </a:fontRef>
+        </p:style>
+        <p:txBody>
+          <a:bodyPr rtlCol="0" anchor="ctr"/>
+          <a:lstStyle/>
+          <a:p>
+            <a:pPr algn="ctr"/>
+            <a:r>
+              <a:rPr lang="en-US" dirty="0"/>
+              <a:t>Server + Database</a:t>
+            </a:r>
+          </a:p>
+        </p:txBody>
+      </p:sp>
+      <p:sp>
+        <p:nvSpPr>
+          <p:cNvPr id="12" name="Rectangle: Rounded Corners 11">
+            <a:extLst>
+              <a:ext uri="{FF2B5EF4-FFF2-40B4-BE49-F238E27FC236}">
+                <a16:creationId xmlns:a16="http://schemas.microsoft.com/office/drawing/2014/main" id="{7792508A-4E1B-43F9-A54E-AB9EDDBAB437}"/>
+              </a:ext>
+            </a:extLst>
+          </p:cNvPr>
+          <p:cNvSpPr/>
+          <p:nvPr/>
+        </p:nvSpPr>
+        <p:spPr>
+          <a:xfrm>
+            <a:off x="28067" y="3589815"/>
+            <a:ext cx="2294389" cy="822957"/>
+          </a:xfrm>
+          <a:prstGeom prst="roundRect">
+            <a:avLst/>
+          </a:prstGeom>
+        </p:spPr>
+        <p:style>
+          <a:lnRef idx="2">
+            <a:schemeClr val="dk1"/>
+          </a:lnRef>
+          <a:fillRef idx="1">
+            <a:schemeClr val="lt1"/>
+          </a:fillRef>
+          <a:effectRef idx="0">
+            <a:schemeClr val="dk1"/>
+          </a:effectRef>
+          <a:fontRef idx="minor">
+            <a:schemeClr val="dk1"/>
+          </a:fontRef>
+        </p:style>
+        <p:txBody>
+          <a:bodyPr rtlCol="0" anchor="ctr"/>
+          <a:lstStyle/>
+          <a:p>
+            <a:pPr algn="ctr"/>
+            <a:r>
+              <a:rPr lang="en-US" dirty="0"/>
+              <a:t>username=</a:t>
+            </a:r>
+            <a:r>
+              <a:rPr lang="en-US" dirty="0" err="1"/>
+              <a:t>grossjos</a:t>
+            </a:r>
+            <a:endParaRPr lang="en-US" dirty="0"/>
+          </a:p>
+          <a:p>
+            <a:pPr algn="ctr"/>
+            <a:r>
+              <a:rPr lang="en-US" dirty="0"/>
+              <a:t>password=password</a:t>
+            </a:r>
           </a:p>
         </p:txBody>
       </p:sp>
     </p:spTree>
+    <p:extLst>
+      <p:ext uri="{BB962C8B-B14F-4D97-AF65-F5344CB8AC3E}">
+        <p14:creationId xmlns:p14="http://schemas.microsoft.com/office/powerpoint/2010/main" val="868546742"/>
+      </p:ext>
+    </p:extLst>
   </p:cSld>
   <p:clrMapOvr>
     <a:masterClrMapping/>
@@ -4863,7 +5489,14 @@
         <p:cNvGrpSpPr/>
         <p:nvPr/>
       </p:nvGrpSpPr>
-      <p:grpSpPr/>
+      <p:grpSpPr>
+        <a:xfrm>
+          <a:off x="0" y="0"/>
+          <a:ext cx="0" cy="0"/>
+          <a:chOff x="0" y="0"/>
+          <a:chExt cx="0" cy="0"/>
+        </a:xfrm>
+      </p:grpSpPr>
       <p:sp>
         <p:nvSpPr>
           <p:cNvPr id="4" name="Title 3"/>
@@ -4877,12 +5510,12 @@
         <p:spPr/>
         <p:txBody>
           <a:bodyPr/>
-          <a:p>
-            <a:r>
-              <a:rPr lang="en-US"/>
+          <a:lstStyle/>
+          <a:p>
+            <a:r>
+              <a:rPr lang="en-US" dirty="0"/>
               <a:t>Navigating to a Website</a:t>
             </a:r>
-            <a:endParaRPr lang="en-US"/>
           </a:p>
         </p:txBody>
       </p:sp>
@@ -4896,17 +5529,1398 @@
             <p:ph idx="1"/>
           </p:nvPr>
         </p:nvSpPr>
-        <p:spPr/>
+        <p:spPr>
+          <a:xfrm>
+            <a:off x="838200" y="1825625"/>
+            <a:ext cx="10515600" cy="4351338"/>
+          </a:xfrm>
+        </p:spPr>
         <p:txBody>
           <a:bodyPr>
             <a:normAutofit/>
           </a:bodyPr>
+          <a:lstStyle/>
+          <a:p>
+            <a:r>
+              <a:rPr lang="en-US" dirty="0"/>
+              <a:t>Example: Logging in to Sapphire (Pictorial): </a:t>
+            </a:r>
+          </a:p>
+          <a:p>
+            <a:pPr lvl="1"/>
+            <a:r>
+              <a:rPr lang="en-US" dirty="0"/>
+              <a:t>Client --&gt; Server --&gt; Database --&gt; Server --&gt; Client</a:t>
+            </a:r>
+          </a:p>
+        </p:txBody>
+      </p:sp>
+      <p:sp>
+        <p:nvSpPr>
+          <p:cNvPr id="7" name="Rectangle: Rounded Corners 6">
+            <a:extLst>
+              <a:ext uri="{FF2B5EF4-FFF2-40B4-BE49-F238E27FC236}">
+                <a16:creationId xmlns:a16="http://schemas.microsoft.com/office/drawing/2014/main" id="{FA60EE19-CD92-4FFF-A229-C1793BDF1A78}"/>
+              </a:ext>
+            </a:extLst>
+          </p:cNvPr>
+          <p:cNvSpPr/>
+          <p:nvPr/>
+        </p:nvSpPr>
+        <p:spPr>
+          <a:xfrm>
+            <a:off x="1098958" y="2924675"/>
+            <a:ext cx="9286613" cy="3769740"/>
+          </a:xfrm>
+          <a:prstGeom prst="roundRect">
+            <a:avLst/>
+          </a:prstGeom>
+        </p:spPr>
+        <p:style>
+          <a:lnRef idx="2">
+            <a:schemeClr val="accent2"/>
+          </a:lnRef>
+          <a:fillRef idx="1">
+            <a:schemeClr val="lt1"/>
+          </a:fillRef>
+          <a:effectRef idx="0">
+            <a:schemeClr val="accent2"/>
+          </a:effectRef>
+          <a:fontRef idx="minor">
+            <a:schemeClr val="dk1"/>
+          </a:fontRef>
+        </p:style>
+        <p:txBody>
+          <a:bodyPr rtlCol="0" anchor="ctr"/>
+          <a:lstStyle/>
+          <a:p>
+            <a:pPr algn="ctr"/>
+            <a:endParaRPr lang="en-US" dirty="0"/>
+          </a:p>
+        </p:txBody>
+      </p:sp>
+      <p:sp>
+        <p:nvSpPr>
+          <p:cNvPr id="2" name="Rectangle: Rounded Corners 1">
+            <a:extLst>
+              <a:ext uri="{FF2B5EF4-FFF2-40B4-BE49-F238E27FC236}">
+                <a16:creationId xmlns:a16="http://schemas.microsoft.com/office/drawing/2014/main" id="{F88AC398-B09D-4BD1-81A9-384F2D35A379}"/>
+              </a:ext>
+            </a:extLst>
+          </p:cNvPr>
+          <p:cNvSpPr/>
+          <p:nvPr/>
+        </p:nvSpPr>
+        <p:spPr>
+          <a:xfrm>
+            <a:off x="1579750" y="3987840"/>
+            <a:ext cx="931178" cy="931178"/>
+          </a:xfrm>
+          <a:prstGeom prst="roundRect">
+            <a:avLst/>
+          </a:prstGeom>
+        </p:spPr>
+        <p:style>
+          <a:lnRef idx="2">
+            <a:schemeClr val="dk1"/>
+          </a:lnRef>
+          <a:fillRef idx="1">
+            <a:schemeClr val="lt1"/>
+          </a:fillRef>
+          <a:effectRef idx="0">
+            <a:schemeClr val="dk1"/>
+          </a:effectRef>
+          <a:fontRef idx="minor">
+            <a:schemeClr val="dk1"/>
+          </a:fontRef>
+        </p:style>
+        <p:txBody>
+          <a:bodyPr rtlCol="0" anchor="ctr"/>
+          <a:lstStyle/>
+          <a:p>
+            <a:pPr algn="ctr"/>
+            <a:r>
+              <a:rPr lang="en-US" dirty="0"/>
+              <a:t>Server</a:t>
+            </a:r>
+          </a:p>
+        </p:txBody>
+      </p:sp>
+      <p:sp>
+        <p:nvSpPr>
+          <p:cNvPr id="6" name="Arrow: Right 5">
+            <a:extLst>
+              <a:ext uri="{FF2B5EF4-FFF2-40B4-BE49-F238E27FC236}">
+                <a16:creationId xmlns:a16="http://schemas.microsoft.com/office/drawing/2014/main" id="{89A2C6D4-5A88-4CB5-AE4A-5B36EF71A249}"/>
+              </a:ext>
+            </a:extLst>
+          </p:cNvPr>
+          <p:cNvSpPr/>
+          <p:nvPr/>
+        </p:nvSpPr>
+        <p:spPr>
+          <a:xfrm>
+            <a:off x="98048" y="4408414"/>
+            <a:ext cx="961586" cy="616337"/>
+          </a:xfrm>
+          <a:prstGeom prst="rightArrow">
+            <a:avLst/>
+          </a:prstGeom>
+        </p:spPr>
+        <p:style>
+          <a:lnRef idx="2">
+            <a:schemeClr val="dk1"/>
+          </a:lnRef>
+          <a:fillRef idx="1">
+            <a:schemeClr val="lt1"/>
+          </a:fillRef>
+          <a:effectRef idx="0">
+            <a:schemeClr val="dk1"/>
+          </a:effectRef>
+          <a:fontRef idx="minor">
+            <a:schemeClr val="dk1"/>
+          </a:fontRef>
+        </p:style>
+        <p:txBody>
+          <a:bodyPr rtlCol="0" anchor="ctr"/>
+          <a:lstStyle/>
+          <a:p>
+            <a:pPr algn="ctr"/>
+            <a:r>
+              <a:rPr lang="en-US" sz="1400" dirty="0"/>
+              <a:t>Request</a:t>
+            </a:r>
+          </a:p>
+        </p:txBody>
+      </p:sp>
+      <p:sp>
+        <p:nvSpPr>
+          <p:cNvPr id="9" name="Arrow: Right 8">
+            <a:extLst>
+              <a:ext uri="{FF2B5EF4-FFF2-40B4-BE49-F238E27FC236}">
+                <a16:creationId xmlns:a16="http://schemas.microsoft.com/office/drawing/2014/main" id="{9E3B49AA-027E-49E4-8267-D648F613AC0A}"/>
+              </a:ext>
+            </a:extLst>
+          </p:cNvPr>
+          <p:cNvSpPr/>
+          <p:nvPr/>
+        </p:nvSpPr>
+        <p:spPr>
+          <a:xfrm>
+            <a:off x="10517175" y="4408414"/>
+            <a:ext cx="1350100" cy="616337"/>
+          </a:xfrm>
+          <a:prstGeom prst="rightArrow">
+            <a:avLst/>
+          </a:prstGeom>
+        </p:spPr>
+        <p:style>
+          <a:lnRef idx="2">
+            <a:schemeClr val="dk1"/>
+          </a:lnRef>
+          <a:fillRef idx="1">
+            <a:schemeClr val="lt1"/>
+          </a:fillRef>
+          <a:effectRef idx="0">
+            <a:schemeClr val="dk1"/>
+          </a:effectRef>
+          <a:fontRef idx="minor">
+            <a:schemeClr val="dk1"/>
+          </a:fontRef>
+        </p:style>
+        <p:txBody>
+          <a:bodyPr rtlCol="0" anchor="ctr"/>
+          <a:lstStyle/>
+          <a:p>
+            <a:pPr algn="ctr"/>
+            <a:r>
+              <a:rPr lang="en-US" dirty="0"/>
+              <a:t>Response</a:t>
+            </a:r>
+          </a:p>
+        </p:txBody>
+      </p:sp>
+      <p:sp>
+        <p:nvSpPr>
+          <p:cNvPr id="8" name="Arrow: Right 7">
+            <a:extLst>
+              <a:ext uri="{FF2B5EF4-FFF2-40B4-BE49-F238E27FC236}">
+                <a16:creationId xmlns:a16="http://schemas.microsoft.com/office/drawing/2014/main" id="{7504BC0D-183E-4351-9D68-DE908A77B989}"/>
+              </a:ext>
+            </a:extLst>
+          </p:cNvPr>
+          <p:cNvSpPr/>
+          <p:nvPr/>
+        </p:nvSpPr>
+        <p:spPr>
+          <a:xfrm>
+            <a:off x="2642532" y="3987840"/>
+            <a:ext cx="1518407" cy="931177"/>
+          </a:xfrm>
+          <a:prstGeom prst="rightArrow">
+            <a:avLst/>
+          </a:prstGeom>
+        </p:spPr>
+        <p:style>
+          <a:lnRef idx="2">
+            <a:schemeClr val="dk1"/>
+          </a:lnRef>
+          <a:fillRef idx="1">
+            <a:schemeClr val="lt1"/>
+          </a:fillRef>
+          <a:effectRef idx="0">
+            <a:schemeClr val="dk1"/>
+          </a:effectRef>
+          <a:fontRef idx="minor">
+            <a:schemeClr val="dk1"/>
+          </a:fontRef>
+        </p:style>
+        <p:txBody>
+          <a:bodyPr rtlCol="0" anchor="ctr"/>
+          <a:lstStyle/>
+          <a:p>
+            <a:pPr algn="ctr"/>
+            <a:r>
+              <a:rPr lang="en-US" sz="1000" dirty="0"/>
+              <a:t>Info valid: Request = {</a:t>
+            </a:r>
+            <a:r>
+              <a:rPr lang="en-US" sz="1000" dirty="0" err="1"/>
+              <a:t>username:grossjos</a:t>
+            </a:r>
+            <a:endParaRPr lang="en-US" sz="1000" dirty="0"/>
+          </a:p>
+          <a:p>
+            <a:pPr algn="ctr"/>
+            <a:r>
+              <a:rPr lang="en-US" sz="1000" dirty="0"/>
+              <a:t>password: password}</a:t>
+            </a:r>
+          </a:p>
+        </p:txBody>
+      </p:sp>
+      <p:sp>
+        <p:nvSpPr>
+          <p:cNvPr id="11" name="Rectangle: Rounded Corners 10">
+            <a:extLst>
+              <a:ext uri="{FF2B5EF4-FFF2-40B4-BE49-F238E27FC236}">
+                <a16:creationId xmlns:a16="http://schemas.microsoft.com/office/drawing/2014/main" id="{DB497D69-CB84-4DAC-B7C0-62C9FD712DAC}"/>
+              </a:ext>
+            </a:extLst>
+          </p:cNvPr>
+          <p:cNvSpPr/>
+          <p:nvPr/>
+        </p:nvSpPr>
+        <p:spPr>
+          <a:xfrm>
+            <a:off x="9358443" y="3656966"/>
+            <a:ext cx="931178" cy="2109049"/>
+          </a:xfrm>
+          <a:prstGeom prst="roundRect">
+            <a:avLst/>
+          </a:prstGeom>
+        </p:spPr>
+        <p:style>
+          <a:lnRef idx="2">
+            <a:schemeClr val="dk1"/>
+          </a:lnRef>
+          <a:fillRef idx="1">
+            <a:schemeClr val="lt1"/>
+          </a:fillRef>
+          <a:effectRef idx="0">
+            <a:schemeClr val="dk1"/>
+          </a:effectRef>
+          <a:fontRef idx="minor">
+            <a:schemeClr val="dk1"/>
+          </a:fontRef>
+        </p:style>
+        <p:txBody>
+          <a:bodyPr rtlCol="0" anchor="ctr"/>
+          <a:lstStyle/>
+          <a:p>
+            <a:pPr algn="ctr"/>
+            <a:r>
+              <a:rPr lang="en-US" dirty="0"/>
+              <a:t>Server</a:t>
+            </a:r>
+          </a:p>
+        </p:txBody>
+      </p:sp>
+      <p:sp>
+        <p:nvSpPr>
+          <p:cNvPr id="13" name="Arrow: Right 12">
+            <a:extLst>
+              <a:ext uri="{FF2B5EF4-FFF2-40B4-BE49-F238E27FC236}">
+                <a16:creationId xmlns:a16="http://schemas.microsoft.com/office/drawing/2014/main" id="{252C150B-B928-4517-B339-B7C4E413B8B0}"/>
+              </a:ext>
+            </a:extLst>
+          </p:cNvPr>
+          <p:cNvSpPr/>
+          <p:nvPr/>
+        </p:nvSpPr>
+        <p:spPr>
+          <a:xfrm>
+            <a:off x="2223079" y="5315105"/>
+            <a:ext cx="6853807" cy="484632"/>
+          </a:xfrm>
+          <a:prstGeom prst="rightArrow">
+            <a:avLst/>
+          </a:prstGeom>
+        </p:spPr>
+        <p:style>
+          <a:lnRef idx="2">
+            <a:schemeClr val="dk1"/>
+          </a:lnRef>
+          <a:fillRef idx="1">
+            <a:schemeClr val="lt1"/>
+          </a:fillRef>
+          <a:effectRef idx="0">
+            <a:schemeClr val="dk1"/>
+          </a:effectRef>
+          <a:fontRef idx="minor">
+            <a:schemeClr val="dk1"/>
+          </a:fontRef>
+        </p:style>
+        <p:txBody>
+          <a:bodyPr rtlCol="0" anchor="ctr"/>
+          <a:lstStyle/>
+          <a:p>
+            <a:pPr algn="ctr"/>
+            <a:r>
+              <a:rPr lang="en-US" dirty="0"/>
+              <a:t>Info not valid: Response = {BAD_INFO}</a:t>
+            </a:r>
+          </a:p>
+        </p:txBody>
+      </p:sp>
+      <p:sp>
+        <p:nvSpPr>
+          <p:cNvPr id="10" name="Rectangle: Rounded Corners 9">
+            <a:extLst>
+              <a:ext uri="{FF2B5EF4-FFF2-40B4-BE49-F238E27FC236}">
+                <a16:creationId xmlns:a16="http://schemas.microsoft.com/office/drawing/2014/main" id="{1F97E354-8B6C-45B0-8D69-CABAE33520CF}"/>
+              </a:ext>
+            </a:extLst>
+          </p:cNvPr>
+          <p:cNvSpPr/>
+          <p:nvPr/>
+        </p:nvSpPr>
+        <p:spPr>
+          <a:xfrm>
+            <a:off x="4276638" y="3959348"/>
+            <a:ext cx="1518406" cy="914400"/>
+          </a:xfrm>
+          <a:prstGeom prst="roundRect">
+            <a:avLst/>
+          </a:prstGeom>
+        </p:spPr>
+        <p:style>
+          <a:lnRef idx="2">
+            <a:schemeClr val="dk1"/>
+          </a:lnRef>
+          <a:fillRef idx="1">
+            <a:schemeClr val="lt1"/>
+          </a:fillRef>
+          <a:effectRef idx="0">
+            <a:schemeClr val="dk1"/>
+          </a:effectRef>
+          <a:fontRef idx="minor">
+            <a:schemeClr val="dk1"/>
+          </a:fontRef>
+        </p:style>
+        <p:txBody>
+          <a:bodyPr rtlCol="0" anchor="ctr"/>
+          <a:lstStyle/>
+          <a:p>
+            <a:pPr algn="ctr"/>
+            <a:r>
+              <a:rPr lang="en-US" dirty="0"/>
+              <a:t>Database</a:t>
+            </a:r>
+          </a:p>
+        </p:txBody>
+      </p:sp>
+      <p:sp>
+        <p:nvSpPr>
+          <p:cNvPr id="14" name="Arrow: Right 13">
+            <a:extLst>
+              <a:ext uri="{FF2B5EF4-FFF2-40B4-BE49-F238E27FC236}">
+                <a16:creationId xmlns:a16="http://schemas.microsoft.com/office/drawing/2014/main" id="{F773E3AE-8112-4849-BCA4-5C715C834357}"/>
+              </a:ext>
+            </a:extLst>
+          </p:cNvPr>
+          <p:cNvSpPr/>
+          <p:nvPr/>
+        </p:nvSpPr>
+        <p:spPr>
+          <a:xfrm>
+            <a:off x="5926648" y="3877574"/>
+            <a:ext cx="3150238" cy="484632"/>
+          </a:xfrm>
+          <a:prstGeom prst="rightArrow">
+            <a:avLst/>
+          </a:prstGeom>
+        </p:spPr>
+        <p:style>
+          <a:lnRef idx="2">
+            <a:schemeClr val="dk1"/>
+          </a:lnRef>
+          <a:fillRef idx="1">
+            <a:schemeClr val="lt1"/>
+          </a:fillRef>
+          <a:effectRef idx="0">
+            <a:schemeClr val="dk1"/>
+          </a:effectRef>
+          <a:fontRef idx="minor">
+            <a:schemeClr val="dk1"/>
+          </a:fontRef>
+        </p:style>
+        <p:txBody>
+          <a:bodyPr rtlCol="0" anchor="ctr"/>
+          <a:lstStyle/>
+          <a:p>
+            <a:pPr algn="ctr"/>
+            <a:r>
+              <a:rPr lang="en-US" sz="1200" dirty="0"/>
+              <a:t>Info exists: Response = {USER_INFO}</a:t>
+            </a:r>
+          </a:p>
+        </p:txBody>
+      </p:sp>
+      <p:sp>
+        <p:nvSpPr>
+          <p:cNvPr id="15" name="Arrow: Right 14">
+            <a:extLst>
+              <a:ext uri="{FF2B5EF4-FFF2-40B4-BE49-F238E27FC236}">
+                <a16:creationId xmlns:a16="http://schemas.microsoft.com/office/drawing/2014/main" id="{BDF6F986-3D67-42C1-B5E6-FC707EBDC4BE}"/>
+              </a:ext>
+            </a:extLst>
+          </p:cNvPr>
+          <p:cNvSpPr/>
+          <p:nvPr/>
+        </p:nvSpPr>
+        <p:spPr>
+          <a:xfrm>
+            <a:off x="5926648" y="4469175"/>
+            <a:ext cx="3150238" cy="484632"/>
+          </a:xfrm>
+          <a:prstGeom prst="rightArrow">
+            <a:avLst/>
+          </a:prstGeom>
+        </p:spPr>
+        <p:style>
+          <a:lnRef idx="2">
+            <a:schemeClr val="dk1"/>
+          </a:lnRef>
+          <a:fillRef idx="1">
+            <a:schemeClr val="lt1"/>
+          </a:fillRef>
+          <a:effectRef idx="0">
+            <a:schemeClr val="dk1"/>
+          </a:effectRef>
+          <a:fontRef idx="minor">
+            <a:schemeClr val="dk1"/>
+          </a:fontRef>
+        </p:style>
+        <p:txBody>
+          <a:bodyPr rtlCol="0" anchor="ctr"/>
+          <a:lstStyle/>
+          <a:p>
+            <a:pPr algn="ctr"/>
+            <a:r>
+              <a:rPr lang="en-US" sz="1200" dirty="0"/>
+              <a:t>Info doesn’t exist: Response = {NO_INFO}</a:t>
+            </a:r>
+          </a:p>
+        </p:txBody>
+      </p:sp>
+      <p:sp>
+        <p:nvSpPr>
+          <p:cNvPr id="16" name="L-Shape 15">
+            <a:extLst>
+              <a:ext uri="{FF2B5EF4-FFF2-40B4-BE49-F238E27FC236}">
+                <a16:creationId xmlns:a16="http://schemas.microsoft.com/office/drawing/2014/main" id="{077AB3A7-772C-4C76-9FA8-9610D8F69465}"/>
+              </a:ext>
+            </a:extLst>
+          </p:cNvPr>
+          <p:cNvSpPr/>
+          <p:nvPr/>
+        </p:nvSpPr>
+        <p:spPr>
+          <a:xfrm>
+            <a:off x="1749716" y="5198580"/>
+            <a:ext cx="484633" cy="484633"/>
+          </a:xfrm>
+          <a:prstGeom prst="corner">
+            <a:avLst/>
+          </a:prstGeom>
+        </p:spPr>
+        <p:style>
+          <a:lnRef idx="2">
+            <a:schemeClr val="dk1"/>
+          </a:lnRef>
+          <a:fillRef idx="1">
+            <a:schemeClr val="lt1"/>
+          </a:fillRef>
+          <a:effectRef idx="0">
+            <a:schemeClr val="dk1"/>
+          </a:effectRef>
+          <a:fontRef idx="minor">
+            <a:schemeClr val="dk1"/>
+          </a:fontRef>
+        </p:style>
+        <p:txBody>
+          <a:bodyPr rtlCol="0" anchor="ctr"/>
+          <a:lstStyle/>
+          <a:p>
+            <a:pPr algn="ctr"/>
+            <a:endParaRPr lang="en-US"/>
+          </a:p>
+        </p:txBody>
+      </p:sp>
+    </p:spTree>
+    <p:extLst>
+      <p:ext uri="{BB962C8B-B14F-4D97-AF65-F5344CB8AC3E}">
+        <p14:creationId xmlns:p14="http://schemas.microsoft.com/office/powerpoint/2010/main" val="4039373973"/>
+      </p:ext>
+    </p:extLst>
+  </p:cSld>
+  <p:clrMapOvr>
+    <a:masterClrMapping/>
+  </p:clrMapOvr>
+</p:sld>
+</file>
+
+<file path=ppt/slides/slide27.xml><?xml version="1.0" encoding="utf-8"?>
+<p:sld xmlns:a="http://schemas.openxmlformats.org/drawingml/2006/main" xmlns:r="http://schemas.openxmlformats.org/officeDocument/2006/relationships" xmlns:p="http://schemas.openxmlformats.org/presentationml/2006/main">
+  <p:cSld>
+    <p:spTree>
+      <p:nvGrpSpPr>
+        <p:cNvPr id="1" name=""/>
+        <p:cNvGrpSpPr/>
+        <p:nvPr/>
+      </p:nvGrpSpPr>
+      <p:grpSpPr>
+        <a:xfrm>
+          <a:off x="0" y="0"/>
+          <a:ext cx="0" cy="0"/>
+          <a:chOff x="0" y="0"/>
+          <a:chExt cx="0" cy="0"/>
+        </a:xfrm>
+      </p:grpSpPr>
+      <p:sp>
+        <p:nvSpPr>
+          <p:cNvPr id="4" name="Title 3"/>
+          <p:cNvSpPr>
+            <a:spLocks noGrp="1"/>
+          </p:cNvSpPr>
+          <p:nvPr>
+            <p:ph type="title"/>
+          </p:nvPr>
+        </p:nvSpPr>
+        <p:spPr/>
+        <p:txBody>
+          <a:bodyPr/>
+          <a:lstStyle/>
+          <a:p>
+            <a:r>
+              <a:rPr lang="en-US" dirty="0"/>
+              <a:t>Navigating to a Website</a:t>
+            </a:r>
+          </a:p>
+        </p:txBody>
+      </p:sp>
+      <p:sp>
+        <p:nvSpPr>
+          <p:cNvPr id="5" name="Content Placeholder 4"/>
+          <p:cNvSpPr>
+            <a:spLocks noGrp="1"/>
+          </p:cNvSpPr>
+          <p:nvPr>
+            <p:ph idx="1"/>
+          </p:nvPr>
+        </p:nvSpPr>
+        <p:spPr/>
+        <p:txBody>
+          <a:bodyPr>
+            <a:normAutofit/>
+          </a:bodyPr>
+          <a:lstStyle/>
+          <a:p>
+            <a:r>
+              <a:rPr lang="en-US" dirty="0"/>
+              <a:t>Example: Logging in to Sapphire (Pictorial): </a:t>
+            </a:r>
+          </a:p>
+          <a:p>
+            <a:pPr lvl="1"/>
+            <a:r>
+              <a:rPr lang="en-US" dirty="0"/>
+              <a:t>Client --&gt; Server --&gt; Database --&gt; Server --&gt; Client</a:t>
+            </a:r>
+          </a:p>
+        </p:txBody>
+      </p:sp>
+      <p:sp>
+        <p:nvSpPr>
+          <p:cNvPr id="3" name="Arrow: Right 2">
+            <a:extLst>
+              <a:ext uri="{FF2B5EF4-FFF2-40B4-BE49-F238E27FC236}">
+                <a16:creationId xmlns:a16="http://schemas.microsoft.com/office/drawing/2014/main" id="{FB116FCA-7628-4753-B194-42289C5C84E6}"/>
+              </a:ext>
+            </a:extLst>
+          </p:cNvPr>
+          <p:cNvSpPr/>
+          <p:nvPr/>
+        </p:nvSpPr>
+        <p:spPr>
+          <a:xfrm>
+            <a:off x="2443621" y="3417693"/>
+            <a:ext cx="1761688" cy="1167202"/>
+          </a:xfrm>
+          <a:prstGeom prst="rightArrow">
+            <a:avLst/>
+          </a:prstGeom>
+        </p:spPr>
+        <p:style>
+          <a:lnRef idx="2">
+            <a:schemeClr val="dk1"/>
+          </a:lnRef>
+          <a:fillRef idx="1">
+            <a:schemeClr val="lt1"/>
+          </a:fillRef>
+          <a:effectRef idx="0">
+            <a:schemeClr val="dk1"/>
+          </a:effectRef>
+          <a:fontRef idx="minor">
+            <a:schemeClr val="dk1"/>
+          </a:fontRef>
+        </p:style>
+        <p:txBody>
+          <a:bodyPr rtlCol="0" anchor="ctr"/>
+          <a:lstStyle/>
+          <a:p>
+            <a:pPr algn="ctr"/>
+            <a:r>
+              <a:rPr lang="en-US" dirty="0"/>
+              <a:t>Client Request</a:t>
+            </a:r>
+          </a:p>
+        </p:txBody>
+      </p:sp>
+      <p:sp>
+        <p:nvSpPr>
+          <p:cNvPr id="7" name="Rectangle: Rounded Corners 6">
+            <a:extLst>
+              <a:ext uri="{FF2B5EF4-FFF2-40B4-BE49-F238E27FC236}">
+                <a16:creationId xmlns:a16="http://schemas.microsoft.com/office/drawing/2014/main" id="{FA60EE19-CD92-4FFF-A229-C1793BDF1A78}"/>
+              </a:ext>
+            </a:extLst>
+          </p:cNvPr>
+          <p:cNvSpPr/>
+          <p:nvPr/>
+        </p:nvSpPr>
+        <p:spPr>
+          <a:xfrm>
+            <a:off x="4257148" y="2924675"/>
+            <a:ext cx="2175852" cy="2175852"/>
+          </a:xfrm>
+          <a:prstGeom prst="roundRect">
+            <a:avLst/>
+          </a:prstGeom>
+        </p:spPr>
+        <p:style>
+          <a:lnRef idx="2">
+            <a:schemeClr val="accent2"/>
+          </a:lnRef>
+          <a:fillRef idx="1">
+            <a:schemeClr val="lt1"/>
+          </a:fillRef>
+          <a:effectRef idx="0">
+            <a:schemeClr val="accent2"/>
+          </a:effectRef>
+          <a:fontRef idx="minor">
+            <a:schemeClr val="dk1"/>
+          </a:fontRef>
+        </p:style>
+        <p:txBody>
+          <a:bodyPr rtlCol="0" anchor="ctr"/>
+          <a:lstStyle/>
+          <a:p>
+            <a:pPr algn="ctr"/>
+            <a:r>
+              <a:rPr lang="en-US" dirty="0"/>
+              <a:t>Server + Database</a:t>
+            </a:r>
+          </a:p>
+        </p:txBody>
+      </p:sp>
+      <p:sp>
+        <p:nvSpPr>
+          <p:cNvPr id="8" name="Arrow: Right 7">
+            <a:extLst>
+              <a:ext uri="{FF2B5EF4-FFF2-40B4-BE49-F238E27FC236}">
+                <a16:creationId xmlns:a16="http://schemas.microsoft.com/office/drawing/2014/main" id="{3528DBB0-3F1B-4198-BF65-71D584356C1F}"/>
+              </a:ext>
+            </a:extLst>
+          </p:cNvPr>
+          <p:cNvSpPr/>
+          <p:nvPr/>
+        </p:nvSpPr>
+        <p:spPr>
+          <a:xfrm>
+            <a:off x="6787568" y="3032049"/>
+            <a:ext cx="1903426" cy="686223"/>
+          </a:xfrm>
+          <a:prstGeom prst="rightArrow">
+            <a:avLst/>
+          </a:prstGeom>
+        </p:spPr>
+        <p:style>
+          <a:lnRef idx="2">
+            <a:schemeClr val="dk1"/>
+          </a:lnRef>
+          <a:fillRef idx="1">
+            <a:schemeClr val="lt1"/>
+          </a:fillRef>
+          <a:effectRef idx="0">
+            <a:schemeClr val="dk1"/>
+          </a:effectRef>
+          <a:fontRef idx="minor">
+            <a:schemeClr val="dk1"/>
+          </a:fontRef>
+        </p:style>
+        <p:txBody>
+          <a:bodyPr rtlCol="0" anchor="ctr"/>
+          <a:lstStyle/>
+          <a:p>
+            <a:pPr algn="ctr"/>
+            <a:r>
+              <a:rPr lang="en-US" dirty="0"/>
+              <a:t>Login good</a:t>
+            </a:r>
+          </a:p>
+        </p:txBody>
+      </p:sp>
+      <p:sp>
+        <p:nvSpPr>
+          <p:cNvPr id="11" name="Rectangle: Rounded Corners 10">
+            <a:extLst>
+              <a:ext uri="{FF2B5EF4-FFF2-40B4-BE49-F238E27FC236}">
+                <a16:creationId xmlns:a16="http://schemas.microsoft.com/office/drawing/2014/main" id="{9CCEF493-16EF-41CD-9DF1-D71D9FA1B174}"/>
+              </a:ext>
+            </a:extLst>
+          </p:cNvPr>
+          <p:cNvSpPr/>
+          <p:nvPr/>
+        </p:nvSpPr>
+        <p:spPr>
+          <a:xfrm>
+            <a:off x="8867164" y="2650921"/>
+            <a:ext cx="2022116" cy="1283516"/>
+          </a:xfrm>
+          <a:prstGeom prst="roundRect">
+            <a:avLst/>
+          </a:prstGeom>
+        </p:spPr>
+        <p:style>
+          <a:lnRef idx="2">
+            <a:schemeClr val="dk1"/>
+          </a:lnRef>
+          <a:fillRef idx="1">
+            <a:schemeClr val="lt1"/>
+          </a:fillRef>
+          <a:effectRef idx="0">
+            <a:schemeClr val="dk1"/>
+          </a:effectRef>
+          <a:fontRef idx="minor">
+            <a:schemeClr val="dk1"/>
+          </a:fontRef>
+        </p:style>
+        <p:txBody>
+          <a:bodyPr rtlCol="0" anchor="ctr"/>
+          <a:lstStyle/>
+          <a:p>
+            <a:pPr algn="ctr"/>
+            <a:r>
+              <a:rPr lang="en-US" dirty="0"/>
+              <a:t>Hello, </a:t>
+            </a:r>
+            <a:r>
+              <a:rPr lang="en-US" dirty="0" err="1"/>
+              <a:t>Mr</a:t>
+            </a:r>
+            <a:r>
+              <a:rPr lang="en-US" dirty="0"/>
+              <a:t> Gross!</a:t>
+            </a:r>
+          </a:p>
+        </p:txBody>
+      </p:sp>
+      <p:sp>
+        <p:nvSpPr>
+          <p:cNvPr id="12" name="Rectangle: Rounded Corners 11">
+            <a:extLst>
+              <a:ext uri="{FF2B5EF4-FFF2-40B4-BE49-F238E27FC236}">
+                <a16:creationId xmlns:a16="http://schemas.microsoft.com/office/drawing/2014/main" id="{7792508A-4E1B-43F9-A54E-AB9EDDBAB437}"/>
+              </a:ext>
+            </a:extLst>
+          </p:cNvPr>
+          <p:cNvSpPr/>
+          <p:nvPr/>
+        </p:nvSpPr>
+        <p:spPr>
+          <a:xfrm>
+            <a:off x="28067" y="3589815"/>
+            <a:ext cx="2294389" cy="822957"/>
+          </a:xfrm>
+          <a:prstGeom prst="roundRect">
+            <a:avLst/>
+          </a:prstGeom>
+        </p:spPr>
+        <p:style>
+          <a:lnRef idx="2">
+            <a:schemeClr val="dk1"/>
+          </a:lnRef>
+          <a:fillRef idx="1">
+            <a:schemeClr val="lt1"/>
+          </a:fillRef>
+          <a:effectRef idx="0">
+            <a:schemeClr val="dk1"/>
+          </a:effectRef>
+          <a:fontRef idx="minor">
+            <a:schemeClr val="dk1"/>
+          </a:fontRef>
+        </p:style>
+        <p:txBody>
+          <a:bodyPr rtlCol="0" anchor="ctr"/>
+          <a:lstStyle/>
+          <a:p>
+            <a:pPr algn="ctr"/>
+            <a:r>
+              <a:rPr lang="en-US" dirty="0"/>
+              <a:t>username=</a:t>
+            </a:r>
+            <a:r>
+              <a:rPr lang="en-US" dirty="0" err="1"/>
+              <a:t>grossjos</a:t>
+            </a:r>
+            <a:endParaRPr lang="en-US" dirty="0"/>
+          </a:p>
+          <a:p>
+            <a:pPr algn="ctr"/>
+            <a:r>
+              <a:rPr lang="en-US" dirty="0"/>
+              <a:t>password=password</a:t>
+            </a:r>
+          </a:p>
+        </p:txBody>
+      </p:sp>
+    </p:spTree>
+    <p:extLst>
+      <p:ext uri="{BB962C8B-B14F-4D97-AF65-F5344CB8AC3E}">
+        <p14:creationId xmlns:p14="http://schemas.microsoft.com/office/powerpoint/2010/main" val="1399149358"/>
+      </p:ext>
+    </p:extLst>
+  </p:cSld>
+  <p:clrMapOvr>
+    <a:masterClrMapping/>
+  </p:clrMapOvr>
+</p:sld>
+</file>
+
+<file path=ppt/slides/slide28.xml><?xml version="1.0" encoding="utf-8"?>
+<p:sld xmlns:a="http://schemas.openxmlformats.org/drawingml/2006/main" xmlns:r="http://schemas.openxmlformats.org/officeDocument/2006/relationships" xmlns:p="http://schemas.openxmlformats.org/presentationml/2006/main">
+  <p:cSld>
+    <p:spTree>
+      <p:nvGrpSpPr>
+        <p:cNvPr id="1" name=""/>
+        <p:cNvGrpSpPr/>
+        <p:nvPr/>
+      </p:nvGrpSpPr>
+      <p:grpSpPr>
+        <a:xfrm>
+          <a:off x="0" y="0"/>
+          <a:ext cx="0" cy="0"/>
+          <a:chOff x="0" y="0"/>
+          <a:chExt cx="0" cy="0"/>
+        </a:xfrm>
+      </p:grpSpPr>
+      <p:sp>
+        <p:nvSpPr>
+          <p:cNvPr id="4" name="Title 3"/>
+          <p:cNvSpPr>
+            <a:spLocks noGrp="1"/>
+          </p:cNvSpPr>
+          <p:nvPr>
+            <p:ph type="title"/>
+          </p:nvPr>
+        </p:nvSpPr>
+        <p:spPr/>
+        <p:txBody>
+          <a:bodyPr/>
+          <a:lstStyle/>
+          <a:p>
+            <a:r>
+              <a:rPr lang="en-US" dirty="0"/>
+              <a:t>Navigating to a Website</a:t>
+            </a:r>
+          </a:p>
+        </p:txBody>
+      </p:sp>
+      <p:sp>
+        <p:nvSpPr>
+          <p:cNvPr id="5" name="Content Placeholder 4"/>
+          <p:cNvSpPr>
+            <a:spLocks noGrp="1"/>
+          </p:cNvSpPr>
+          <p:nvPr>
+            <p:ph idx="1"/>
+          </p:nvPr>
+        </p:nvSpPr>
+        <p:spPr/>
+        <p:txBody>
+          <a:bodyPr>
+            <a:normAutofit/>
+          </a:bodyPr>
+          <a:lstStyle/>
+          <a:p>
+            <a:r>
+              <a:rPr lang="en-US" dirty="0"/>
+              <a:t>Example: Logging in to Sapphire (Pictorial): </a:t>
+            </a:r>
+          </a:p>
+          <a:p>
+            <a:pPr lvl="1"/>
+            <a:r>
+              <a:rPr lang="en-US" dirty="0"/>
+              <a:t>Client --&gt; Server --&gt; Database --&gt; Server --&gt; Client</a:t>
+            </a:r>
+          </a:p>
+        </p:txBody>
+      </p:sp>
+      <p:sp>
+        <p:nvSpPr>
+          <p:cNvPr id="3" name="Arrow: Right 2">
+            <a:extLst>
+              <a:ext uri="{FF2B5EF4-FFF2-40B4-BE49-F238E27FC236}">
+                <a16:creationId xmlns:a16="http://schemas.microsoft.com/office/drawing/2014/main" id="{FB116FCA-7628-4753-B194-42289C5C84E6}"/>
+              </a:ext>
+            </a:extLst>
+          </p:cNvPr>
+          <p:cNvSpPr/>
+          <p:nvPr/>
+        </p:nvSpPr>
+        <p:spPr>
+          <a:xfrm>
+            <a:off x="2443621" y="3417693"/>
+            <a:ext cx="1761688" cy="1167202"/>
+          </a:xfrm>
+          <a:prstGeom prst="rightArrow">
+            <a:avLst/>
+          </a:prstGeom>
+        </p:spPr>
+        <p:style>
+          <a:lnRef idx="2">
+            <a:schemeClr val="dk1"/>
+          </a:lnRef>
+          <a:fillRef idx="1">
+            <a:schemeClr val="lt1"/>
+          </a:fillRef>
+          <a:effectRef idx="0">
+            <a:schemeClr val="dk1"/>
+          </a:effectRef>
+          <a:fontRef idx="minor">
+            <a:schemeClr val="dk1"/>
+          </a:fontRef>
+        </p:style>
+        <p:txBody>
+          <a:bodyPr rtlCol="0" anchor="ctr"/>
+          <a:lstStyle/>
+          <a:p>
+            <a:pPr algn="ctr"/>
+            <a:r>
+              <a:rPr lang="en-US" dirty="0"/>
+              <a:t>Client Request</a:t>
+            </a:r>
+          </a:p>
+        </p:txBody>
+      </p:sp>
+      <p:sp>
+        <p:nvSpPr>
+          <p:cNvPr id="7" name="Rectangle: Rounded Corners 6">
+            <a:extLst>
+              <a:ext uri="{FF2B5EF4-FFF2-40B4-BE49-F238E27FC236}">
+                <a16:creationId xmlns:a16="http://schemas.microsoft.com/office/drawing/2014/main" id="{FA60EE19-CD92-4FFF-A229-C1793BDF1A78}"/>
+              </a:ext>
+            </a:extLst>
+          </p:cNvPr>
+          <p:cNvSpPr/>
+          <p:nvPr/>
+        </p:nvSpPr>
+        <p:spPr>
+          <a:xfrm>
+            <a:off x="4257148" y="2924675"/>
+            <a:ext cx="2175852" cy="2175852"/>
+          </a:xfrm>
+          <a:prstGeom prst="roundRect">
+            <a:avLst/>
+          </a:prstGeom>
+        </p:spPr>
+        <p:style>
+          <a:lnRef idx="2">
+            <a:schemeClr val="accent2"/>
+          </a:lnRef>
+          <a:fillRef idx="1">
+            <a:schemeClr val="lt1"/>
+          </a:fillRef>
+          <a:effectRef idx="0">
+            <a:schemeClr val="accent2"/>
+          </a:effectRef>
+          <a:fontRef idx="minor">
+            <a:schemeClr val="dk1"/>
+          </a:fontRef>
+        </p:style>
+        <p:txBody>
+          <a:bodyPr rtlCol="0" anchor="ctr"/>
+          <a:lstStyle/>
+          <a:p>
+            <a:pPr algn="ctr"/>
+            <a:r>
+              <a:rPr lang="en-US" dirty="0"/>
+              <a:t>Server + Database</a:t>
+            </a:r>
+          </a:p>
+        </p:txBody>
+      </p:sp>
+      <p:sp>
+        <p:nvSpPr>
+          <p:cNvPr id="8" name="Arrow: Right 7">
+            <a:extLst>
+              <a:ext uri="{FF2B5EF4-FFF2-40B4-BE49-F238E27FC236}">
+                <a16:creationId xmlns:a16="http://schemas.microsoft.com/office/drawing/2014/main" id="{3528DBB0-3F1B-4198-BF65-71D584356C1F}"/>
+              </a:ext>
+            </a:extLst>
+          </p:cNvPr>
+          <p:cNvSpPr/>
+          <p:nvPr/>
+        </p:nvSpPr>
+        <p:spPr>
+          <a:xfrm>
+            <a:off x="6787568" y="3032049"/>
+            <a:ext cx="1903426" cy="686223"/>
+          </a:xfrm>
+          <a:prstGeom prst="rightArrow">
+            <a:avLst/>
+          </a:prstGeom>
+        </p:spPr>
+        <p:style>
+          <a:lnRef idx="2">
+            <a:schemeClr val="dk1"/>
+          </a:lnRef>
+          <a:fillRef idx="1">
+            <a:schemeClr val="lt1"/>
+          </a:fillRef>
+          <a:effectRef idx="0">
+            <a:schemeClr val="dk1"/>
+          </a:effectRef>
+          <a:fontRef idx="minor">
+            <a:schemeClr val="dk1"/>
+          </a:fontRef>
+        </p:style>
+        <p:txBody>
+          <a:bodyPr rtlCol="0" anchor="ctr"/>
+          <a:lstStyle/>
+          <a:p>
+            <a:pPr algn="ctr"/>
+            <a:r>
+              <a:rPr lang="en-US" dirty="0"/>
+              <a:t>Login good</a:t>
+            </a:r>
+          </a:p>
+        </p:txBody>
+      </p:sp>
+      <p:sp>
+        <p:nvSpPr>
+          <p:cNvPr id="10" name="Arrow: Right 9">
+            <a:extLst>
+              <a:ext uri="{FF2B5EF4-FFF2-40B4-BE49-F238E27FC236}">
+                <a16:creationId xmlns:a16="http://schemas.microsoft.com/office/drawing/2014/main" id="{49354979-405E-464D-B10D-EC9F717FEF12}"/>
+              </a:ext>
+            </a:extLst>
+          </p:cNvPr>
+          <p:cNvSpPr/>
+          <p:nvPr/>
+        </p:nvSpPr>
+        <p:spPr>
+          <a:xfrm>
+            <a:off x="6787568" y="4198118"/>
+            <a:ext cx="1903426" cy="686223"/>
+          </a:xfrm>
+          <a:prstGeom prst="rightArrow">
+            <a:avLst/>
+          </a:prstGeom>
+        </p:spPr>
+        <p:style>
+          <a:lnRef idx="2">
+            <a:schemeClr val="dk1"/>
+          </a:lnRef>
+          <a:fillRef idx="1">
+            <a:schemeClr val="lt1"/>
+          </a:fillRef>
+          <a:effectRef idx="0">
+            <a:schemeClr val="dk1"/>
+          </a:effectRef>
+          <a:fontRef idx="minor">
+            <a:schemeClr val="dk1"/>
+          </a:fontRef>
+        </p:style>
+        <p:txBody>
+          <a:bodyPr rtlCol="0" anchor="ctr"/>
+          <a:lstStyle/>
+          <a:p>
+            <a:pPr algn="ctr"/>
+            <a:r>
+              <a:rPr lang="en-US" dirty="0"/>
+              <a:t>Login bad</a:t>
+            </a:r>
+          </a:p>
+        </p:txBody>
+      </p:sp>
+      <p:sp>
+        <p:nvSpPr>
+          <p:cNvPr id="11" name="Rectangle: Rounded Corners 10">
+            <a:extLst>
+              <a:ext uri="{FF2B5EF4-FFF2-40B4-BE49-F238E27FC236}">
+                <a16:creationId xmlns:a16="http://schemas.microsoft.com/office/drawing/2014/main" id="{9CCEF493-16EF-41CD-9DF1-D71D9FA1B174}"/>
+              </a:ext>
+            </a:extLst>
+          </p:cNvPr>
+          <p:cNvSpPr/>
+          <p:nvPr/>
+        </p:nvSpPr>
+        <p:spPr>
+          <a:xfrm>
+            <a:off x="8867164" y="2650921"/>
+            <a:ext cx="2022116" cy="1283516"/>
+          </a:xfrm>
+          <a:prstGeom prst="roundRect">
+            <a:avLst/>
+          </a:prstGeom>
+        </p:spPr>
+        <p:style>
+          <a:lnRef idx="2">
+            <a:schemeClr val="dk1"/>
+          </a:lnRef>
+          <a:fillRef idx="1">
+            <a:schemeClr val="lt1"/>
+          </a:fillRef>
+          <a:effectRef idx="0">
+            <a:schemeClr val="dk1"/>
+          </a:effectRef>
+          <a:fontRef idx="minor">
+            <a:schemeClr val="dk1"/>
+          </a:fontRef>
+        </p:style>
+        <p:txBody>
+          <a:bodyPr rtlCol="0" anchor="ctr"/>
+          <a:lstStyle/>
+          <a:p>
+            <a:pPr algn="ctr"/>
+            <a:r>
+              <a:rPr lang="en-US" dirty="0"/>
+              <a:t>Hello, </a:t>
+            </a:r>
+            <a:r>
+              <a:rPr lang="en-US" dirty="0" err="1"/>
+              <a:t>Mr</a:t>
+            </a:r>
+            <a:r>
+              <a:rPr lang="en-US" dirty="0"/>
+              <a:t> Gross!</a:t>
+            </a:r>
+          </a:p>
+        </p:txBody>
+      </p:sp>
+      <p:sp>
+        <p:nvSpPr>
+          <p:cNvPr id="12" name="Rectangle: Rounded Corners 11">
+            <a:extLst>
+              <a:ext uri="{FF2B5EF4-FFF2-40B4-BE49-F238E27FC236}">
+                <a16:creationId xmlns:a16="http://schemas.microsoft.com/office/drawing/2014/main" id="{7792508A-4E1B-43F9-A54E-AB9EDDBAB437}"/>
+              </a:ext>
+            </a:extLst>
+          </p:cNvPr>
+          <p:cNvSpPr/>
+          <p:nvPr/>
+        </p:nvSpPr>
+        <p:spPr>
+          <a:xfrm>
+            <a:off x="28067" y="3589815"/>
+            <a:ext cx="2294389" cy="822957"/>
+          </a:xfrm>
+          <a:prstGeom prst="roundRect">
+            <a:avLst/>
+          </a:prstGeom>
+        </p:spPr>
+        <p:style>
+          <a:lnRef idx="2">
+            <a:schemeClr val="dk1"/>
+          </a:lnRef>
+          <a:fillRef idx="1">
+            <a:schemeClr val="lt1"/>
+          </a:fillRef>
+          <a:effectRef idx="0">
+            <a:schemeClr val="dk1"/>
+          </a:effectRef>
+          <a:fontRef idx="minor">
+            <a:schemeClr val="dk1"/>
+          </a:fontRef>
+        </p:style>
+        <p:txBody>
+          <a:bodyPr rtlCol="0" anchor="ctr"/>
+          <a:lstStyle/>
+          <a:p>
+            <a:pPr algn="ctr"/>
+            <a:r>
+              <a:rPr lang="en-US" dirty="0"/>
+              <a:t>username=</a:t>
+            </a:r>
+            <a:r>
+              <a:rPr lang="en-US" dirty="0" err="1"/>
+              <a:t>grossjos</a:t>
+            </a:r>
+            <a:endParaRPr lang="en-US" dirty="0"/>
+          </a:p>
+          <a:p>
+            <a:pPr algn="ctr"/>
+            <a:r>
+              <a:rPr lang="en-US" dirty="0"/>
+              <a:t>password=password</a:t>
+            </a:r>
+          </a:p>
+        </p:txBody>
+      </p:sp>
+      <p:sp>
+        <p:nvSpPr>
+          <p:cNvPr id="13" name="Rectangle: Rounded Corners 12">
+            <a:extLst>
+              <a:ext uri="{FF2B5EF4-FFF2-40B4-BE49-F238E27FC236}">
+                <a16:creationId xmlns:a16="http://schemas.microsoft.com/office/drawing/2014/main" id="{400C3327-798B-4A9D-BB54-C9BEB2DBF68D}"/>
+              </a:ext>
+            </a:extLst>
+          </p:cNvPr>
+          <p:cNvSpPr/>
+          <p:nvPr/>
+        </p:nvSpPr>
+        <p:spPr>
+          <a:xfrm>
+            <a:off x="8867163" y="4001294"/>
+            <a:ext cx="2022117" cy="1283516"/>
+          </a:xfrm>
+          <a:prstGeom prst="roundRect">
+            <a:avLst/>
+          </a:prstGeom>
+        </p:spPr>
+        <p:style>
+          <a:lnRef idx="2">
+            <a:schemeClr val="dk1"/>
+          </a:lnRef>
+          <a:fillRef idx="1">
+            <a:schemeClr val="lt1"/>
+          </a:fillRef>
+          <a:effectRef idx="0">
+            <a:schemeClr val="dk1"/>
+          </a:effectRef>
+          <a:fontRef idx="minor">
+            <a:schemeClr val="dk1"/>
+          </a:fontRef>
+        </p:style>
+        <p:txBody>
+          <a:bodyPr rtlCol="0" anchor="ctr"/>
+          <a:lstStyle/>
+          <a:p>
+            <a:pPr algn="ctr"/>
+            <a:r>
+              <a:rPr lang="en-US" dirty="0"/>
+              <a:t>Invalid credentials, please try again</a:t>
+            </a:r>
+          </a:p>
+        </p:txBody>
+      </p:sp>
+    </p:spTree>
+    <p:extLst>
+      <p:ext uri="{BB962C8B-B14F-4D97-AF65-F5344CB8AC3E}">
+        <p14:creationId xmlns:p14="http://schemas.microsoft.com/office/powerpoint/2010/main" val="1685363875"/>
+      </p:ext>
+    </p:extLst>
+  </p:cSld>
+  <p:clrMapOvr>
+    <a:masterClrMapping/>
+  </p:clrMapOvr>
+</p:sld>
+</file>
+
+<file path=ppt/slides/slide29.xml><?xml version="1.0" encoding="utf-8"?>
+<p:sld xmlns:a="http://schemas.openxmlformats.org/drawingml/2006/main" xmlns:r="http://schemas.openxmlformats.org/officeDocument/2006/relationships" xmlns:p="http://schemas.openxmlformats.org/presentationml/2006/main">
+  <p:cSld>
+    <p:spTree>
+      <p:nvGrpSpPr>
+        <p:cNvPr id="1" name=""/>
+        <p:cNvGrpSpPr/>
+        <p:nvPr/>
+      </p:nvGrpSpPr>
+      <p:grpSpPr>
+        <a:xfrm>
+          <a:off x="0" y="0"/>
+          <a:ext cx="0" cy="0"/>
+          <a:chOff x="0" y="0"/>
+          <a:chExt cx="0" cy="0"/>
+        </a:xfrm>
+      </p:grpSpPr>
+      <p:sp>
+        <p:nvSpPr>
+          <p:cNvPr id="4" name="Title 3"/>
+          <p:cNvSpPr>
+            <a:spLocks noGrp="1"/>
+          </p:cNvSpPr>
+          <p:nvPr>
+            <p:ph type="title"/>
+          </p:nvPr>
+        </p:nvSpPr>
+        <p:spPr/>
+        <p:txBody>
+          <a:bodyPr/>
+          <a:lstStyle/>
+          <a:p>
+            <a:r>
+              <a:rPr lang="en-US"/>
+              <a:t>Navigating to a Website</a:t>
+            </a:r>
+          </a:p>
+        </p:txBody>
+      </p:sp>
+      <p:sp>
+        <p:nvSpPr>
+          <p:cNvPr id="5" name="Content Placeholder 4"/>
+          <p:cNvSpPr>
+            <a:spLocks noGrp="1"/>
+          </p:cNvSpPr>
+          <p:nvPr>
+            <p:ph idx="1"/>
+          </p:nvPr>
+        </p:nvSpPr>
+        <p:spPr/>
+        <p:txBody>
+          <a:bodyPr>
+            <a:normAutofit/>
+          </a:bodyPr>
+          <a:lstStyle/>
           <a:p>
             <a:r>
               <a:rPr lang="en-US"/>
               <a:t>Now that we know something about how the internet works, we can zoom in on a certain area of the internet: web development.</a:t>
             </a:r>
-            <a:endParaRPr lang="en-US"/>
           </a:p>
         </p:txBody>
       </p:sp>
@@ -4927,7 +6941,14 @@
         <p:cNvGrpSpPr/>
         <p:nvPr/>
       </p:nvGrpSpPr>
-      <p:grpSpPr/>
+      <p:grpSpPr>
+        <a:xfrm>
+          <a:off x="0" y="0"/>
+          <a:ext cx="0" cy="0"/>
+          <a:chOff x="0" y="0"/>
+          <a:chExt cx="0" cy="0"/>
+        </a:xfrm>
+      </p:grpSpPr>
       <p:sp>
         <p:nvSpPr>
           <p:cNvPr id="4" name="Title 3"/>
@@ -4941,12 +6962,12 @@
         <p:spPr/>
         <p:txBody>
           <a:bodyPr/>
-          <a:p>
-            <a:r>
-              <a:rPr lang="en-US"/>
-              <a:t>The Internet</a:t>
-            </a:r>
-            <a:endParaRPr lang="en-US"/>
+          <a:lstStyle/>
+          <a:p>
+            <a:r>
+              <a:rPr lang="en-US"/>
+              <a:t>Navigating to a Website</a:t>
+            </a:r>
           </a:p>
         </p:txBody>
       </p:sp>
@@ -4963,23 +6984,18 @@
         <p:spPr/>
         <p:txBody>
           <a:bodyPr/>
-          <a:p>
-            <a:r>
-              <a:rPr lang="en-US"/>
-              <a:t>Question: What is the internet?</a:t>
-            </a:r>
-            <a:endParaRPr lang="en-US"/>
-          </a:p>
-          <a:p>
-            <a:r>
-              <a:rPr lang="en-US"/>
-              <a:t>To answer the question, look at the characteristics:</a:t>
-            </a:r>
-            <a:endParaRPr lang="en-US"/>
-          </a:p>
-          <a:p>
-            <a:pPr lvl="1"/>
-            <a:endParaRPr lang="en-US"/>
+          <a:lstStyle/>
+          <a:p>
+            <a:r>
+              <a:rPr lang="en-US"/>
+              <a:t>When you click a link, type in a URL, search on Google, etc., you are attempting to navigate to a website</a:t>
+            </a:r>
+          </a:p>
+          <a:p>
+            <a:r>
+              <a:rPr lang="en-US"/>
+              <a:t>Question: What happens when you attempt to navigate to a website?</a:t>
+            </a:r>
           </a:p>
         </p:txBody>
       </p:sp>
@@ -5000,7 +7016,14 @@
         <p:cNvGrpSpPr/>
         <p:nvPr/>
       </p:nvGrpSpPr>
-      <p:grpSpPr/>
+      <p:grpSpPr>
+        <a:xfrm>
+          <a:off x="0" y="0"/>
+          <a:ext cx="0" cy="0"/>
+          <a:chOff x="0" y="0"/>
+          <a:chExt cx="0" cy="0"/>
+        </a:xfrm>
+      </p:grpSpPr>
       <p:sp>
         <p:nvSpPr>
           <p:cNvPr id="4" name="Title 3"/>
@@ -5014,12 +7037,12 @@
         <p:spPr/>
         <p:txBody>
           <a:bodyPr/>
-          <a:p>
-            <a:r>
-              <a:rPr lang="en-US"/>
-              <a:t>The Internet</a:t>
-            </a:r>
-            <a:endParaRPr lang="en-US"/>
+          <a:lstStyle/>
+          <a:p>
+            <a:r>
+              <a:rPr lang="en-US"/>
+              <a:t>Navigating to a Website</a:t>
+            </a:r>
           </a:p>
         </p:txBody>
       </p:sp>
@@ -5036,18 +7059,26 @@
         <p:spPr/>
         <p:txBody>
           <a:bodyPr/>
-          <a:p>
-            <a:r>
-              <a:rPr lang="en-US"/>
-              <a:t>Question: What is the internet?</a:t>
-            </a:r>
-            <a:endParaRPr lang="en-US"/>
-          </a:p>
-          <a:p>
-            <a:r>
-              <a:rPr lang="en-US"/>
-              <a:t>To answer the question, look at the characteristics:</a:t>
-            </a:r>
+          <a:lstStyle/>
+          <a:p>
+            <a:r>
+              <a:rPr lang="en-US"/>
+              <a:t>When you click a link, type in a URL, search on Google, etc., you are attempting to navigate to a website</a:t>
+            </a:r>
+          </a:p>
+          <a:p>
+            <a:r>
+              <a:rPr lang="en-US"/>
+              <a:t>Question: What happens when you attempt to navigate to a website?</a:t>
+            </a:r>
+          </a:p>
+          <a:p>
+            <a:r>
+              <a:rPr lang="en-US"/>
+              <a:t>Answer: The following process happens:</a:t>
+            </a:r>
+          </a:p>
+          <a:p>
             <a:endParaRPr lang="en-US"/>
           </a:p>
         </p:txBody>
@@ -5069,7 +7100,14 @@
         <p:cNvGrpSpPr/>
         <p:nvPr/>
       </p:nvGrpSpPr>
-      <p:grpSpPr/>
+      <p:grpSpPr>
+        <a:xfrm>
+          <a:off x="0" y="0"/>
+          <a:ext cx="0" cy="0"/>
+          <a:chOff x="0" y="0"/>
+          <a:chExt cx="0" cy="0"/>
+        </a:xfrm>
+      </p:grpSpPr>
       <p:sp>
         <p:nvSpPr>
           <p:cNvPr id="4" name="Title 3"/>
@@ -5083,12 +7121,12 @@
         <p:spPr/>
         <p:txBody>
           <a:bodyPr/>
+          <a:lstStyle/>
           <a:p>
             <a:r>
               <a:rPr lang="en-US"/>
               <a:t>Navigating to a Website</a:t>
             </a:r>
-            <a:endParaRPr lang="en-US"/>
           </a:p>
         </p:txBody>
       </p:sp>
@@ -5105,12 +7143,33 @@
         <p:spPr/>
         <p:txBody>
           <a:bodyPr/>
+          <a:lstStyle/>
           <a:p>
             <a:r>
               <a:rPr lang="en-US"/>
               <a:t>When you click a link, type in a URL, search on Google, etc., you are attempting to navigate to a website</a:t>
             </a:r>
-            <a:endParaRPr lang="en-US"/>
+          </a:p>
+          <a:p>
+            <a:r>
+              <a:rPr lang="en-US"/>
+              <a:t>Question: What happens when you attempt to navigate to a website?</a:t>
+            </a:r>
+          </a:p>
+          <a:p>
+            <a:r>
+              <a:rPr lang="en-US"/>
+              <a:t>Answer: The following process happens:</a:t>
+            </a:r>
+          </a:p>
+          <a:p>
+            <a:pPr marL="971550" lvl="1" indent="-514350">
+              <a:buAutoNum type="arabicPeriod"/>
+            </a:pPr>
+            <a:r>
+              <a:rPr lang="en-US"/>
+              <a:t>Your device sends a message to your network host (WIFI, Ethernet), requesting information about a certain website. </a:t>
+            </a:r>
           </a:p>
         </p:txBody>
       </p:sp>
@@ -5131,7 +7190,14 @@
         <p:cNvGrpSpPr/>
         <p:nvPr/>
       </p:nvGrpSpPr>
-      <p:grpSpPr/>
+      <p:grpSpPr>
+        <a:xfrm>
+          <a:off x="0" y="0"/>
+          <a:ext cx="0" cy="0"/>
+          <a:chOff x="0" y="0"/>
+          <a:chExt cx="0" cy="0"/>
+        </a:xfrm>
+      </p:grpSpPr>
       <p:sp>
         <p:nvSpPr>
           <p:cNvPr id="4" name="Title 3"/>
@@ -5145,12 +7211,12 @@
         <p:spPr/>
         <p:txBody>
           <a:bodyPr/>
+          <a:lstStyle/>
           <a:p>
             <a:r>
               <a:rPr lang="en-US"/>
               <a:t>Navigating to a Website</a:t>
             </a:r>
-            <a:endParaRPr lang="en-US"/>
           </a:p>
         </p:txBody>
       </p:sp>
@@ -5167,19 +7233,48 @@
         <p:spPr/>
         <p:txBody>
           <a:bodyPr/>
-          <a:p>
-            <a:r>
-              <a:rPr lang="en-US"/>
+          <a:lstStyle/>
+          <a:p>
+            <a:r>
+              <a:rPr lang="en-US" dirty="0"/>
               <a:t>When you click a link, type in a URL, search on Google, etc., you are attempting to navigate to a website</a:t>
             </a:r>
-            <a:endParaRPr lang="en-US"/>
-          </a:p>
-          <a:p>
-            <a:r>
-              <a:rPr lang="en-US"/>
+          </a:p>
+          <a:p>
+            <a:r>
+              <a:rPr lang="en-US" dirty="0"/>
               <a:t>Question: What happens when you attempt to navigate to a website?</a:t>
             </a:r>
-            <a:endParaRPr lang="en-US"/>
+          </a:p>
+          <a:p>
+            <a:r>
+              <a:rPr lang="en-US" dirty="0"/>
+              <a:t>Answer: The following process happens:</a:t>
+            </a:r>
+          </a:p>
+          <a:p>
+            <a:pPr marL="971550" lvl="1" indent="-514350">
+              <a:buAutoNum type="arabicPeriod"/>
+            </a:pPr>
+            <a:r>
+              <a:rPr lang="en-US" dirty="0"/>
+              <a:t>Your device sends a message to your network host (WIFI, Ethernet), requesting information about a certain website. </a:t>
+            </a:r>
+          </a:p>
+          <a:p>
+            <a:pPr marL="971550" lvl="1" indent="-514350">
+              <a:buAutoNum type="arabicPeriod"/>
+            </a:pPr>
+            <a:r>
+              <a:rPr lang="en-US" dirty="0"/>
+              <a:t>Your network host sends this message to your Internet Service Provider (ISP).</a:t>
+            </a:r>
+          </a:p>
+          <a:p>
+            <a:pPr marL="971550" lvl="1" indent="-514350">
+              <a:buAutoNum type="arabicPeriod"/>
+            </a:pPr>
+            <a:endParaRPr lang="en-US" dirty="0"/>
           </a:p>
         </p:txBody>
       </p:sp>
@@ -5200,7 +7295,14 @@
         <p:cNvGrpSpPr/>
         <p:nvPr/>
       </p:nvGrpSpPr>
-      <p:grpSpPr/>
+      <p:grpSpPr>
+        <a:xfrm>
+          <a:off x="0" y="0"/>
+          <a:ext cx="0" cy="0"/>
+          <a:chOff x="0" y="0"/>
+          <a:chExt cx="0" cy="0"/>
+        </a:xfrm>
+      </p:grpSpPr>
       <p:sp>
         <p:nvSpPr>
           <p:cNvPr id="4" name="Title 3"/>
@@ -5214,12 +7316,12 @@
         <p:spPr/>
         <p:txBody>
           <a:bodyPr/>
+          <a:lstStyle/>
           <a:p>
             <a:r>
               <a:rPr lang="en-US"/>
               <a:t>Navigating to a Website</a:t>
             </a:r>
-            <a:endParaRPr lang="en-US"/>
           </a:p>
         </p:txBody>
       </p:sp>
@@ -5235,29 +7337,59 @@
         </p:nvSpPr>
         <p:spPr/>
         <p:txBody>
-          <a:bodyPr/>
+          <a:bodyPr>
+            <a:normAutofit lnSpcReduction="10000"/>
+          </a:bodyPr>
+          <a:lstStyle/>
           <a:p>
             <a:r>
               <a:rPr lang="en-US"/>
               <a:t>When you click a link, type in a URL, search on Google, etc., you are attempting to navigate to a website</a:t>
             </a:r>
-            <a:endParaRPr lang="en-US"/>
           </a:p>
           <a:p>
             <a:r>
               <a:rPr lang="en-US"/>
               <a:t>Question: What happens when you attempt to navigate to a website?</a:t>
             </a:r>
-            <a:endParaRPr lang="en-US"/>
           </a:p>
           <a:p>
             <a:r>
               <a:rPr lang="en-US"/>
               <a:t>Answer: The following process happens:</a:t>
             </a:r>
-            <a:endParaRPr lang="en-US"/>
-          </a:p>
-          <a:p>
+          </a:p>
+          <a:p>
+            <a:pPr marL="971550" lvl="1" indent="-514350">
+              <a:buAutoNum type="arabicPeriod"/>
+            </a:pPr>
+            <a:r>
+              <a:rPr lang="en-US"/>
+              <a:t>Your device sends a message to your network host (WIFI, Ethernet), requesting information about a certain website. </a:t>
+            </a:r>
+          </a:p>
+          <a:p>
+            <a:pPr marL="971550" lvl="1" indent="-514350">
+              <a:buAutoNum type="arabicPeriod"/>
+            </a:pPr>
+            <a:r>
+              <a:rPr lang="en-US"/>
+              <a:t>Your network host sends this message to your Internet Service Provider (ISP).</a:t>
+            </a:r>
+          </a:p>
+          <a:p>
+            <a:pPr marL="971550" lvl="1" indent="-514350">
+              <a:buAutoNum type="arabicPeriod"/>
+            </a:pPr>
+            <a:r>
+              <a:rPr lang="en-US"/>
+              <a:t>Your Internet Service Provider talks to other ISPs throughout the county, state, country, and world, to determine where the information about the website exists.</a:t>
+            </a:r>
+          </a:p>
+          <a:p>
+            <a:pPr marL="971550" lvl="1" indent="-514350">
+              <a:buAutoNum type="arabicPeriod"/>
+            </a:pPr>
             <a:endParaRPr lang="en-US"/>
           </a:p>
         </p:txBody>
@@ -5279,7 +7411,14 @@
         <p:cNvGrpSpPr/>
         <p:nvPr/>
       </p:nvGrpSpPr>
-      <p:grpSpPr/>
+      <p:grpSpPr>
+        <a:xfrm>
+          <a:off x="0" y="0"/>
+          <a:ext cx="0" cy="0"/>
+          <a:chOff x="0" y="0"/>
+          <a:chExt cx="0" cy="0"/>
+        </a:xfrm>
+      </p:grpSpPr>
       <p:sp>
         <p:nvSpPr>
           <p:cNvPr id="4" name="Title 3"/>
@@ -5293,12 +7432,12 @@
         <p:spPr/>
         <p:txBody>
           <a:bodyPr/>
+          <a:lstStyle/>
           <a:p>
             <a:r>
               <a:rPr lang="en-US"/>
               <a:t>Navigating to a Website</a:t>
             </a:r>
-            <a:endParaRPr lang="en-US"/>
           </a:p>
         </p:txBody>
       </p:sp>
@@ -5314,27 +7453,27 @@
         </p:nvSpPr>
         <p:spPr/>
         <p:txBody>
-          <a:bodyPr/>
+          <a:bodyPr>
+            <a:normAutofit fontScale="92500"/>
+          </a:bodyPr>
+          <a:lstStyle/>
           <a:p>
             <a:r>
               <a:rPr lang="en-US"/>
               <a:t>When you click a link, type in a URL, search on Google, etc., you are attempting to navigate to a website</a:t>
             </a:r>
-            <a:endParaRPr lang="en-US"/>
           </a:p>
           <a:p>
             <a:r>
               <a:rPr lang="en-US"/>
               <a:t>Question: What happens when you attempt to navigate to a website?</a:t>
             </a:r>
-            <a:endParaRPr lang="en-US"/>
           </a:p>
           <a:p>
             <a:r>
               <a:rPr lang="en-US"/>
               <a:t>Answer: The following process happens:</a:t>
             </a:r>
-            <a:endParaRPr lang="en-US"/>
           </a:p>
           <a:p>
             <a:pPr marL="971550" lvl="1" indent="-514350">
@@ -5344,6 +7483,38 @@
               <a:rPr lang="en-US"/>
               <a:t>Your device sends a message to your network host (WIFI, Ethernet), requesting information about a certain website. </a:t>
             </a:r>
+          </a:p>
+          <a:p>
+            <a:pPr marL="971550" lvl="1" indent="-514350">
+              <a:buAutoNum type="arabicPeriod"/>
+            </a:pPr>
+            <a:r>
+              <a:rPr lang="en-US"/>
+              <a:t>Your network host sends this message to your Internet Service Provider (ISP).</a:t>
+            </a:r>
+          </a:p>
+          <a:p>
+            <a:pPr marL="971550" lvl="1" indent="-514350">
+              <a:buAutoNum type="arabicPeriod"/>
+            </a:pPr>
+            <a:r>
+              <a:rPr lang="en-US"/>
+              <a:t>Your Internet Service Provider talks to other ISPs throughout the county, state, country, and world, to determine where the information about the website exists.</a:t>
+            </a:r>
+          </a:p>
+          <a:p>
+            <a:pPr marL="971550" lvl="1" indent="-514350">
+              <a:buAutoNum type="arabicPeriod"/>
+            </a:pPr>
+            <a:r>
+              <a:rPr lang="en-US"/>
+              <a:t>Once the location of the information has been found, the request message is sent to the computer that stores that information.</a:t>
+            </a:r>
+          </a:p>
+          <a:p>
+            <a:pPr marL="971550" lvl="1" indent="-514350">
+              <a:buAutoNum type="arabicPeriod"/>
+            </a:pPr>
             <a:endParaRPr lang="en-US"/>
           </a:p>
         </p:txBody>
@@ -5365,7 +7536,14 @@
         <p:cNvGrpSpPr/>
         <p:nvPr/>
       </p:nvGrpSpPr>
-      <p:grpSpPr/>
+      <p:grpSpPr>
+        <a:xfrm>
+          <a:off x="0" y="0"/>
+          <a:ext cx="0" cy="0"/>
+          <a:chOff x="0" y="0"/>
+          <a:chExt cx="0" cy="0"/>
+        </a:xfrm>
+      </p:grpSpPr>
       <p:sp>
         <p:nvSpPr>
           <p:cNvPr id="4" name="Title 3"/>
@@ -5379,12 +7557,12 @@
         <p:spPr/>
         <p:txBody>
           <a:bodyPr/>
+          <a:lstStyle/>
           <a:p>
             <a:r>
               <a:rPr lang="en-US"/>
               <a:t>Navigating to a Website</a:t>
             </a:r>
-            <a:endParaRPr lang="en-US"/>
           </a:p>
         </p:txBody>
       </p:sp>
@@ -5400,27 +7578,27 @@
         </p:nvSpPr>
         <p:spPr/>
         <p:txBody>
-          <a:bodyPr/>
+          <a:bodyPr>
+            <a:normAutofit fontScale="90000" lnSpcReduction="10000"/>
+          </a:bodyPr>
+          <a:lstStyle/>
           <a:p>
             <a:r>
               <a:rPr lang="en-US"/>
               <a:t>When you click a link, type in a URL, search on Google, etc., you are attempting to navigate to a website</a:t>
             </a:r>
-            <a:endParaRPr lang="en-US"/>
           </a:p>
           <a:p>
             <a:r>
               <a:rPr lang="en-US"/>
               <a:t>Question: What happens when you attempt to navigate to a website?</a:t>
             </a:r>
-            <a:endParaRPr lang="en-US"/>
           </a:p>
           <a:p>
             <a:r>
               <a:rPr lang="en-US"/>
               <a:t>Answer: The following process happens:</a:t>
             </a:r>
-            <a:endParaRPr lang="en-US"/>
           </a:p>
           <a:p>
             <a:pPr marL="971550" lvl="1" indent="-514350">
@@ -5430,7 +7608,6 @@
               <a:rPr lang="en-US"/>
               <a:t>Your device sends a message to your network host (WIFI, Ethernet), requesting information about a certain website. </a:t>
             </a:r>
-            <a:endParaRPr lang="en-US"/>
           </a:p>
           <a:p>
             <a:pPr marL="971550" lvl="1" indent="-514350">
@@ -5438,9 +7615,35 @@
             </a:pPr>
             <a:r>
               <a:rPr lang="en-US"/>
-              <a:t>Your network host sends this message to your Internet Service Provider.</a:t>
-            </a:r>
-            <a:endParaRPr lang="en-US"/>
+              <a:t>Your network host sends this message to your Internet Service Provider (ISP).</a:t>
+            </a:r>
+          </a:p>
+          <a:p>
+            <a:pPr marL="971550" lvl="1" indent="-514350">
+              <a:buAutoNum type="arabicPeriod"/>
+            </a:pPr>
+            <a:r>
+              <a:rPr lang="en-US"/>
+              <a:t>Your Internet Service Provider talks to other ISPs throughout the county, state, country, and world, to determine where the information about the website exists.</a:t>
+            </a:r>
+          </a:p>
+          <a:p>
+            <a:pPr marL="971550" lvl="1" indent="-514350">
+              <a:buAutoNum type="arabicPeriod"/>
+            </a:pPr>
+            <a:r>
+              <a:rPr lang="en-US"/>
+              <a:t>Once the location of the information has been found, the request message is sent to the computer that stores that information.</a:t>
+            </a:r>
+          </a:p>
+          <a:p>
+            <a:pPr marL="971550" lvl="1" indent="-514350">
+              <a:buAutoNum type="arabicPeriod"/>
+            </a:pPr>
+            <a:r>
+              <a:rPr lang="en-US"/>
+              <a:t>The computer that stores the information then sends the information back in a response message to your computer.</a:t>
+            </a:r>
           </a:p>
           <a:p>
             <a:pPr marL="971550" lvl="1" indent="-514350">
@@ -5709,6 +7912,8 @@
       </a:bgFillStyleLst>
     </a:fmtScheme>
   </a:themeElements>
+  <a:objectDefaults/>
+  <a:extraClrSchemeLst/>
   <a:extLst>
     <a:ext uri="{05A4C25C-085E-4340-85A3-A5531E510DB2}">
       <thm15:themeFamily xmlns:thm15="http://schemas.microsoft.com/office/thememl/2012/main" name="Office Theme" id="{62F939B6-93AF-4DB8-9C6B-D6C7DFDC589F}" vid="{4A3C46E8-61CC-4603-A589-7422A47A8E4A}"/>
